--- a/English Scratch Cards easier to translate/fly-cards.pptx
+++ b/English Scratch Cards easier to translate/fly-cards.pptx
@@ -277,7 +277,7 @@
           <a:p>
             <a:fld id="{1D8BD707-D9CF-40AE-B4C6-C98DA3205C09}" type="datetimeFigureOut">
               <a:rPr lang="en-US"/>
-              <a:t>6/14/2020</a:t>
+              <a:t>1/23/2021</a:t>
             </a:fld>
             <a:endParaRPr lang="en-US"/>
           </a:p>
@@ -452,7 +452,7 @@
           <a:p>
             <a:fld id="{1D8BD707-D9CF-40AE-B4C6-C98DA3205C09}" type="datetimeFigureOut">
               <a:rPr lang="en-US"/>
-              <a:t>6/14/2020</a:t>
+              <a:t>1/23/2021</a:t>
             </a:fld>
             <a:endParaRPr lang="en-US"/>
           </a:p>
@@ -666,7 +666,7 @@
           <a:p>
             <a:fld id="{1D8BD707-D9CF-40AE-B4C6-C98DA3205C09}" type="datetimeFigureOut">
               <a:rPr lang="en-US"/>
-              <a:t>6/14/2020</a:t>
+              <a:t>1/23/2021</a:t>
             </a:fld>
             <a:endParaRPr lang="en-US"/>
           </a:p>
@@ -814,7 +814,7 @@
           <a:p>
             <a:fld id="{1D8BD707-D9CF-40AE-B4C6-C98DA3205C09}" type="datetimeFigureOut">
               <a:rPr lang="en-US"/>
-              <a:t>6/14/2020</a:t>
+              <a:t>1/23/2021</a:t>
             </a:fld>
             <a:endParaRPr lang="en-US"/>
           </a:p>
@@ -933,7 +933,7 @@
           <a:p>
             <a:fld id="{1D8BD707-D9CF-40AE-B4C6-C98DA3205C09}" type="datetimeFigureOut">
               <a:rPr lang="en-US"/>
-              <a:t>6/14/2020</a:t>
+              <a:t>1/23/2021</a:t>
             </a:fld>
             <a:endParaRPr lang="en-US"/>
           </a:p>
@@ -1156,7 +1156,7 @@
           <a:p>
             <a:fld id="{1D8BD707-D9CF-40AE-B4C6-C98DA3205C09}" type="datetimeFigureOut">
               <a:rPr lang="en-US"/>
-              <a:t>6/14/2020</a:t>
+              <a:t>1/23/2021</a:t>
             </a:fld>
             <a:endParaRPr lang="en-US"/>
           </a:p>
@@ -10131,8 +10131,699 @@
         </p:nvSpPr>
         <p:spPr>
           <a:xfrm>
-            <a:off x="804141" y="5022850"/>
-            <a:ext cx="2961005" cy="238760"/>
+            <a:off x="15240" y="5022850"/>
+            <a:ext cx="4556759" cy="228268"/>
+          </a:xfrm>
+          <a:prstGeom prst="rect">
+            <a:avLst/>
+          </a:prstGeom>
+        </p:spPr>
+        <p:txBody>
+          <a:bodyPr vert="horz" wrap="square" lIns="0" tIns="12700" rIns="0" bIns="0" rtlCol="0">
+            <a:spAutoFit/>
+          </a:bodyPr>
+          <a:lstStyle/>
+          <a:p>
+            <a:pPr marL="12700" algn="ctr">
+              <a:lnSpc>
+                <a:spcPct val="100000"/>
+              </a:lnSpc>
+              <a:spcBef>
+                <a:spcPts val="100"/>
+              </a:spcBef>
+            </a:pPr>
+            <a:r>
+              <a:rPr sz="1400" b="1" spc="-15" dirty="0">
+                <a:solidFill>
+                  <a:srgbClr val="FFFFFF"/>
+                </a:solidFill>
+                <a:latin typeface="Roboto"/>
+                <a:cs typeface="Roboto"/>
+              </a:rPr>
+              <a:t>Choose </a:t>
+            </a:r>
+            <a:r>
+              <a:rPr sz="1400" b="1" spc="-10" dirty="0">
+                <a:solidFill>
+                  <a:srgbClr val="FFFFFF"/>
+                </a:solidFill>
+                <a:latin typeface="Roboto"/>
+                <a:cs typeface="Roboto"/>
+              </a:rPr>
+              <a:t>any </a:t>
+            </a:r>
+            <a:r>
+              <a:rPr sz="1400" b="1" spc="-20" dirty="0">
+                <a:solidFill>
+                  <a:srgbClr val="FFFFFF"/>
+                </a:solidFill>
+                <a:latin typeface="Roboto"/>
+                <a:cs typeface="Roboto"/>
+              </a:rPr>
+              <a:t>character </a:t>
+            </a:r>
+            <a:r>
+              <a:rPr sz="1400" b="1" spc="-10" dirty="0">
+                <a:solidFill>
+                  <a:srgbClr val="FFFFFF"/>
+                </a:solidFill>
+                <a:latin typeface="Roboto"/>
+                <a:cs typeface="Roboto"/>
+              </a:rPr>
+              <a:t>and </a:t>
+            </a:r>
+            <a:r>
+              <a:rPr sz="1400" b="1" spc="-15" dirty="0">
+                <a:solidFill>
+                  <a:srgbClr val="FFFFFF"/>
+                </a:solidFill>
+                <a:latin typeface="Roboto"/>
+                <a:cs typeface="Roboto"/>
+              </a:rPr>
+              <a:t>make </a:t>
+            </a:r>
+            <a:r>
+              <a:rPr sz="1400" b="1" spc="-10" dirty="0">
+                <a:solidFill>
+                  <a:srgbClr val="FFFFFF"/>
+                </a:solidFill>
+                <a:latin typeface="Roboto"/>
+                <a:cs typeface="Roboto"/>
+              </a:rPr>
+              <a:t>it</a:t>
+            </a:r>
+            <a:r>
+              <a:rPr sz="1400" b="1" spc="-150" dirty="0">
+                <a:solidFill>
+                  <a:srgbClr val="FFFFFF"/>
+                </a:solidFill>
+                <a:latin typeface="Roboto"/>
+                <a:cs typeface="Roboto"/>
+              </a:rPr>
+              <a:t> </a:t>
+            </a:r>
+            <a:r>
+              <a:rPr sz="1400" b="1" spc="-20" dirty="0">
+                <a:solidFill>
+                  <a:srgbClr val="FFFFFF"/>
+                </a:solidFill>
+                <a:latin typeface="Roboto"/>
+                <a:cs typeface="Roboto"/>
+              </a:rPr>
+              <a:t>fly!</a:t>
+            </a:r>
+            <a:endParaRPr sz="1400" dirty="0">
+              <a:latin typeface="Roboto"/>
+              <a:cs typeface="Roboto"/>
+            </a:endParaRPr>
+          </a:p>
+        </p:txBody>
+      </p:sp>
+      <p:sp>
+        <p:nvSpPr>
+          <p:cNvPr id="41" name="object 41"/>
+          <p:cNvSpPr/>
+          <p:nvPr/>
+        </p:nvSpPr>
+        <p:spPr>
+          <a:xfrm>
+            <a:off x="349681" y="1864042"/>
+            <a:ext cx="1854187" cy="1390942"/>
+          </a:xfrm>
+          <a:prstGeom prst="rect">
+            <a:avLst/>
+          </a:prstGeom>
+          <a:blipFill>
+            <a:blip r:embed="rId5" cstate="print"/>
+            <a:stretch>
+              <a:fillRect/>
+            </a:stretch>
+          </a:blipFill>
+        </p:spPr>
+        <p:txBody>
+          <a:bodyPr wrap="square" lIns="0" tIns="0" rIns="0" bIns="0" rtlCol="0"/>
+          <a:lstStyle/>
+          <a:p>
+            <a:endParaRPr/>
+          </a:p>
+        </p:txBody>
+      </p:sp>
+      <p:sp>
+        <p:nvSpPr>
+          <p:cNvPr id="42" name="object 42"/>
+          <p:cNvSpPr/>
+          <p:nvPr/>
+        </p:nvSpPr>
+        <p:spPr>
+          <a:xfrm>
+            <a:off x="349678" y="1864042"/>
+            <a:ext cx="1854200" cy="1397000"/>
+          </a:xfrm>
+          <a:custGeom>
+            <a:avLst/>
+            <a:gdLst/>
+            <a:ahLst/>
+            <a:cxnLst/>
+            <a:rect l="l" t="t" r="r" b="b"/>
+            <a:pathLst>
+              <a:path w="1854200" h="1397000">
+                <a:moveTo>
+                  <a:pt x="170230" y="0"/>
+                </a:moveTo>
+                <a:lnTo>
+                  <a:pt x="71816" y="2665"/>
+                </a:lnTo>
+                <a:lnTo>
+                  <a:pt x="21278" y="21326"/>
+                </a:lnTo>
+                <a:lnTo>
+                  <a:pt x="2659" y="71976"/>
+                </a:lnTo>
+                <a:lnTo>
+                  <a:pt x="0" y="170611"/>
+                </a:lnTo>
+                <a:lnTo>
+                  <a:pt x="0" y="1226388"/>
+                </a:lnTo>
+                <a:lnTo>
+                  <a:pt x="2659" y="1325023"/>
+                </a:lnTo>
+                <a:lnTo>
+                  <a:pt x="21278" y="1375673"/>
+                </a:lnTo>
+                <a:lnTo>
+                  <a:pt x="71816" y="1394334"/>
+                </a:lnTo>
+                <a:lnTo>
+                  <a:pt x="170230" y="1397000"/>
+                </a:lnTo>
+                <a:lnTo>
+                  <a:pt x="1683969" y="1397000"/>
+                </a:lnTo>
+                <a:lnTo>
+                  <a:pt x="1782383" y="1394334"/>
+                </a:lnTo>
+                <a:lnTo>
+                  <a:pt x="1832921" y="1375673"/>
+                </a:lnTo>
+                <a:lnTo>
+                  <a:pt x="1851540" y="1325023"/>
+                </a:lnTo>
+                <a:lnTo>
+                  <a:pt x="1854200" y="1226388"/>
+                </a:lnTo>
+                <a:lnTo>
+                  <a:pt x="1854200" y="170611"/>
+                </a:lnTo>
+                <a:lnTo>
+                  <a:pt x="1851540" y="71976"/>
+                </a:lnTo>
+                <a:lnTo>
+                  <a:pt x="1832921" y="21326"/>
+                </a:lnTo>
+                <a:lnTo>
+                  <a:pt x="1782383" y="2665"/>
+                </a:lnTo>
+                <a:lnTo>
+                  <a:pt x="1683969" y="0"/>
+                </a:lnTo>
+                <a:lnTo>
+                  <a:pt x="170230" y="0"/>
+                </a:lnTo>
+                <a:close/>
+              </a:path>
+            </a:pathLst>
+          </a:custGeom>
+          <a:ln w="12700">
+            <a:solidFill>
+              <a:srgbClr val="FFFFFF"/>
+            </a:solidFill>
+          </a:ln>
+        </p:spPr>
+        <p:txBody>
+          <a:bodyPr wrap="square" lIns="0" tIns="0" rIns="0" bIns="0" rtlCol="0"/>
+          <a:lstStyle/>
+          <a:p>
+            <a:endParaRPr/>
+          </a:p>
+        </p:txBody>
+      </p:sp>
+      <p:sp>
+        <p:nvSpPr>
+          <p:cNvPr id="43" name="object 43"/>
+          <p:cNvSpPr/>
+          <p:nvPr/>
+        </p:nvSpPr>
+        <p:spPr>
+          <a:xfrm>
+            <a:off x="349681" y="3407422"/>
+            <a:ext cx="1851937" cy="1391408"/>
+          </a:xfrm>
+          <a:prstGeom prst="rect">
+            <a:avLst/>
+          </a:prstGeom>
+          <a:blipFill>
+            <a:blip r:embed="rId6" cstate="print"/>
+            <a:stretch>
+              <a:fillRect/>
+            </a:stretch>
+          </a:blipFill>
+        </p:spPr>
+        <p:txBody>
+          <a:bodyPr wrap="square" lIns="0" tIns="0" rIns="0" bIns="0" rtlCol="0"/>
+          <a:lstStyle/>
+          <a:p>
+            <a:endParaRPr/>
+          </a:p>
+        </p:txBody>
+      </p:sp>
+      <p:sp>
+        <p:nvSpPr>
+          <p:cNvPr id="44" name="object 44"/>
+          <p:cNvSpPr/>
+          <p:nvPr/>
+        </p:nvSpPr>
+        <p:spPr>
+          <a:xfrm>
+            <a:off x="349678" y="3403474"/>
+            <a:ext cx="1854200" cy="1397000"/>
+          </a:xfrm>
+          <a:custGeom>
+            <a:avLst/>
+            <a:gdLst/>
+            <a:ahLst/>
+            <a:cxnLst/>
+            <a:rect l="l" t="t" r="r" b="b"/>
+            <a:pathLst>
+              <a:path w="1854200" h="1397000">
+                <a:moveTo>
+                  <a:pt x="170230" y="0"/>
+                </a:moveTo>
+                <a:lnTo>
+                  <a:pt x="71816" y="2665"/>
+                </a:lnTo>
+                <a:lnTo>
+                  <a:pt x="21278" y="21326"/>
+                </a:lnTo>
+                <a:lnTo>
+                  <a:pt x="2659" y="71976"/>
+                </a:lnTo>
+                <a:lnTo>
+                  <a:pt x="0" y="170611"/>
+                </a:lnTo>
+                <a:lnTo>
+                  <a:pt x="0" y="1226388"/>
+                </a:lnTo>
+                <a:lnTo>
+                  <a:pt x="2659" y="1325023"/>
+                </a:lnTo>
+                <a:lnTo>
+                  <a:pt x="21278" y="1375673"/>
+                </a:lnTo>
+                <a:lnTo>
+                  <a:pt x="71816" y="1394334"/>
+                </a:lnTo>
+                <a:lnTo>
+                  <a:pt x="170230" y="1397000"/>
+                </a:lnTo>
+                <a:lnTo>
+                  <a:pt x="1683969" y="1397000"/>
+                </a:lnTo>
+                <a:lnTo>
+                  <a:pt x="1782383" y="1394334"/>
+                </a:lnTo>
+                <a:lnTo>
+                  <a:pt x="1832921" y="1375673"/>
+                </a:lnTo>
+                <a:lnTo>
+                  <a:pt x="1851540" y="1325023"/>
+                </a:lnTo>
+                <a:lnTo>
+                  <a:pt x="1854200" y="1226388"/>
+                </a:lnTo>
+                <a:lnTo>
+                  <a:pt x="1854200" y="170611"/>
+                </a:lnTo>
+                <a:lnTo>
+                  <a:pt x="1851540" y="71976"/>
+                </a:lnTo>
+                <a:lnTo>
+                  <a:pt x="1832921" y="21326"/>
+                </a:lnTo>
+                <a:lnTo>
+                  <a:pt x="1782383" y="2665"/>
+                </a:lnTo>
+                <a:lnTo>
+                  <a:pt x="1683969" y="0"/>
+                </a:lnTo>
+                <a:lnTo>
+                  <a:pt x="170230" y="0"/>
+                </a:lnTo>
+                <a:close/>
+              </a:path>
+            </a:pathLst>
+          </a:custGeom>
+          <a:ln w="12700">
+            <a:solidFill>
+              <a:srgbClr val="FFFFFF"/>
+            </a:solidFill>
+          </a:ln>
+        </p:spPr>
+        <p:txBody>
+          <a:bodyPr wrap="square" lIns="0" tIns="0" rIns="0" bIns="0" rtlCol="0"/>
+          <a:lstStyle/>
+          <a:p>
+            <a:endParaRPr/>
+          </a:p>
+        </p:txBody>
+      </p:sp>
+      <p:sp>
+        <p:nvSpPr>
+          <p:cNvPr id="45" name="object 45"/>
+          <p:cNvSpPr/>
+          <p:nvPr/>
+        </p:nvSpPr>
+        <p:spPr>
+          <a:xfrm>
+            <a:off x="2368118" y="3403472"/>
+            <a:ext cx="1854200" cy="1396999"/>
+          </a:xfrm>
+          <a:prstGeom prst="rect">
+            <a:avLst/>
+          </a:prstGeom>
+          <a:blipFill>
+            <a:blip r:embed="rId7" cstate="print"/>
+            <a:stretch>
+              <a:fillRect/>
+            </a:stretch>
+          </a:blipFill>
+        </p:spPr>
+        <p:txBody>
+          <a:bodyPr wrap="square" lIns="0" tIns="0" rIns="0" bIns="0" rtlCol="0"/>
+          <a:lstStyle/>
+          <a:p>
+            <a:endParaRPr/>
+          </a:p>
+        </p:txBody>
+      </p:sp>
+      <p:sp>
+        <p:nvSpPr>
+          <p:cNvPr id="46" name="object 46"/>
+          <p:cNvSpPr/>
+          <p:nvPr/>
+        </p:nvSpPr>
+        <p:spPr>
+          <a:xfrm>
+            <a:off x="2368124" y="3403474"/>
+            <a:ext cx="1854200" cy="1397000"/>
+          </a:xfrm>
+          <a:custGeom>
+            <a:avLst/>
+            <a:gdLst/>
+            <a:ahLst/>
+            <a:cxnLst/>
+            <a:rect l="l" t="t" r="r" b="b"/>
+            <a:pathLst>
+              <a:path w="1854200" h="1397000">
+                <a:moveTo>
+                  <a:pt x="170230" y="0"/>
+                </a:moveTo>
+                <a:lnTo>
+                  <a:pt x="71816" y="2665"/>
+                </a:lnTo>
+                <a:lnTo>
+                  <a:pt x="21278" y="21326"/>
+                </a:lnTo>
+                <a:lnTo>
+                  <a:pt x="2659" y="71976"/>
+                </a:lnTo>
+                <a:lnTo>
+                  <a:pt x="0" y="170611"/>
+                </a:lnTo>
+                <a:lnTo>
+                  <a:pt x="0" y="1226388"/>
+                </a:lnTo>
+                <a:lnTo>
+                  <a:pt x="2659" y="1325023"/>
+                </a:lnTo>
+                <a:lnTo>
+                  <a:pt x="21278" y="1375673"/>
+                </a:lnTo>
+                <a:lnTo>
+                  <a:pt x="71816" y="1394334"/>
+                </a:lnTo>
+                <a:lnTo>
+                  <a:pt x="170230" y="1397000"/>
+                </a:lnTo>
+                <a:lnTo>
+                  <a:pt x="1683969" y="1397000"/>
+                </a:lnTo>
+                <a:lnTo>
+                  <a:pt x="1782383" y="1394334"/>
+                </a:lnTo>
+                <a:lnTo>
+                  <a:pt x="1832921" y="1375673"/>
+                </a:lnTo>
+                <a:lnTo>
+                  <a:pt x="1851540" y="1325023"/>
+                </a:lnTo>
+                <a:lnTo>
+                  <a:pt x="1854200" y="1226388"/>
+                </a:lnTo>
+                <a:lnTo>
+                  <a:pt x="1854200" y="170611"/>
+                </a:lnTo>
+                <a:lnTo>
+                  <a:pt x="1851540" y="71976"/>
+                </a:lnTo>
+                <a:lnTo>
+                  <a:pt x="1832921" y="21326"/>
+                </a:lnTo>
+                <a:lnTo>
+                  <a:pt x="1782383" y="2665"/>
+                </a:lnTo>
+                <a:lnTo>
+                  <a:pt x="1683969" y="0"/>
+                </a:lnTo>
+                <a:lnTo>
+                  <a:pt x="170230" y="0"/>
+                </a:lnTo>
+                <a:close/>
+              </a:path>
+            </a:pathLst>
+          </a:custGeom>
+          <a:ln w="12700">
+            <a:solidFill>
+              <a:srgbClr val="FFFFFF"/>
+            </a:solidFill>
+          </a:ln>
+        </p:spPr>
+        <p:txBody>
+          <a:bodyPr wrap="square" lIns="0" tIns="0" rIns="0" bIns="0" rtlCol="0"/>
+          <a:lstStyle/>
+          <a:p>
+            <a:endParaRPr/>
+          </a:p>
+        </p:txBody>
+      </p:sp>
+      <p:sp>
+        <p:nvSpPr>
+          <p:cNvPr id="47" name="object 47"/>
+          <p:cNvSpPr/>
+          <p:nvPr/>
+        </p:nvSpPr>
+        <p:spPr>
+          <a:xfrm>
+            <a:off x="2368118" y="1865287"/>
+            <a:ext cx="1854200" cy="1395713"/>
+          </a:xfrm>
+          <a:prstGeom prst="rect">
+            <a:avLst/>
+          </a:prstGeom>
+          <a:blipFill>
+            <a:blip r:embed="rId8" cstate="print"/>
+            <a:stretch>
+              <a:fillRect/>
+            </a:stretch>
+          </a:blipFill>
+        </p:spPr>
+        <p:txBody>
+          <a:bodyPr wrap="square" lIns="0" tIns="0" rIns="0" bIns="0" rtlCol="0"/>
+          <a:lstStyle/>
+          <a:p>
+            <a:endParaRPr/>
+          </a:p>
+        </p:txBody>
+      </p:sp>
+      <p:sp>
+        <p:nvSpPr>
+          <p:cNvPr id="48" name="object 48"/>
+          <p:cNvSpPr/>
+          <p:nvPr/>
+        </p:nvSpPr>
+        <p:spPr>
+          <a:xfrm>
+            <a:off x="2368124" y="1864042"/>
+            <a:ext cx="1854200" cy="1397000"/>
+          </a:xfrm>
+          <a:custGeom>
+            <a:avLst/>
+            <a:gdLst/>
+            <a:ahLst/>
+            <a:cxnLst/>
+            <a:rect l="l" t="t" r="r" b="b"/>
+            <a:pathLst>
+              <a:path w="1854200" h="1397000">
+                <a:moveTo>
+                  <a:pt x="170230" y="0"/>
+                </a:moveTo>
+                <a:lnTo>
+                  <a:pt x="71816" y="2665"/>
+                </a:lnTo>
+                <a:lnTo>
+                  <a:pt x="21278" y="21326"/>
+                </a:lnTo>
+                <a:lnTo>
+                  <a:pt x="2659" y="71976"/>
+                </a:lnTo>
+                <a:lnTo>
+                  <a:pt x="0" y="170611"/>
+                </a:lnTo>
+                <a:lnTo>
+                  <a:pt x="0" y="1226388"/>
+                </a:lnTo>
+                <a:lnTo>
+                  <a:pt x="2659" y="1325023"/>
+                </a:lnTo>
+                <a:lnTo>
+                  <a:pt x="21278" y="1375673"/>
+                </a:lnTo>
+                <a:lnTo>
+                  <a:pt x="71816" y="1394334"/>
+                </a:lnTo>
+                <a:lnTo>
+                  <a:pt x="170230" y="1397000"/>
+                </a:lnTo>
+                <a:lnTo>
+                  <a:pt x="1683969" y="1397000"/>
+                </a:lnTo>
+                <a:lnTo>
+                  <a:pt x="1782383" y="1394334"/>
+                </a:lnTo>
+                <a:lnTo>
+                  <a:pt x="1832921" y="1375673"/>
+                </a:lnTo>
+                <a:lnTo>
+                  <a:pt x="1851540" y="1325023"/>
+                </a:lnTo>
+                <a:lnTo>
+                  <a:pt x="1854200" y="1226388"/>
+                </a:lnTo>
+                <a:lnTo>
+                  <a:pt x="1854200" y="170611"/>
+                </a:lnTo>
+                <a:lnTo>
+                  <a:pt x="1851540" y="71976"/>
+                </a:lnTo>
+                <a:lnTo>
+                  <a:pt x="1832921" y="21326"/>
+                </a:lnTo>
+                <a:lnTo>
+                  <a:pt x="1782383" y="2665"/>
+                </a:lnTo>
+                <a:lnTo>
+                  <a:pt x="1683969" y="0"/>
+                </a:lnTo>
+                <a:lnTo>
+                  <a:pt x="170230" y="0"/>
+                </a:lnTo>
+                <a:close/>
+              </a:path>
+            </a:pathLst>
+          </a:custGeom>
+          <a:ln w="12700">
+            <a:solidFill>
+              <a:srgbClr val="FFFFFF"/>
+            </a:solidFill>
+          </a:ln>
+        </p:spPr>
+        <p:txBody>
+          <a:bodyPr wrap="square" lIns="0" tIns="0" rIns="0" bIns="0" rtlCol="0"/>
+          <a:lstStyle/>
+          <a:p>
+            <a:endParaRPr/>
+          </a:p>
+        </p:txBody>
+      </p:sp>
+      <p:sp>
+        <p:nvSpPr>
+          <p:cNvPr id="49" name="object 49"/>
+          <p:cNvSpPr txBox="1">
+            <a:spLocks noGrp="1"/>
+          </p:cNvSpPr>
+          <p:nvPr>
+            <p:ph type="title"/>
+          </p:nvPr>
+        </p:nvSpPr>
+        <p:spPr>
+          <a:xfrm>
+            <a:off x="0" y="864915"/>
+            <a:ext cx="4572000" cy="864339"/>
+          </a:xfrm>
+          <a:prstGeom prst="rect">
+            <a:avLst/>
+          </a:prstGeom>
+        </p:spPr>
+        <p:txBody>
+          <a:bodyPr vert="horz" wrap="square" lIns="0" tIns="43180" rIns="0" bIns="0" rtlCol="0">
+            <a:spAutoFit/>
+          </a:bodyPr>
+          <a:lstStyle/>
+          <a:p>
+            <a:pPr marL="515620" marR="5080" indent="-503555" algn="ctr">
+              <a:lnSpc>
+                <a:spcPts val="3200"/>
+              </a:lnSpc>
+              <a:spcBef>
+                <a:spcPts val="340"/>
+              </a:spcBef>
+            </a:pPr>
+            <a:r>
+              <a:rPr spc="-20" dirty="0"/>
+              <a:t>Make </a:t>
+            </a:r>
+            <a:r>
+              <a:rPr dirty="0"/>
+              <a:t>it</a:t>
+            </a:r>
+            <a:r>
+              <a:rPr spc="-70" dirty="0"/>
+              <a:t> </a:t>
+            </a:r>
+            <a:r>
+              <a:rPr dirty="0"/>
+              <a:t>Fly</a:t>
+            </a:r>
+            <a:br>
+              <a:rPr lang="nl-NL" dirty="0"/>
+            </a:br>
+            <a:r>
+              <a:rPr spc="-5" dirty="0"/>
+              <a:t>Cards</a:t>
+            </a:r>
+          </a:p>
+        </p:txBody>
+      </p:sp>
+      <p:sp>
+        <p:nvSpPr>
+          <p:cNvPr id="50" name="object 50"/>
+          <p:cNvSpPr txBox="1"/>
+          <p:nvPr/>
+        </p:nvSpPr>
+        <p:spPr>
+          <a:xfrm>
+            <a:off x="457200" y="5927725"/>
+            <a:ext cx="915035" cy="177800"/>
           </a:xfrm>
           <a:prstGeom prst="rect">
             <a:avLst/>
@@ -10153,674 +10844,32 @@
               </a:spcBef>
             </a:pPr>
             <a:r>
-              <a:rPr sz="1400" b="1" spc="-15" dirty="0">
+              <a:rPr sz="1000" spc="-5" dirty="0">
                 <a:solidFill>
                   <a:srgbClr val="FFFFFF"/>
                 </a:solidFill>
-                <a:latin typeface="Roboto"/>
-                <a:cs typeface="Roboto"/>
-              </a:rPr>
-              <a:t>Choose </a:t>
-            </a:r>
-            <a:r>
-              <a:rPr sz="1400" b="1" spc="-10" dirty="0">
-                <a:solidFill>
-                  <a:srgbClr val="FFFFFF"/>
-                </a:solidFill>
-                <a:latin typeface="Roboto"/>
-                <a:cs typeface="Roboto"/>
-              </a:rPr>
-              <a:t>any </a:t>
-            </a:r>
-            <a:r>
-              <a:rPr sz="1400" b="1" spc="-20" dirty="0">
-                <a:solidFill>
-                  <a:srgbClr val="FFFFFF"/>
-                </a:solidFill>
-                <a:latin typeface="Roboto"/>
-                <a:cs typeface="Roboto"/>
-              </a:rPr>
-              <a:t>character </a:t>
-            </a:r>
-            <a:r>
-              <a:rPr sz="1400" b="1" spc="-10" dirty="0">
-                <a:solidFill>
-                  <a:srgbClr val="FFFFFF"/>
-                </a:solidFill>
-                <a:latin typeface="Roboto"/>
-                <a:cs typeface="Roboto"/>
-              </a:rPr>
-              <a:t>and </a:t>
-            </a:r>
-            <a:r>
-              <a:rPr sz="1400" b="1" spc="-15" dirty="0">
-                <a:solidFill>
-                  <a:srgbClr val="FFFFFF"/>
-                </a:solidFill>
-                <a:latin typeface="Roboto"/>
-                <a:cs typeface="Roboto"/>
-              </a:rPr>
-              <a:t>make </a:t>
-            </a:r>
-            <a:r>
-              <a:rPr sz="1400" b="1" spc="-10" dirty="0">
-                <a:solidFill>
-                  <a:srgbClr val="FFFFFF"/>
-                </a:solidFill>
-                <a:latin typeface="Roboto"/>
-                <a:cs typeface="Roboto"/>
-              </a:rPr>
-              <a:t>it</a:t>
-            </a:r>
-            <a:r>
-              <a:rPr sz="1400" b="1" spc="-150" dirty="0">
-                <a:solidFill>
-                  <a:srgbClr val="FFFFFF"/>
-                </a:solidFill>
-                <a:latin typeface="Roboto"/>
-                <a:cs typeface="Roboto"/>
-              </a:rPr>
-              <a:t> </a:t>
-            </a:r>
-            <a:r>
-              <a:rPr sz="1400" b="1" spc="-20" dirty="0">
-                <a:solidFill>
-                  <a:srgbClr val="FFFFFF"/>
-                </a:solidFill>
-                <a:latin typeface="Roboto"/>
-                <a:cs typeface="Roboto"/>
-              </a:rPr>
-              <a:t>fly!</a:t>
-            </a:r>
-            <a:endParaRPr sz="1400">
-              <a:latin typeface="Roboto"/>
-              <a:cs typeface="Roboto"/>
+                <a:latin typeface="Roboto-Medium"/>
+                <a:cs typeface="Roboto-Medium"/>
+              </a:rPr>
+              <a:t>scratch.mit.edu</a:t>
+            </a:r>
+            <a:endParaRPr sz="1000">
+              <a:latin typeface="Roboto-Medium"/>
+              <a:cs typeface="Roboto-Medium"/>
             </a:endParaRPr>
           </a:p>
         </p:txBody>
       </p:sp>
       <p:sp>
         <p:nvSpPr>
-          <p:cNvPr id="41" name="object 41"/>
-          <p:cNvSpPr/>
-          <p:nvPr/>
-        </p:nvSpPr>
-        <p:spPr>
-          <a:xfrm>
-            <a:off x="349681" y="1864042"/>
-            <a:ext cx="1854187" cy="1390942"/>
-          </a:xfrm>
-          <a:prstGeom prst="rect">
-            <a:avLst/>
-          </a:prstGeom>
-          <a:blipFill>
-            <a:blip r:embed="rId5" cstate="print"/>
-            <a:stretch>
-              <a:fillRect/>
-            </a:stretch>
-          </a:blipFill>
-        </p:spPr>
-        <p:txBody>
-          <a:bodyPr wrap="square" lIns="0" tIns="0" rIns="0" bIns="0" rtlCol="0"/>
-          <a:lstStyle/>
-          <a:p>
-            <a:endParaRPr/>
-          </a:p>
-        </p:txBody>
-      </p:sp>
-      <p:sp>
-        <p:nvSpPr>
-          <p:cNvPr id="42" name="object 42"/>
-          <p:cNvSpPr/>
-          <p:nvPr/>
-        </p:nvSpPr>
-        <p:spPr>
-          <a:xfrm>
-            <a:off x="349678" y="1864042"/>
-            <a:ext cx="1854200" cy="1397000"/>
-          </a:xfrm>
-          <a:custGeom>
-            <a:avLst/>
-            <a:gdLst/>
-            <a:ahLst/>
-            <a:cxnLst/>
-            <a:rect l="l" t="t" r="r" b="b"/>
-            <a:pathLst>
-              <a:path w="1854200" h="1397000">
-                <a:moveTo>
-                  <a:pt x="170230" y="0"/>
-                </a:moveTo>
-                <a:lnTo>
-                  <a:pt x="71816" y="2665"/>
-                </a:lnTo>
-                <a:lnTo>
-                  <a:pt x="21278" y="21326"/>
-                </a:lnTo>
-                <a:lnTo>
-                  <a:pt x="2659" y="71976"/>
-                </a:lnTo>
-                <a:lnTo>
-                  <a:pt x="0" y="170611"/>
-                </a:lnTo>
-                <a:lnTo>
-                  <a:pt x="0" y="1226388"/>
-                </a:lnTo>
-                <a:lnTo>
-                  <a:pt x="2659" y="1325023"/>
-                </a:lnTo>
-                <a:lnTo>
-                  <a:pt x="21278" y="1375673"/>
-                </a:lnTo>
-                <a:lnTo>
-                  <a:pt x="71816" y="1394334"/>
-                </a:lnTo>
-                <a:lnTo>
-                  <a:pt x="170230" y="1397000"/>
-                </a:lnTo>
-                <a:lnTo>
-                  <a:pt x="1683969" y="1397000"/>
-                </a:lnTo>
-                <a:lnTo>
-                  <a:pt x="1782383" y="1394334"/>
-                </a:lnTo>
-                <a:lnTo>
-                  <a:pt x="1832921" y="1375673"/>
-                </a:lnTo>
-                <a:lnTo>
-                  <a:pt x="1851540" y="1325023"/>
-                </a:lnTo>
-                <a:lnTo>
-                  <a:pt x="1854200" y="1226388"/>
-                </a:lnTo>
-                <a:lnTo>
-                  <a:pt x="1854200" y="170611"/>
-                </a:lnTo>
-                <a:lnTo>
-                  <a:pt x="1851540" y="71976"/>
-                </a:lnTo>
-                <a:lnTo>
-                  <a:pt x="1832921" y="21326"/>
-                </a:lnTo>
-                <a:lnTo>
-                  <a:pt x="1782383" y="2665"/>
-                </a:lnTo>
-                <a:lnTo>
-                  <a:pt x="1683969" y="0"/>
-                </a:lnTo>
-                <a:lnTo>
-                  <a:pt x="170230" y="0"/>
-                </a:lnTo>
-                <a:close/>
-              </a:path>
-            </a:pathLst>
-          </a:custGeom>
-          <a:ln w="12700">
-            <a:solidFill>
-              <a:srgbClr val="FFFFFF"/>
-            </a:solidFill>
-          </a:ln>
-        </p:spPr>
-        <p:txBody>
-          <a:bodyPr wrap="square" lIns="0" tIns="0" rIns="0" bIns="0" rtlCol="0"/>
-          <a:lstStyle/>
-          <a:p>
-            <a:endParaRPr/>
-          </a:p>
-        </p:txBody>
-      </p:sp>
-      <p:sp>
-        <p:nvSpPr>
-          <p:cNvPr id="43" name="object 43"/>
-          <p:cNvSpPr/>
-          <p:nvPr/>
-        </p:nvSpPr>
-        <p:spPr>
-          <a:xfrm>
-            <a:off x="349681" y="3407422"/>
-            <a:ext cx="1851937" cy="1391408"/>
-          </a:xfrm>
-          <a:prstGeom prst="rect">
-            <a:avLst/>
-          </a:prstGeom>
-          <a:blipFill>
-            <a:blip r:embed="rId6" cstate="print"/>
-            <a:stretch>
-              <a:fillRect/>
-            </a:stretch>
-          </a:blipFill>
-        </p:spPr>
-        <p:txBody>
-          <a:bodyPr wrap="square" lIns="0" tIns="0" rIns="0" bIns="0" rtlCol="0"/>
-          <a:lstStyle/>
-          <a:p>
-            <a:endParaRPr/>
-          </a:p>
-        </p:txBody>
-      </p:sp>
-      <p:sp>
-        <p:nvSpPr>
-          <p:cNvPr id="44" name="object 44"/>
-          <p:cNvSpPr/>
-          <p:nvPr/>
-        </p:nvSpPr>
-        <p:spPr>
-          <a:xfrm>
-            <a:off x="349678" y="3403474"/>
-            <a:ext cx="1854200" cy="1397000"/>
-          </a:xfrm>
-          <a:custGeom>
-            <a:avLst/>
-            <a:gdLst/>
-            <a:ahLst/>
-            <a:cxnLst/>
-            <a:rect l="l" t="t" r="r" b="b"/>
-            <a:pathLst>
-              <a:path w="1854200" h="1397000">
-                <a:moveTo>
-                  <a:pt x="170230" y="0"/>
-                </a:moveTo>
-                <a:lnTo>
-                  <a:pt x="71816" y="2665"/>
-                </a:lnTo>
-                <a:lnTo>
-                  <a:pt x="21278" y="21326"/>
-                </a:lnTo>
-                <a:lnTo>
-                  <a:pt x="2659" y="71976"/>
-                </a:lnTo>
-                <a:lnTo>
-                  <a:pt x="0" y="170611"/>
-                </a:lnTo>
-                <a:lnTo>
-                  <a:pt x="0" y="1226388"/>
-                </a:lnTo>
-                <a:lnTo>
-                  <a:pt x="2659" y="1325023"/>
-                </a:lnTo>
-                <a:lnTo>
-                  <a:pt x="21278" y="1375673"/>
-                </a:lnTo>
-                <a:lnTo>
-                  <a:pt x="71816" y="1394334"/>
-                </a:lnTo>
-                <a:lnTo>
-                  <a:pt x="170230" y="1397000"/>
-                </a:lnTo>
-                <a:lnTo>
-                  <a:pt x="1683969" y="1397000"/>
-                </a:lnTo>
-                <a:lnTo>
-                  <a:pt x="1782383" y="1394334"/>
-                </a:lnTo>
-                <a:lnTo>
-                  <a:pt x="1832921" y="1375673"/>
-                </a:lnTo>
-                <a:lnTo>
-                  <a:pt x="1851540" y="1325023"/>
-                </a:lnTo>
-                <a:lnTo>
-                  <a:pt x="1854200" y="1226388"/>
-                </a:lnTo>
-                <a:lnTo>
-                  <a:pt x="1854200" y="170611"/>
-                </a:lnTo>
-                <a:lnTo>
-                  <a:pt x="1851540" y="71976"/>
-                </a:lnTo>
-                <a:lnTo>
-                  <a:pt x="1832921" y="21326"/>
-                </a:lnTo>
-                <a:lnTo>
-                  <a:pt x="1782383" y="2665"/>
-                </a:lnTo>
-                <a:lnTo>
-                  <a:pt x="1683969" y="0"/>
-                </a:lnTo>
-                <a:lnTo>
-                  <a:pt x="170230" y="0"/>
-                </a:lnTo>
-                <a:close/>
-              </a:path>
-            </a:pathLst>
-          </a:custGeom>
-          <a:ln w="12700">
-            <a:solidFill>
-              <a:srgbClr val="FFFFFF"/>
-            </a:solidFill>
-          </a:ln>
-        </p:spPr>
-        <p:txBody>
-          <a:bodyPr wrap="square" lIns="0" tIns="0" rIns="0" bIns="0" rtlCol="0"/>
-          <a:lstStyle/>
-          <a:p>
-            <a:endParaRPr/>
-          </a:p>
-        </p:txBody>
-      </p:sp>
-      <p:sp>
-        <p:nvSpPr>
-          <p:cNvPr id="45" name="object 45"/>
-          <p:cNvSpPr/>
-          <p:nvPr/>
-        </p:nvSpPr>
-        <p:spPr>
-          <a:xfrm>
-            <a:off x="2368118" y="3403472"/>
-            <a:ext cx="1854200" cy="1396999"/>
-          </a:xfrm>
-          <a:prstGeom prst="rect">
-            <a:avLst/>
-          </a:prstGeom>
-          <a:blipFill>
-            <a:blip r:embed="rId7" cstate="print"/>
-            <a:stretch>
-              <a:fillRect/>
-            </a:stretch>
-          </a:blipFill>
-        </p:spPr>
-        <p:txBody>
-          <a:bodyPr wrap="square" lIns="0" tIns="0" rIns="0" bIns="0" rtlCol="0"/>
-          <a:lstStyle/>
-          <a:p>
-            <a:endParaRPr/>
-          </a:p>
-        </p:txBody>
-      </p:sp>
-      <p:sp>
-        <p:nvSpPr>
-          <p:cNvPr id="46" name="object 46"/>
-          <p:cNvSpPr/>
-          <p:nvPr/>
-        </p:nvSpPr>
-        <p:spPr>
-          <a:xfrm>
-            <a:off x="2368124" y="3403474"/>
-            <a:ext cx="1854200" cy="1397000"/>
-          </a:xfrm>
-          <a:custGeom>
-            <a:avLst/>
-            <a:gdLst/>
-            <a:ahLst/>
-            <a:cxnLst/>
-            <a:rect l="l" t="t" r="r" b="b"/>
-            <a:pathLst>
-              <a:path w="1854200" h="1397000">
-                <a:moveTo>
-                  <a:pt x="170230" y="0"/>
-                </a:moveTo>
-                <a:lnTo>
-                  <a:pt x="71816" y="2665"/>
-                </a:lnTo>
-                <a:lnTo>
-                  <a:pt x="21278" y="21326"/>
-                </a:lnTo>
-                <a:lnTo>
-                  <a:pt x="2659" y="71976"/>
-                </a:lnTo>
-                <a:lnTo>
-                  <a:pt x="0" y="170611"/>
-                </a:lnTo>
-                <a:lnTo>
-                  <a:pt x="0" y="1226388"/>
-                </a:lnTo>
-                <a:lnTo>
-                  <a:pt x="2659" y="1325023"/>
-                </a:lnTo>
-                <a:lnTo>
-                  <a:pt x="21278" y="1375673"/>
-                </a:lnTo>
-                <a:lnTo>
-                  <a:pt x="71816" y="1394334"/>
-                </a:lnTo>
-                <a:lnTo>
-                  <a:pt x="170230" y="1397000"/>
-                </a:lnTo>
-                <a:lnTo>
-                  <a:pt x="1683969" y="1397000"/>
-                </a:lnTo>
-                <a:lnTo>
-                  <a:pt x="1782383" y="1394334"/>
-                </a:lnTo>
-                <a:lnTo>
-                  <a:pt x="1832921" y="1375673"/>
-                </a:lnTo>
-                <a:lnTo>
-                  <a:pt x="1851540" y="1325023"/>
-                </a:lnTo>
-                <a:lnTo>
-                  <a:pt x="1854200" y="1226388"/>
-                </a:lnTo>
-                <a:lnTo>
-                  <a:pt x="1854200" y="170611"/>
-                </a:lnTo>
-                <a:lnTo>
-                  <a:pt x="1851540" y="71976"/>
-                </a:lnTo>
-                <a:lnTo>
-                  <a:pt x="1832921" y="21326"/>
-                </a:lnTo>
-                <a:lnTo>
-                  <a:pt x="1782383" y="2665"/>
-                </a:lnTo>
-                <a:lnTo>
-                  <a:pt x="1683969" y="0"/>
-                </a:lnTo>
-                <a:lnTo>
-                  <a:pt x="170230" y="0"/>
-                </a:lnTo>
-                <a:close/>
-              </a:path>
-            </a:pathLst>
-          </a:custGeom>
-          <a:ln w="12700">
-            <a:solidFill>
-              <a:srgbClr val="FFFFFF"/>
-            </a:solidFill>
-          </a:ln>
-        </p:spPr>
-        <p:txBody>
-          <a:bodyPr wrap="square" lIns="0" tIns="0" rIns="0" bIns="0" rtlCol="0"/>
-          <a:lstStyle/>
-          <a:p>
-            <a:endParaRPr/>
-          </a:p>
-        </p:txBody>
-      </p:sp>
-      <p:sp>
-        <p:nvSpPr>
-          <p:cNvPr id="47" name="object 47"/>
-          <p:cNvSpPr/>
-          <p:nvPr/>
-        </p:nvSpPr>
-        <p:spPr>
-          <a:xfrm>
-            <a:off x="2368118" y="1865287"/>
-            <a:ext cx="1854200" cy="1395713"/>
-          </a:xfrm>
-          <a:prstGeom prst="rect">
-            <a:avLst/>
-          </a:prstGeom>
-          <a:blipFill>
-            <a:blip r:embed="rId8" cstate="print"/>
-            <a:stretch>
-              <a:fillRect/>
-            </a:stretch>
-          </a:blipFill>
-        </p:spPr>
-        <p:txBody>
-          <a:bodyPr wrap="square" lIns="0" tIns="0" rIns="0" bIns="0" rtlCol="0"/>
-          <a:lstStyle/>
-          <a:p>
-            <a:endParaRPr/>
-          </a:p>
-        </p:txBody>
-      </p:sp>
-      <p:sp>
-        <p:nvSpPr>
-          <p:cNvPr id="48" name="object 48"/>
-          <p:cNvSpPr/>
-          <p:nvPr/>
-        </p:nvSpPr>
-        <p:spPr>
-          <a:xfrm>
-            <a:off x="2368124" y="1864042"/>
-            <a:ext cx="1854200" cy="1397000"/>
-          </a:xfrm>
-          <a:custGeom>
-            <a:avLst/>
-            <a:gdLst/>
-            <a:ahLst/>
-            <a:cxnLst/>
-            <a:rect l="l" t="t" r="r" b="b"/>
-            <a:pathLst>
-              <a:path w="1854200" h="1397000">
-                <a:moveTo>
-                  <a:pt x="170230" y="0"/>
-                </a:moveTo>
-                <a:lnTo>
-                  <a:pt x="71816" y="2665"/>
-                </a:lnTo>
-                <a:lnTo>
-                  <a:pt x="21278" y="21326"/>
-                </a:lnTo>
-                <a:lnTo>
-                  <a:pt x="2659" y="71976"/>
-                </a:lnTo>
-                <a:lnTo>
-                  <a:pt x="0" y="170611"/>
-                </a:lnTo>
-                <a:lnTo>
-                  <a:pt x="0" y="1226388"/>
-                </a:lnTo>
-                <a:lnTo>
-                  <a:pt x="2659" y="1325023"/>
-                </a:lnTo>
-                <a:lnTo>
-                  <a:pt x="21278" y="1375673"/>
-                </a:lnTo>
-                <a:lnTo>
-                  <a:pt x="71816" y="1394334"/>
-                </a:lnTo>
-                <a:lnTo>
-                  <a:pt x="170230" y="1397000"/>
-                </a:lnTo>
-                <a:lnTo>
-                  <a:pt x="1683969" y="1397000"/>
-                </a:lnTo>
-                <a:lnTo>
-                  <a:pt x="1782383" y="1394334"/>
-                </a:lnTo>
-                <a:lnTo>
-                  <a:pt x="1832921" y="1375673"/>
-                </a:lnTo>
-                <a:lnTo>
-                  <a:pt x="1851540" y="1325023"/>
-                </a:lnTo>
-                <a:lnTo>
-                  <a:pt x="1854200" y="1226388"/>
-                </a:lnTo>
-                <a:lnTo>
-                  <a:pt x="1854200" y="170611"/>
-                </a:lnTo>
-                <a:lnTo>
-                  <a:pt x="1851540" y="71976"/>
-                </a:lnTo>
-                <a:lnTo>
-                  <a:pt x="1832921" y="21326"/>
-                </a:lnTo>
-                <a:lnTo>
-                  <a:pt x="1782383" y="2665"/>
-                </a:lnTo>
-                <a:lnTo>
-                  <a:pt x="1683969" y="0"/>
-                </a:lnTo>
-                <a:lnTo>
-                  <a:pt x="170230" y="0"/>
-                </a:lnTo>
-                <a:close/>
-              </a:path>
-            </a:pathLst>
-          </a:custGeom>
-          <a:ln w="12700">
-            <a:solidFill>
-              <a:srgbClr val="FFFFFF"/>
-            </a:solidFill>
-          </a:ln>
-        </p:spPr>
-        <p:txBody>
-          <a:bodyPr wrap="square" lIns="0" tIns="0" rIns="0" bIns="0" rtlCol="0"/>
-          <a:lstStyle/>
-          <a:p>
-            <a:endParaRPr/>
-          </a:p>
-        </p:txBody>
-      </p:sp>
-      <p:sp>
-        <p:nvSpPr>
-          <p:cNvPr id="49" name="object 49"/>
-          <p:cNvSpPr txBox="1">
-            <a:spLocks noGrp="1"/>
-          </p:cNvSpPr>
-          <p:nvPr>
-            <p:ph type="title"/>
-          </p:nvPr>
-        </p:nvSpPr>
-        <p:spPr>
-          <a:xfrm>
-            <a:off x="1218247" y="864915"/>
-            <a:ext cx="2136140" cy="858519"/>
-          </a:xfrm>
-          <a:prstGeom prst="rect">
-            <a:avLst/>
-          </a:prstGeom>
-        </p:spPr>
-        <p:txBody>
-          <a:bodyPr vert="horz" wrap="square" lIns="0" tIns="43180" rIns="0" bIns="0" rtlCol="0">
-            <a:spAutoFit/>
-          </a:bodyPr>
-          <a:lstStyle/>
-          <a:p>
-            <a:pPr marL="515620" marR="5080" indent="-503555">
-              <a:lnSpc>
-                <a:spcPts val="3200"/>
-              </a:lnSpc>
-              <a:spcBef>
-                <a:spcPts val="340"/>
-              </a:spcBef>
-            </a:pPr>
-            <a:r>
-              <a:rPr spc="-20" dirty="0"/>
-              <a:t>Make </a:t>
-            </a:r>
-            <a:r>
-              <a:rPr dirty="0"/>
-              <a:t>it</a:t>
-            </a:r>
-            <a:r>
-              <a:rPr spc="-70" dirty="0"/>
-              <a:t> </a:t>
-            </a:r>
-            <a:r>
-              <a:rPr dirty="0"/>
-              <a:t>Fly  </a:t>
-            </a:r>
-            <a:r>
-              <a:rPr spc="-5" dirty="0"/>
-              <a:t>Cards</a:t>
-            </a:r>
-          </a:p>
-        </p:txBody>
-      </p:sp>
-      <p:sp>
-        <p:nvSpPr>
-          <p:cNvPr id="50" name="object 50"/>
+          <p:cNvPr id="51" name="object 51"/>
           <p:cNvSpPr txBox="1"/>
           <p:nvPr/>
         </p:nvSpPr>
         <p:spPr>
           <a:xfrm>
-            <a:off x="457200" y="5927725"/>
-            <a:ext cx="915035" cy="177800"/>
+            <a:off x="2762425" y="5937250"/>
+            <a:ext cx="1356284" cy="166712"/>
           </a:xfrm>
           <a:prstGeom prst="rect">
             <a:avLst/>
@@ -10832,7 +10881,7 @@
           </a:bodyPr>
           <a:lstStyle/>
           <a:p>
-            <a:pPr marL="12700">
+            <a:pPr marL="12700" algn="r">
               <a:lnSpc>
                 <a:spcPct val="100000"/>
               </a:lnSpc>
@@ -10841,102 +10890,56 @@
               </a:spcBef>
             </a:pPr>
             <a:r>
-              <a:rPr sz="1000" spc="-5" dirty="0">
+              <a:rPr sz="1000" dirty="0">
                 <a:solidFill>
                   <a:srgbClr val="FFFFFF"/>
                 </a:solidFill>
                 <a:latin typeface="Roboto-Medium"/>
                 <a:cs typeface="Roboto-Medium"/>
               </a:rPr>
-              <a:t>scratch.mit.edu</a:t>
-            </a:r>
-            <a:endParaRPr sz="1000">
-              <a:latin typeface="Roboto-Medium"/>
-              <a:cs typeface="Roboto-Medium"/>
-            </a:endParaRPr>
-          </a:p>
-        </p:txBody>
-      </p:sp>
-      <p:sp>
-        <p:nvSpPr>
-          <p:cNvPr id="51" name="object 51"/>
-          <p:cNvSpPr txBox="1"/>
-          <p:nvPr/>
-        </p:nvSpPr>
-        <p:spPr>
-          <a:xfrm>
-            <a:off x="3305909" y="5937250"/>
-            <a:ext cx="812800" cy="177800"/>
-          </a:xfrm>
-          <a:prstGeom prst="rect">
-            <a:avLst/>
-          </a:prstGeom>
-        </p:spPr>
-        <p:txBody>
-          <a:bodyPr vert="horz" wrap="square" lIns="0" tIns="12700" rIns="0" bIns="0" rtlCol="0">
-            <a:spAutoFit/>
-          </a:bodyPr>
-          <a:lstStyle/>
-          <a:p>
-            <a:pPr marL="12700">
-              <a:lnSpc>
-                <a:spcPct val="100000"/>
-              </a:lnSpc>
-              <a:spcBef>
-                <a:spcPts val="100"/>
-              </a:spcBef>
-            </a:pPr>
-            <a:r>
-              <a:rPr sz="1000" dirty="0">
+              <a:t>Set </a:t>
+            </a:r>
+            <a:r>
+              <a:rPr sz="1000" spc="-5" dirty="0">
                 <a:solidFill>
                   <a:srgbClr val="FFFFFF"/>
                 </a:solidFill>
                 <a:latin typeface="Roboto-Medium"/>
                 <a:cs typeface="Roboto-Medium"/>
               </a:rPr>
-              <a:t>Set </a:t>
-            </a:r>
-            <a:r>
-              <a:rPr sz="1000" spc="-5" dirty="0">
+              <a:t>of </a:t>
+            </a:r>
+            <a:r>
+              <a:rPr sz="1000" dirty="0">
                 <a:solidFill>
                   <a:srgbClr val="FFFFFF"/>
                 </a:solidFill>
                 <a:latin typeface="Roboto-Medium"/>
                 <a:cs typeface="Roboto-Medium"/>
               </a:rPr>
-              <a:t>of </a:t>
-            </a:r>
-            <a:r>
-              <a:rPr sz="1000" dirty="0">
+              <a:t>7</a:t>
+            </a:r>
+            <a:r>
+              <a:rPr sz="1000" spc="-70" dirty="0">
                 <a:solidFill>
                   <a:srgbClr val="FFFFFF"/>
                 </a:solidFill>
                 <a:latin typeface="Roboto-Medium"/>
                 <a:cs typeface="Roboto-Medium"/>
               </a:rPr>
-              <a:t>7</a:t>
-            </a:r>
-            <a:r>
-              <a:rPr sz="1000" spc="-70" dirty="0">
+              <a:t> </a:t>
+            </a:r>
+            <a:r>
+              <a:rPr sz="1000" spc="-10" dirty="0">
                 <a:solidFill>
                   <a:srgbClr val="FFFFFF"/>
                 </a:solidFill>
                 <a:latin typeface="Roboto-Medium"/>
                 <a:cs typeface="Roboto-Medium"/>
               </a:rPr>
-              <a:t> </a:t>
-            </a:r>
-            <a:r>
-              <a:rPr sz="1000" spc="-10" dirty="0">
-                <a:solidFill>
-                  <a:srgbClr val="FFFFFF"/>
-                </a:solidFill>
-                <a:latin typeface="Roboto-Medium"/>
-                <a:cs typeface="Roboto-Medium"/>
-              </a:rPr>
               <a:t>cards</a:t>
             </a:r>
-            <a:endParaRPr sz="1000">
+            <a:endParaRPr sz="1000" dirty="0">
               <a:latin typeface="Roboto-Medium"/>
               <a:cs typeface="Roboto-Medium"/>
             </a:endParaRPr>
@@ -11368,7 +11371,7 @@
         <p:spPr>
           <a:xfrm>
             <a:off x="215900" y="282342"/>
-            <a:ext cx="3161030" cy="515620"/>
+            <a:ext cx="4279900" cy="515620"/>
           </a:xfrm>
           <a:prstGeom prst="rect">
             <a:avLst/>
@@ -11404,7 +11407,7 @@
               <a:rPr sz="2400" spc="-5" dirty="0"/>
               <a:t>Interactive</a:t>
             </a:r>
-            <a:endParaRPr sz="2400"/>
+            <a:endParaRPr sz="2400" dirty="0"/>
           </a:p>
           <a:p>
             <a:pPr marL="12700">
@@ -11419,7 +11422,7 @@
               </a:rPr>
               <a:t>scratch.mit.edu</a:t>
             </a:r>
-            <a:endParaRPr sz="900">
+            <a:endParaRPr sz="900" dirty="0">
               <a:latin typeface="Roboto-Medium"/>
               <a:cs typeface="Roboto-Medium"/>
             </a:endParaRPr>
@@ -11534,8 +11537,8 @@
         </p:nvSpPr>
         <p:spPr>
           <a:xfrm>
-            <a:off x="1456651" y="1074620"/>
-            <a:ext cx="1659255" cy="197490"/>
+            <a:off x="0" y="1074620"/>
+            <a:ext cx="4571999" cy="197490"/>
           </a:xfrm>
           <a:prstGeom prst="rect">
             <a:avLst/>
@@ -11888,7 +11891,7 @@
         <p:spPr>
           <a:xfrm>
             <a:off x="215900" y="3003550"/>
-            <a:ext cx="768350" cy="238760"/>
+            <a:ext cx="1772326" cy="228268"/>
           </a:xfrm>
           <a:prstGeom prst="rect">
             <a:avLst/>
@@ -11953,8 +11956,8 @@
         </p:nvSpPr>
         <p:spPr>
           <a:xfrm>
-            <a:off x="1554057" y="2714907"/>
-            <a:ext cx="1743075" cy="246861"/>
+            <a:off x="0" y="2714907"/>
+            <a:ext cx="4571999" cy="246861"/>
           </a:xfrm>
           <a:prstGeom prst="rect">
             <a:avLst/>
@@ -11966,7 +11969,7 @@
           </a:bodyPr>
           <a:lstStyle/>
           <a:p>
-            <a:pPr marL="12700">
+            <a:pPr marL="12700" algn="ctr">
               <a:lnSpc>
                 <a:spcPct val="100000"/>
               </a:lnSpc>
@@ -12440,8 +12443,8 @@
         </p:nvSpPr>
         <p:spPr>
           <a:xfrm>
-            <a:off x="2530417" y="5095240"/>
-            <a:ext cx="1722120" cy="162560"/>
+            <a:off x="2530416" y="5095240"/>
+            <a:ext cx="1965383" cy="151323"/>
           </a:xfrm>
           <a:prstGeom prst="rect">
             <a:avLst/>
@@ -12547,7 +12550,7 @@
         <p:spPr>
           <a:xfrm>
             <a:off x="215900" y="5071687"/>
-            <a:ext cx="1616075" cy="162560"/>
+            <a:ext cx="1974850" cy="151323"/>
           </a:xfrm>
           <a:prstGeom prst="rect">
             <a:avLst/>
@@ -13010,8 +13013,8 @@
         </p:nvSpPr>
         <p:spPr>
           <a:xfrm>
-            <a:off x="1524000" y="5532320"/>
-            <a:ext cx="1591906" cy="197490"/>
+            <a:off x="0" y="5532320"/>
+            <a:ext cx="4572000" cy="197490"/>
           </a:xfrm>
           <a:prstGeom prst="rect">
             <a:avLst/>
@@ -13198,8 +13201,8 @@
         </p:nvSpPr>
         <p:spPr>
           <a:xfrm>
-            <a:off x="2514600" y="3221412"/>
-            <a:ext cx="1772874" cy="151323"/>
+            <a:off x="2514599" y="3221412"/>
+            <a:ext cx="1981199" cy="151323"/>
           </a:xfrm>
           <a:prstGeom prst="rect">
             <a:avLst/>
@@ -13395,8 +13398,8 @@
         </p:nvSpPr>
         <p:spPr>
           <a:xfrm>
-            <a:off x="1490325" y="1413213"/>
-            <a:ext cx="1659255" cy="151323"/>
+            <a:off x="1" y="1413213"/>
+            <a:ext cx="4571998" cy="151323"/>
           </a:xfrm>
           <a:prstGeom prst="rect">
             <a:avLst/>
@@ -13680,7 +13683,7 @@
         <p:spPr>
           <a:xfrm>
             <a:off x="596900" y="5958115"/>
-            <a:ext cx="643890" cy="177800"/>
+            <a:ext cx="1437830" cy="166712"/>
           </a:xfrm>
           <a:prstGeom prst="rect">
             <a:avLst/>
@@ -13730,7 +13733,7 @@
               </a:rPr>
               <a:t>Fly</a:t>
             </a:r>
-            <a:endParaRPr sz="1000">
+            <a:endParaRPr sz="1000" dirty="0">
               <a:latin typeface="Roboto-Medium"/>
               <a:cs typeface="Roboto-Medium"/>
             </a:endParaRPr>
@@ -14051,8 +14054,8 @@
         </p:nvSpPr>
         <p:spPr>
           <a:xfrm>
-            <a:off x="1201179" y="1282700"/>
-            <a:ext cx="2168525" cy="208279"/>
+            <a:off x="641342" y="1282700"/>
+            <a:ext cx="3320923" cy="197490"/>
           </a:xfrm>
           <a:prstGeom prst="rect">
             <a:avLst/>
@@ -14064,7 +14067,7 @@
           </a:bodyPr>
           <a:lstStyle/>
           <a:p>
-            <a:pPr marL="12700">
+            <a:pPr marL="12700" algn="ctr">
               <a:lnSpc>
                 <a:spcPct val="100000"/>
               </a:lnSpc>
@@ -14122,7 +14125,7 @@
               </a:rPr>
               <a:t>sky!</a:t>
             </a:r>
-            <a:endParaRPr sz="1200">
+            <a:endParaRPr sz="1200" dirty="0">
               <a:latin typeface="Roboto-Medium"/>
               <a:cs typeface="Roboto-Medium"/>
             </a:endParaRPr>
@@ -14170,8 +14173,8 @@
         </p:nvSpPr>
         <p:spPr>
           <a:xfrm>
-            <a:off x="762377" y="471215"/>
-            <a:ext cx="3047365" cy="452120"/>
+            <a:off x="0" y="471215"/>
+            <a:ext cx="4571999" cy="452120"/>
           </a:xfrm>
           <a:prstGeom prst="rect">
             <a:avLst/>
@@ -14183,7 +14186,7 @@
           </a:bodyPr>
           <a:lstStyle/>
           <a:p>
-            <a:pPr marL="12700">
+            <a:pPr marL="12700" algn="ctr">
               <a:lnSpc>
                 <a:spcPct val="100000"/>
               </a:lnSpc>
@@ -14454,7 +14457,7 @@
         <p:spPr>
           <a:xfrm>
             <a:off x="215900" y="282342"/>
-            <a:ext cx="2615565" cy="515620"/>
+            <a:ext cx="4203700" cy="515620"/>
           </a:xfrm>
           <a:prstGeom prst="rect">
             <a:avLst/>
@@ -14486,7 +14489,6 @@
               <a:rPr sz="2400" dirty="0"/>
               <a:t>Clouds</a:t>
             </a:r>
-            <a:endParaRPr sz="2400"/>
           </a:p>
           <a:p>
             <a:pPr marL="12700">
@@ -14501,7 +14503,7 @@
               </a:rPr>
               <a:t>scratch.mit.edu</a:t>
             </a:r>
-            <a:endParaRPr sz="900">
+            <a:endParaRPr sz="900" dirty="0">
               <a:latin typeface="Roboto-Medium"/>
               <a:cs typeface="Roboto-Medium"/>
             </a:endParaRPr>
@@ -14816,8 +14818,746 @@
         </p:nvSpPr>
         <p:spPr>
           <a:xfrm>
-            <a:off x="1763831" y="1010921"/>
-            <a:ext cx="1044575" cy="208279"/>
+            <a:off x="0" y="1010921"/>
+            <a:ext cx="4571999" cy="197490"/>
+          </a:xfrm>
+          <a:prstGeom prst="rect">
+            <a:avLst/>
+          </a:prstGeom>
+        </p:spPr>
+        <p:txBody>
+          <a:bodyPr vert="horz" wrap="square" lIns="0" tIns="12700" rIns="0" bIns="0" rtlCol="0">
+            <a:spAutoFit/>
+          </a:bodyPr>
+          <a:lstStyle/>
+          <a:p>
+            <a:pPr marL="12700" algn="ctr">
+              <a:lnSpc>
+                <a:spcPct val="100000"/>
+              </a:lnSpc>
+              <a:spcBef>
+                <a:spcPts val="100"/>
+              </a:spcBef>
+            </a:pPr>
+            <a:r>
+              <a:rPr sz="1200" b="1" spc="50" dirty="0">
+                <a:solidFill>
+                  <a:srgbClr val="5BADCE"/>
+                </a:solidFill>
+                <a:latin typeface="Montserrat-Black"/>
+                <a:cs typeface="Montserrat-Black"/>
+              </a:rPr>
+              <a:t>GET</a:t>
+            </a:r>
+            <a:r>
+              <a:rPr sz="1200" b="1" spc="100" dirty="0">
+                <a:solidFill>
+                  <a:srgbClr val="5BADCE"/>
+                </a:solidFill>
+                <a:latin typeface="Montserrat-Black"/>
+                <a:cs typeface="Montserrat-Black"/>
+              </a:rPr>
+              <a:t> </a:t>
+            </a:r>
+            <a:r>
+              <a:rPr sz="1200" b="1" spc="55" dirty="0">
+                <a:solidFill>
+                  <a:srgbClr val="5BADCE"/>
+                </a:solidFill>
+                <a:latin typeface="Montserrat-Black"/>
+                <a:cs typeface="Montserrat-Black"/>
+              </a:rPr>
+              <a:t>READY</a:t>
+            </a:r>
+            <a:endParaRPr sz="1200" dirty="0">
+              <a:latin typeface="Montserrat-Black"/>
+              <a:cs typeface="Montserrat-Black"/>
+            </a:endParaRPr>
+          </a:p>
+        </p:txBody>
+      </p:sp>
+      <p:sp>
+        <p:nvSpPr>
+          <p:cNvPr id="12" name="object 12"/>
+          <p:cNvSpPr txBox="1"/>
+          <p:nvPr/>
+        </p:nvSpPr>
+        <p:spPr>
+          <a:xfrm>
+            <a:off x="533399" y="1752601"/>
+            <a:ext cx="2282031" cy="152735"/>
+          </a:xfrm>
+          <a:prstGeom prst="rect">
+            <a:avLst/>
+          </a:prstGeom>
+        </p:spPr>
+        <p:txBody>
+          <a:bodyPr vert="horz" wrap="square" lIns="0" tIns="12700" rIns="0" bIns="0" rtlCol="0">
+            <a:spAutoFit/>
+          </a:bodyPr>
+          <a:lstStyle/>
+          <a:p>
+            <a:pPr marL="12700" algn="ctr">
+              <a:lnSpc>
+                <a:spcPct val="100000"/>
+              </a:lnSpc>
+              <a:spcBef>
+                <a:spcPts val="100"/>
+              </a:spcBef>
+            </a:pPr>
+            <a:r>
+              <a:rPr sz="900" dirty="0">
+                <a:solidFill>
+                  <a:srgbClr val="636466"/>
+                </a:solidFill>
+                <a:latin typeface="Roboto-Medium"/>
+                <a:cs typeface="Roboto-Medium"/>
+              </a:rPr>
+              <a:t>Choose Clouds</a:t>
+            </a:r>
+            <a:r>
+              <a:rPr lang="en-US" sz="900" dirty="0">
+                <a:solidFill>
+                  <a:srgbClr val="636466"/>
+                </a:solidFill>
+                <a:latin typeface="Roboto-Medium"/>
+                <a:cs typeface="Roboto-Medium"/>
+              </a:rPr>
+              <a:t> </a:t>
+            </a:r>
+            <a:r>
+              <a:rPr lang="en-US" sz="900" spc="-10" dirty="0">
+                <a:solidFill>
+                  <a:srgbClr val="636466"/>
+                </a:solidFill>
+                <a:latin typeface="Roboto-Medium"/>
+                <a:cs typeface="Roboto-Medium"/>
+              </a:rPr>
+              <a:t>from </a:t>
+            </a:r>
+            <a:r>
+              <a:rPr lang="en-US" sz="900" dirty="0">
+                <a:solidFill>
+                  <a:srgbClr val="636466"/>
+                </a:solidFill>
+                <a:latin typeface="Roboto-Medium"/>
+                <a:cs typeface="Roboto-Medium"/>
+              </a:rPr>
+              <a:t>the</a:t>
+            </a:r>
+            <a:r>
+              <a:rPr lang="en-US" sz="900" spc="-10" dirty="0">
+                <a:solidFill>
+                  <a:srgbClr val="636466"/>
+                </a:solidFill>
+                <a:latin typeface="Roboto-Medium"/>
+                <a:cs typeface="Roboto-Medium"/>
+              </a:rPr>
+              <a:t> </a:t>
+            </a:r>
+            <a:r>
+              <a:rPr lang="en-US" sz="900" spc="-15" dirty="0">
+                <a:solidFill>
+                  <a:srgbClr val="636466"/>
+                </a:solidFill>
+                <a:latin typeface="Roboto-Medium"/>
+                <a:cs typeface="Roboto-Medium"/>
+              </a:rPr>
+              <a:t>library.</a:t>
+            </a:r>
+            <a:endParaRPr sz="900" dirty="0">
+              <a:latin typeface="Roboto-Medium"/>
+              <a:cs typeface="Roboto-Medium"/>
+            </a:endParaRPr>
+          </a:p>
+        </p:txBody>
+      </p:sp>
+      <p:sp>
+        <p:nvSpPr>
+          <p:cNvPr id="13" name="object 13"/>
+          <p:cNvSpPr/>
+          <p:nvPr/>
+        </p:nvSpPr>
+        <p:spPr>
+          <a:xfrm>
+            <a:off x="2875610" y="1305878"/>
+            <a:ext cx="625779" cy="517156"/>
+          </a:xfrm>
+          <a:prstGeom prst="rect">
+            <a:avLst/>
+          </a:prstGeom>
+          <a:blipFill>
+            <a:blip r:embed="rId3" cstate="print"/>
+            <a:stretch>
+              <a:fillRect/>
+            </a:stretch>
+          </a:blipFill>
+        </p:spPr>
+        <p:txBody>
+          <a:bodyPr wrap="square" lIns="0" tIns="0" rIns="0" bIns="0" rtlCol="0"/>
+          <a:lstStyle/>
+          <a:p>
+            <a:endParaRPr/>
+          </a:p>
+        </p:txBody>
+      </p:sp>
+      <p:sp>
+        <p:nvSpPr>
+          <p:cNvPr id="14" name="object 14"/>
+          <p:cNvSpPr/>
+          <p:nvPr/>
+        </p:nvSpPr>
+        <p:spPr>
+          <a:xfrm>
+            <a:off x="2866081" y="1296354"/>
+            <a:ext cx="645160" cy="536575"/>
+          </a:xfrm>
+          <a:custGeom>
+            <a:avLst/>
+            <a:gdLst/>
+            <a:ahLst/>
+            <a:cxnLst/>
+            <a:rect l="l" t="t" r="r" b="b"/>
+            <a:pathLst>
+              <a:path w="645160" h="536575">
+                <a:moveTo>
+                  <a:pt x="85725" y="0"/>
+                </a:moveTo>
+                <a:lnTo>
+                  <a:pt x="59819" y="3859"/>
+                </a:lnTo>
+                <a:lnTo>
+                  <a:pt x="31742" y="17435"/>
+                </a:lnTo>
+                <a:lnTo>
+                  <a:pt x="9224" y="43725"/>
+                </a:lnTo>
+                <a:lnTo>
+                  <a:pt x="0" y="85725"/>
+                </a:lnTo>
+                <a:lnTo>
+                  <a:pt x="0" y="450481"/>
+                </a:lnTo>
+                <a:lnTo>
+                  <a:pt x="3859" y="476381"/>
+                </a:lnTo>
+                <a:lnTo>
+                  <a:pt x="17435" y="504459"/>
+                </a:lnTo>
+                <a:lnTo>
+                  <a:pt x="43725" y="526980"/>
+                </a:lnTo>
+                <a:lnTo>
+                  <a:pt x="85725" y="536206"/>
+                </a:lnTo>
+                <a:lnTo>
+                  <a:pt x="559104" y="536206"/>
+                </a:lnTo>
+                <a:lnTo>
+                  <a:pt x="585009" y="532347"/>
+                </a:lnTo>
+                <a:lnTo>
+                  <a:pt x="613087" y="518771"/>
+                </a:lnTo>
+                <a:lnTo>
+                  <a:pt x="635605" y="492481"/>
+                </a:lnTo>
+                <a:lnTo>
+                  <a:pt x="644829" y="450481"/>
+                </a:lnTo>
+                <a:lnTo>
+                  <a:pt x="644829" y="85725"/>
+                </a:lnTo>
+                <a:lnTo>
+                  <a:pt x="640972" y="59819"/>
+                </a:lnTo>
+                <a:lnTo>
+                  <a:pt x="627399" y="31742"/>
+                </a:lnTo>
+                <a:lnTo>
+                  <a:pt x="601110" y="9224"/>
+                </a:lnTo>
+                <a:lnTo>
+                  <a:pt x="559104" y="0"/>
+                </a:lnTo>
+                <a:lnTo>
+                  <a:pt x="85725" y="0"/>
+                </a:lnTo>
+                <a:close/>
+              </a:path>
+            </a:pathLst>
+          </a:custGeom>
+          <a:ln w="19049">
+            <a:solidFill>
+              <a:srgbClr val="5BADCE"/>
+            </a:solidFill>
+          </a:ln>
+        </p:spPr>
+        <p:txBody>
+          <a:bodyPr wrap="square" lIns="0" tIns="0" rIns="0" bIns="0" rtlCol="0"/>
+          <a:lstStyle/>
+          <a:p>
+            <a:endParaRPr/>
+          </a:p>
+        </p:txBody>
+      </p:sp>
+      <p:sp>
+        <p:nvSpPr>
+          <p:cNvPr id="15" name="object 15"/>
+          <p:cNvSpPr/>
+          <p:nvPr/>
+        </p:nvSpPr>
+        <p:spPr>
+          <a:xfrm>
+            <a:off x="2267686" y="2595879"/>
+            <a:ext cx="1625206" cy="2031517"/>
+          </a:xfrm>
+          <a:prstGeom prst="rect">
+            <a:avLst/>
+          </a:prstGeom>
+          <a:blipFill>
+            <a:blip r:embed="rId4" cstate="print"/>
+            <a:stretch>
+              <a:fillRect/>
+            </a:stretch>
+          </a:blipFill>
+        </p:spPr>
+        <p:txBody>
+          <a:bodyPr wrap="square" lIns="0" tIns="0" rIns="0" bIns="0" rtlCol="0"/>
+          <a:lstStyle/>
+          <a:p>
+            <a:endParaRPr/>
+          </a:p>
+        </p:txBody>
+      </p:sp>
+      <p:sp>
+        <p:nvSpPr>
+          <p:cNvPr id="16" name="object 16"/>
+          <p:cNvSpPr txBox="1"/>
+          <p:nvPr/>
+        </p:nvSpPr>
+        <p:spPr>
+          <a:xfrm>
+            <a:off x="3204392" y="3501190"/>
+            <a:ext cx="952500" cy="310791"/>
+          </a:xfrm>
+          <a:prstGeom prst="rect">
+            <a:avLst/>
+          </a:prstGeom>
+        </p:spPr>
+        <p:txBody>
+          <a:bodyPr vert="horz" wrap="square" lIns="0" tIns="12700" rIns="0" bIns="0" rtlCol="0">
+            <a:spAutoFit/>
+          </a:bodyPr>
+          <a:lstStyle/>
+          <a:p>
+            <a:pPr marL="4763" marR="5080" indent="-4763">
+              <a:lnSpc>
+                <a:spcPct val="111100"/>
+              </a:lnSpc>
+              <a:spcBef>
+                <a:spcPts val="100"/>
+              </a:spcBef>
+            </a:pPr>
+            <a:r>
+              <a:rPr sz="900" spc="-10" dirty="0">
+                <a:solidFill>
+                  <a:srgbClr val="636466"/>
+                </a:solidFill>
+                <a:latin typeface="Roboto-Medium"/>
+                <a:cs typeface="Roboto-Medium"/>
+              </a:rPr>
+              <a:t>Type </a:t>
+            </a:r>
+            <a:r>
+              <a:rPr sz="900" spc="-5" dirty="0">
+                <a:solidFill>
+                  <a:srgbClr val="636466"/>
+                </a:solidFill>
+                <a:latin typeface="Roboto-Medium"/>
+                <a:cs typeface="Roboto-Medium"/>
+              </a:rPr>
+              <a:t>180 </a:t>
+            </a:r>
+            <a:r>
+              <a:rPr sz="900" spc="-10" dirty="0">
+                <a:solidFill>
+                  <a:srgbClr val="636466"/>
+                </a:solidFill>
+                <a:latin typeface="Roboto-Medium"/>
+                <a:cs typeface="Roboto-Medium"/>
+              </a:rPr>
+              <a:t>to </a:t>
+            </a:r>
+            <a:r>
+              <a:rPr sz="900" spc="-5" dirty="0">
+                <a:solidFill>
+                  <a:srgbClr val="636466"/>
+                </a:solidFill>
+                <a:latin typeface="Roboto-Medium"/>
+                <a:cs typeface="Roboto-Medium"/>
+              </a:rPr>
+              <a:t>keep  </a:t>
+            </a:r>
+            <a:r>
+              <a:rPr sz="900" dirty="0">
+                <a:solidFill>
+                  <a:srgbClr val="636466"/>
+                </a:solidFill>
+                <a:latin typeface="Roboto-Medium"/>
+                <a:cs typeface="Roboto-Medium"/>
+              </a:rPr>
+              <a:t>Clouds </a:t>
+            </a:r>
+            <a:r>
+              <a:rPr sz="900" spc="-5" dirty="0">
+                <a:solidFill>
+                  <a:srgbClr val="636466"/>
+                </a:solidFill>
+                <a:latin typeface="Roboto-Medium"/>
+                <a:cs typeface="Roboto-Medium"/>
+              </a:rPr>
+              <a:t>in </a:t>
+            </a:r>
+            <a:r>
+              <a:rPr sz="900" spc="-10" dirty="0">
+                <a:solidFill>
+                  <a:srgbClr val="636466"/>
+                </a:solidFill>
+                <a:latin typeface="Roboto-Medium"/>
+                <a:cs typeface="Roboto-Medium"/>
+              </a:rPr>
+              <a:t>top</a:t>
+            </a:r>
+            <a:r>
+              <a:rPr sz="900" spc="-85" dirty="0">
+                <a:solidFill>
+                  <a:srgbClr val="636466"/>
+                </a:solidFill>
+                <a:latin typeface="Roboto-Medium"/>
+                <a:cs typeface="Roboto-Medium"/>
+              </a:rPr>
+              <a:t> </a:t>
+            </a:r>
+            <a:r>
+              <a:rPr sz="900" spc="-5" dirty="0">
+                <a:solidFill>
+                  <a:srgbClr val="636466"/>
+                </a:solidFill>
+                <a:latin typeface="Roboto-Medium"/>
+                <a:cs typeface="Roboto-Medium"/>
+              </a:rPr>
+              <a:t>half.</a:t>
+            </a:r>
+            <a:endParaRPr sz="900" dirty="0">
+              <a:latin typeface="Roboto-Medium"/>
+              <a:cs typeface="Roboto-Medium"/>
+            </a:endParaRPr>
+          </a:p>
+        </p:txBody>
+      </p:sp>
+      <p:sp>
+        <p:nvSpPr>
+          <p:cNvPr id="18" name="object 18"/>
+          <p:cNvSpPr/>
+          <p:nvPr/>
+        </p:nvSpPr>
+        <p:spPr>
+          <a:xfrm>
+            <a:off x="0" y="4699000"/>
+            <a:ext cx="4572000" cy="25400"/>
+          </a:xfrm>
+          <a:custGeom>
+            <a:avLst/>
+            <a:gdLst/>
+            <a:ahLst/>
+            <a:cxnLst/>
+            <a:rect l="l" t="t" r="r" b="b"/>
+            <a:pathLst>
+              <a:path w="4572000" h="25400">
+                <a:moveTo>
+                  <a:pt x="0" y="25400"/>
+                </a:moveTo>
+                <a:lnTo>
+                  <a:pt x="4572000" y="25400"/>
+                </a:lnTo>
+                <a:lnTo>
+                  <a:pt x="4572000" y="0"/>
+                </a:lnTo>
+                <a:lnTo>
+                  <a:pt x="0" y="0"/>
+                </a:lnTo>
+                <a:lnTo>
+                  <a:pt x="0" y="25400"/>
+                </a:lnTo>
+                <a:close/>
+              </a:path>
+            </a:pathLst>
+          </a:custGeom>
+          <a:solidFill>
+            <a:srgbClr val="FFFFFF"/>
+          </a:solidFill>
+        </p:spPr>
+        <p:txBody>
+          <a:bodyPr wrap="square" lIns="0" tIns="0" rIns="0" bIns="0" rtlCol="0"/>
+          <a:lstStyle/>
+          <a:p>
+            <a:endParaRPr/>
+          </a:p>
+        </p:txBody>
+      </p:sp>
+      <p:sp>
+        <p:nvSpPr>
+          <p:cNvPr id="19" name="object 19"/>
+          <p:cNvSpPr/>
+          <p:nvPr/>
+        </p:nvSpPr>
+        <p:spPr>
+          <a:xfrm>
+            <a:off x="1832201" y="5815992"/>
+            <a:ext cx="900430" cy="0"/>
+          </a:xfrm>
+          <a:custGeom>
+            <a:avLst/>
+            <a:gdLst/>
+            <a:ahLst/>
+            <a:cxnLst/>
+            <a:rect l="l" t="t" r="r" b="b"/>
+            <a:pathLst>
+              <a:path w="900430">
+                <a:moveTo>
+                  <a:pt x="0" y="0"/>
+                </a:moveTo>
+                <a:lnTo>
+                  <a:pt x="900239" y="0"/>
+                </a:lnTo>
+              </a:path>
+            </a:pathLst>
+          </a:custGeom>
+          <a:ln w="14160">
+            <a:solidFill>
+              <a:srgbClr val="231F20"/>
+            </a:solidFill>
+          </a:ln>
+        </p:spPr>
+        <p:txBody>
+          <a:bodyPr wrap="square" lIns="0" tIns="0" rIns="0" bIns="0" rtlCol="0"/>
+          <a:lstStyle/>
+          <a:p>
+            <a:endParaRPr/>
+          </a:p>
+        </p:txBody>
+      </p:sp>
+      <p:sp>
+        <p:nvSpPr>
+          <p:cNvPr id="20" name="object 20"/>
+          <p:cNvSpPr/>
+          <p:nvPr/>
+        </p:nvSpPr>
+        <p:spPr>
+          <a:xfrm>
+            <a:off x="1832201" y="5784111"/>
+            <a:ext cx="0" cy="64135"/>
+          </a:xfrm>
+          <a:custGeom>
+            <a:avLst/>
+            <a:gdLst/>
+            <a:ahLst/>
+            <a:cxnLst/>
+            <a:rect l="l" t="t" r="r" b="b"/>
+            <a:pathLst>
+              <a:path h="64135">
+                <a:moveTo>
+                  <a:pt x="0" y="63753"/>
+                </a:moveTo>
+                <a:lnTo>
+                  <a:pt x="0" y="0"/>
+                </a:lnTo>
+              </a:path>
+            </a:pathLst>
+          </a:custGeom>
+          <a:ln w="14160">
+            <a:solidFill>
+              <a:srgbClr val="231F20"/>
+            </a:solidFill>
+          </a:ln>
+        </p:spPr>
+        <p:txBody>
+          <a:bodyPr wrap="square" lIns="0" tIns="0" rIns="0" bIns="0" rtlCol="0"/>
+          <a:lstStyle/>
+          <a:p>
+            <a:endParaRPr/>
+          </a:p>
+        </p:txBody>
+      </p:sp>
+      <p:sp>
+        <p:nvSpPr>
+          <p:cNvPr id="21" name="object 21"/>
+          <p:cNvSpPr/>
+          <p:nvPr/>
+        </p:nvSpPr>
+        <p:spPr>
+          <a:xfrm>
+            <a:off x="2732434" y="5784111"/>
+            <a:ext cx="0" cy="64135"/>
+          </a:xfrm>
+          <a:custGeom>
+            <a:avLst/>
+            <a:gdLst/>
+            <a:ahLst/>
+            <a:cxnLst/>
+            <a:rect l="l" t="t" r="r" b="b"/>
+            <a:pathLst>
+              <a:path h="64135">
+                <a:moveTo>
+                  <a:pt x="0" y="63753"/>
+                </a:moveTo>
+                <a:lnTo>
+                  <a:pt x="0" y="0"/>
+                </a:lnTo>
+              </a:path>
+            </a:pathLst>
+          </a:custGeom>
+          <a:ln w="14160">
+            <a:solidFill>
+              <a:srgbClr val="231F20"/>
+            </a:solidFill>
+          </a:ln>
+        </p:spPr>
+        <p:txBody>
+          <a:bodyPr wrap="square" lIns="0" tIns="0" rIns="0" bIns="0" rtlCol="0"/>
+          <a:lstStyle/>
+          <a:p>
+            <a:endParaRPr/>
+          </a:p>
+        </p:txBody>
+      </p:sp>
+      <p:sp>
+        <p:nvSpPr>
+          <p:cNvPr id="22" name="object 22"/>
+          <p:cNvSpPr txBox="1"/>
+          <p:nvPr/>
+        </p:nvSpPr>
+        <p:spPr>
+          <a:xfrm>
+            <a:off x="0" y="5059670"/>
+            <a:ext cx="4572000" cy="198130"/>
+          </a:xfrm>
+          <a:prstGeom prst="rect">
+            <a:avLst/>
+          </a:prstGeom>
+        </p:spPr>
+        <p:txBody>
+          <a:bodyPr vert="horz" wrap="square" lIns="0" tIns="59054" rIns="0" bIns="0" rtlCol="0">
+            <a:spAutoFit/>
+          </a:bodyPr>
+          <a:lstStyle/>
+          <a:p>
+            <a:pPr algn="ctr">
+              <a:lnSpc>
+                <a:spcPct val="100000"/>
+              </a:lnSpc>
+              <a:spcBef>
+                <a:spcPts val="270"/>
+              </a:spcBef>
+            </a:pPr>
+            <a:r>
+              <a:rPr sz="900" b="1" dirty="0">
+                <a:solidFill>
+                  <a:srgbClr val="636466"/>
+                </a:solidFill>
+                <a:latin typeface="Roboto-Black"/>
+                <a:cs typeface="Roboto-Black"/>
+              </a:rPr>
+              <a:t>y </a:t>
+            </a:r>
+            <a:r>
+              <a:rPr sz="900" spc="-5" dirty="0">
+                <a:solidFill>
+                  <a:srgbClr val="636466"/>
+                </a:solidFill>
+                <a:latin typeface="Roboto-Medium"/>
+                <a:cs typeface="Roboto-Medium"/>
+              </a:rPr>
+              <a:t>is </a:t>
+            </a:r>
+            <a:r>
+              <a:rPr sz="900" dirty="0">
+                <a:solidFill>
+                  <a:srgbClr val="636466"/>
+                </a:solidFill>
+                <a:latin typeface="Roboto-Medium"/>
+                <a:cs typeface="Roboto-Medium"/>
+              </a:rPr>
+              <a:t>the position </a:t>
+            </a:r>
+            <a:r>
+              <a:rPr sz="900" spc="-5" dirty="0">
+                <a:solidFill>
+                  <a:srgbClr val="636466"/>
+                </a:solidFill>
+                <a:latin typeface="Roboto-Medium"/>
+                <a:cs typeface="Roboto-Medium"/>
+              </a:rPr>
+              <a:t>on </a:t>
+            </a:r>
+            <a:r>
+              <a:rPr sz="900" dirty="0">
+                <a:solidFill>
+                  <a:srgbClr val="636466"/>
+                </a:solidFill>
+                <a:latin typeface="Roboto-Medium"/>
+                <a:cs typeface="Roboto-Medium"/>
+              </a:rPr>
+              <a:t>the Stage </a:t>
+            </a:r>
+            <a:r>
+              <a:rPr sz="900" spc="-10" dirty="0">
+                <a:solidFill>
+                  <a:srgbClr val="636466"/>
+                </a:solidFill>
+                <a:latin typeface="Roboto-Medium"/>
+                <a:cs typeface="Roboto-Medium"/>
+              </a:rPr>
+              <a:t>from top to</a:t>
+            </a:r>
+            <a:r>
+              <a:rPr sz="900" spc="-55" dirty="0">
+                <a:solidFill>
+                  <a:srgbClr val="636466"/>
+                </a:solidFill>
+                <a:latin typeface="Roboto-Medium"/>
+                <a:cs typeface="Roboto-Medium"/>
+              </a:rPr>
+              <a:t> </a:t>
+            </a:r>
+            <a:r>
+              <a:rPr sz="900" spc="-5" dirty="0">
+                <a:solidFill>
+                  <a:srgbClr val="636466"/>
+                </a:solidFill>
+                <a:latin typeface="Roboto-Medium"/>
+                <a:cs typeface="Roboto-Medium"/>
+              </a:rPr>
+              <a:t>bottom.</a:t>
+            </a:r>
+            <a:endParaRPr sz="900" dirty="0">
+              <a:latin typeface="Roboto-Medium"/>
+              <a:cs typeface="Roboto-Medium"/>
+            </a:endParaRPr>
+          </a:p>
+        </p:txBody>
+      </p:sp>
+      <p:sp>
+        <p:nvSpPr>
+          <p:cNvPr id="23" name="object 23"/>
+          <p:cNvSpPr txBox="1"/>
+          <p:nvPr/>
+        </p:nvSpPr>
+        <p:spPr>
+          <a:xfrm>
+            <a:off x="2122302" y="6141595"/>
+            <a:ext cx="389255" cy="147320"/>
           </a:xfrm>
           <a:prstGeom prst="rect">
             <a:avLst/>
@@ -14838,52 +15578,52 @@
               </a:spcBef>
             </a:pPr>
             <a:r>
-              <a:rPr sz="1200" b="1" spc="50" dirty="0">
-                <a:solidFill>
-                  <a:srgbClr val="5BADCE"/>
-                </a:solidFill>
-                <a:latin typeface="Montserrat-Black"/>
-                <a:cs typeface="Montserrat-Black"/>
-              </a:rPr>
-              <a:t>GET</a:t>
-            </a:r>
-            <a:r>
-              <a:rPr sz="1200" b="1" spc="100" dirty="0">
-                <a:solidFill>
-                  <a:srgbClr val="5BADCE"/>
-                </a:solidFill>
-                <a:latin typeface="Montserrat-Black"/>
-                <a:cs typeface="Montserrat-Black"/>
+              <a:rPr sz="800" dirty="0">
+                <a:solidFill>
+                  <a:srgbClr val="636466"/>
+                </a:solidFill>
+                <a:latin typeface="Roboto-Medium"/>
+                <a:cs typeface="Roboto-Medium"/>
+              </a:rPr>
+              <a:t>y =</a:t>
+            </a:r>
+            <a:r>
+              <a:rPr sz="800" spc="-80" dirty="0">
+                <a:solidFill>
+                  <a:srgbClr val="636466"/>
+                </a:solidFill>
+                <a:latin typeface="Roboto-Medium"/>
+                <a:cs typeface="Roboto-Medium"/>
               </a:rPr>
               <a:t> </a:t>
             </a:r>
             <a:r>
-              <a:rPr sz="1200" b="1" spc="55" dirty="0">
-                <a:solidFill>
-                  <a:srgbClr val="5BADCE"/>
-                </a:solidFill>
-                <a:latin typeface="Montserrat-Black"/>
-                <a:cs typeface="Montserrat-Black"/>
-              </a:rPr>
-              <a:t>READY</a:t>
-            </a:r>
-            <a:endParaRPr sz="1200" dirty="0">
-              <a:latin typeface="Montserrat-Black"/>
-              <a:cs typeface="Montserrat-Black"/>
+              <a:rPr sz="800" spc="-5" dirty="0">
+                <a:solidFill>
+                  <a:srgbClr val="636466"/>
+                </a:solidFill>
+                <a:latin typeface="Roboto-Medium"/>
+                <a:cs typeface="Roboto-Medium"/>
+              </a:rPr>
+              <a:t>-180</a:t>
+            </a:r>
+            <a:endParaRPr sz="800" dirty="0">
+              <a:latin typeface="Roboto-Medium"/>
+              <a:cs typeface="Roboto-Medium"/>
             </a:endParaRPr>
           </a:p>
         </p:txBody>
       </p:sp>
       <p:sp>
         <p:nvSpPr>
-          <p:cNvPr id="12" name="object 12"/>
+          <p:cNvPr id="24" name="object 24"/>
           <p:cNvSpPr txBox="1"/>
           <p:nvPr/>
         </p:nvSpPr>
         <p:spPr>
           <a:xfrm>
-            <a:off x="843953" y="1752600"/>
-            <a:ext cx="2185670" cy="151323"/>
+            <a:off x="1375039" y="5764712"/>
+            <a:ext cx="391160" cy="147320"/>
           </a:xfrm>
           <a:prstGeom prst="rect">
             <a:avLst/>
@@ -14904,17 +15644,17 @@
               </a:spcBef>
             </a:pPr>
             <a:r>
-              <a:rPr sz="900" dirty="0">
+              <a:rPr sz="800" dirty="0">
                 <a:solidFill>
                   <a:srgbClr val="636466"/>
                 </a:solidFill>
                 <a:latin typeface="Roboto-Medium"/>
                 <a:cs typeface="Roboto-Medium"/>
               </a:rPr>
-              <a:t>Choose Clouds</a:t>
-            </a:r>
-            <a:r>
-              <a:rPr lang="en-US" sz="900" dirty="0">
+              <a:t>x =</a:t>
+            </a:r>
+            <a:r>
+              <a:rPr sz="800" spc="-80" dirty="0">
                 <a:solidFill>
                   <a:srgbClr val="636466"/>
                 </a:solidFill>
@@ -14924,46 +15664,16 @@
               <a:t> </a:t>
             </a:r>
             <a:r>
-              <a:rPr lang="en-US" sz="900" spc="-10" dirty="0">
+              <a:rPr sz="800" spc="-5" dirty="0">
                 <a:solidFill>
                   <a:srgbClr val="636466"/>
                 </a:solidFill>
                 <a:latin typeface="Roboto-Medium"/>
                 <a:cs typeface="Roboto-Medium"/>
               </a:rPr>
-              <a:t>from </a:t>
-            </a:r>
-            <a:r>
-              <a:rPr lang="en-US" sz="900" dirty="0">
-                <a:solidFill>
-                  <a:srgbClr val="636466"/>
-                </a:solidFill>
-                <a:latin typeface="Roboto-Medium"/>
-                <a:cs typeface="Roboto-Medium"/>
-              </a:rPr>
-              <a:t>the</a:t>
-            </a:r>
-            <a:r>
-              <a:rPr lang="en-US" sz="900" spc="-10" dirty="0">
-                <a:solidFill>
-                  <a:srgbClr val="636466"/>
-                </a:solidFill>
-                <a:latin typeface="Roboto-Medium"/>
-                <a:cs typeface="Roboto-Medium"/>
-              </a:rPr>
-              <a:t> </a:t>
-            </a:r>
-            <a:r>
-              <a:rPr lang="en-US" sz="900" spc="-15" dirty="0">
-                <a:solidFill>
-                  <a:srgbClr val="636466"/>
-                </a:solidFill>
-                <a:latin typeface="Roboto-Medium"/>
-                <a:cs typeface="Roboto-Medium"/>
-              </a:rPr>
-              <a:t>library.</a:t>
-            </a:r>
-            <a:endParaRPr sz="900" dirty="0">
+              <a:t>-240</a:t>
+            </a:r>
+            <a:endParaRPr sz="800">
               <a:latin typeface="Roboto-Medium"/>
               <a:cs typeface="Roboto-Medium"/>
             </a:endParaRPr>
@@ -14972,590 +15682,14 @@
       </p:sp>
       <p:sp>
         <p:nvSpPr>
-          <p:cNvPr id="13" name="object 13"/>
-          <p:cNvSpPr/>
-          <p:nvPr/>
-        </p:nvSpPr>
-        <p:spPr>
-          <a:xfrm>
-            <a:off x="2875610" y="1305878"/>
-            <a:ext cx="625779" cy="517156"/>
-          </a:xfrm>
-          <a:prstGeom prst="rect">
-            <a:avLst/>
-          </a:prstGeom>
-          <a:blipFill>
-            <a:blip r:embed="rId3" cstate="print"/>
-            <a:stretch>
-              <a:fillRect/>
-            </a:stretch>
-          </a:blipFill>
-        </p:spPr>
-        <p:txBody>
-          <a:bodyPr wrap="square" lIns="0" tIns="0" rIns="0" bIns="0" rtlCol="0"/>
-          <a:lstStyle/>
-          <a:p>
-            <a:endParaRPr/>
-          </a:p>
-        </p:txBody>
-      </p:sp>
-      <p:sp>
-        <p:nvSpPr>
-          <p:cNvPr id="14" name="object 14"/>
-          <p:cNvSpPr/>
-          <p:nvPr/>
-        </p:nvSpPr>
-        <p:spPr>
-          <a:xfrm>
-            <a:off x="2866081" y="1296354"/>
-            <a:ext cx="645160" cy="536575"/>
-          </a:xfrm>
-          <a:custGeom>
-            <a:avLst/>
-            <a:gdLst/>
-            <a:ahLst/>
-            <a:cxnLst/>
-            <a:rect l="l" t="t" r="r" b="b"/>
-            <a:pathLst>
-              <a:path w="645160" h="536575">
-                <a:moveTo>
-                  <a:pt x="85725" y="0"/>
-                </a:moveTo>
-                <a:lnTo>
-                  <a:pt x="59819" y="3859"/>
-                </a:lnTo>
-                <a:lnTo>
-                  <a:pt x="31742" y="17435"/>
-                </a:lnTo>
-                <a:lnTo>
-                  <a:pt x="9224" y="43725"/>
-                </a:lnTo>
-                <a:lnTo>
-                  <a:pt x="0" y="85725"/>
-                </a:lnTo>
-                <a:lnTo>
-                  <a:pt x="0" y="450481"/>
-                </a:lnTo>
-                <a:lnTo>
-                  <a:pt x="3859" y="476381"/>
-                </a:lnTo>
-                <a:lnTo>
-                  <a:pt x="17435" y="504459"/>
-                </a:lnTo>
-                <a:lnTo>
-                  <a:pt x="43725" y="526980"/>
-                </a:lnTo>
-                <a:lnTo>
-                  <a:pt x="85725" y="536206"/>
-                </a:lnTo>
-                <a:lnTo>
-                  <a:pt x="559104" y="536206"/>
-                </a:lnTo>
-                <a:lnTo>
-                  <a:pt x="585009" y="532347"/>
-                </a:lnTo>
-                <a:lnTo>
-                  <a:pt x="613087" y="518771"/>
-                </a:lnTo>
-                <a:lnTo>
-                  <a:pt x="635605" y="492481"/>
-                </a:lnTo>
-                <a:lnTo>
-                  <a:pt x="644829" y="450481"/>
-                </a:lnTo>
-                <a:lnTo>
-                  <a:pt x="644829" y="85725"/>
-                </a:lnTo>
-                <a:lnTo>
-                  <a:pt x="640972" y="59819"/>
-                </a:lnTo>
-                <a:lnTo>
-                  <a:pt x="627399" y="31742"/>
-                </a:lnTo>
-                <a:lnTo>
-                  <a:pt x="601110" y="9224"/>
-                </a:lnTo>
-                <a:lnTo>
-                  <a:pt x="559104" y="0"/>
-                </a:lnTo>
-                <a:lnTo>
-                  <a:pt x="85725" y="0"/>
-                </a:lnTo>
-                <a:close/>
-              </a:path>
-            </a:pathLst>
-          </a:custGeom>
-          <a:ln w="19049">
-            <a:solidFill>
-              <a:srgbClr val="5BADCE"/>
-            </a:solidFill>
-          </a:ln>
-        </p:spPr>
-        <p:txBody>
-          <a:bodyPr wrap="square" lIns="0" tIns="0" rIns="0" bIns="0" rtlCol="0"/>
-          <a:lstStyle/>
-          <a:p>
-            <a:endParaRPr/>
-          </a:p>
-        </p:txBody>
-      </p:sp>
-      <p:sp>
-        <p:nvSpPr>
-          <p:cNvPr id="15" name="object 15"/>
-          <p:cNvSpPr/>
-          <p:nvPr/>
-        </p:nvSpPr>
-        <p:spPr>
-          <a:xfrm>
-            <a:off x="2267686" y="2595879"/>
-            <a:ext cx="1625206" cy="2031517"/>
-          </a:xfrm>
-          <a:prstGeom prst="rect">
-            <a:avLst/>
-          </a:prstGeom>
-          <a:blipFill>
-            <a:blip r:embed="rId4" cstate="print"/>
-            <a:stretch>
-              <a:fillRect/>
-            </a:stretch>
-          </a:blipFill>
-        </p:spPr>
-        <p:txBody>
-          <a:bodyPr wrap="square" lIns="0" tIns="0" rIns="0" bIns="0" rtlCol="0"/>
-          <a:lstStyle/>
-          <a:p>
-            <a:endParaRPr/>
-          </a:p>
-        </p:txBody>
-      </p:sp>
-      <p:sp>
-        <p:nvSpPr>
-          <p:cNvPr id="16" name="object 16"/>
+          <p:cNvPr id="25" name="object 25"/>
           <p:cNvSpPr txBox="1"/>
           <p:nvPr/>
         </p:nvSpPr>
         <p:spPr>
           <a:xfrm>
-            <a:off x="3204392" y="3501190"/>
-            <a:ext cx="952500" cy="310791"/>
-          </a:xfrm>
-          <a:prstGeom prst="rect">
-            <a:avLst/>
-          </a:prstGeom>
-        </p:spPr>
-        <p:txBody>
-          <a:bodyPr vert="horz" wrap="square" lIns="0" tIns="12700" rIns="0" bIns="0" rtlCol="0">
-            <a:spAutoFit/>
-          </a:bodyPr>
-          <a:lstStyle/>
-          <a:p>
-            <a:pPr marL="12700" marR="5080" indent="-4763">
-              <a:lnSpc>
-                <a:spcPct val="111100"/>
-              </a:lnSpc>
-              <a:spcBef>
-                <a:spcPts val="100"/>
-              </a:spcBef>
-            </a:pPr>
-            <a:r>
-              <a:rPr sz="900" spc="-10" dirty="0">
-                <a:solidFill>
-                  <a:srgbClr val="636466"/>
-                </a:solidFill>
-                <a:latin typeface="Roboto-Medium"/>
-                <a:cs typeface="Roboto-Medium"/>
-              </a:rPr>
-              <a:t>Type </a:t>
-            </a:r>
-            <a:r>
-              <a:rPr sz="900" spc="-5" dirty="0">
-                <a:solidFill>
-                  <a:srgbClr val="636466"/>
-                </a:solidFill>
-                <a:latin typeface="Roboto-Medium"/>
-                <a:cs typeface="Roboto-Medium"/>
-              </a:rPr>
-              <a:t>180 </a:t>
-            </a:r>
-            <a:r>
-              <a:rPr sz="900" spc="-10" dirty="0">
-                <a:solidFill>
-                  <a:srgbClr val="636466"/>
-                </a:solidFill>
-                <a:latin typeface="Roboto-Medium"/>
-                <a:cs typeface="Roboto-Medium"/>
-              </a:rPr>
-              <a:t>to </a:t>
-            </a:r>
-            <a:r>
-              <a:rPr sz="900" spc="-5" dirty="0">
-                <a:solidFill>
-                  <a:srgbClr val="636466"/>
-                </a:solidFill>
-                <a:latin typeface="Roboto-Medium"/>
-                <a:cs typeface="Roboto-Medium"/>
-              </a:rPr>
-              <a:t>keep  </a:t>
-            </a:r>
-            <a:r>
-              <a:rPr sz="900" dirty="0">
-                <a:solidFill>
-                  <a:srgbClr val="636466"/>
-                </a:solidFill>
-                <a:latin typeface="Roboto-Medium"/>
-                <a:cs typeface="Roboto-Medium"/>
-              </a:rPr>
-              <a:t>Clouds </a:t>
-            </a:r>
-            <a:r>
-              <a:rPr sz="900" spc="-5" dirty="0">
-                <a:solidFill>
-                  <a:srgbClr val="636466"/>
-                </a:solidFill>
-                <a:latin typeface="Roboto-Medium"/>
-                <a:cs typeface="Roboto-Medium"/>
-              </a:rPr>
-              <a:t>in </a:t>
-            </a:r>
-            <a:r>
-              <a:rPr sz="900" spc="-10" dirty="0">
-                <a:solidFill>
-                  <a:srgbClr val="636466"/>
-                </a:solidFill>
-                <a:latin typeface="Roboto-Medium"/>
-                <a:cs typeface="Roboto-Medium"/>
-              </a:rPr>
-              <a:t>top</a:t>
-            </a:r>
-            <a:r>
-              <a:rPr sz="900" spc="-85" dirty="0">
-                <a:solidFill>
-                  <a:srgbClr val="636466"/>
-                </a:solidFill>
-                <a:latin typeface="Roboto-Medium"/>
-                <a:cs typeface="Roboto-Medium"/>
-              </a:rPr>
-              <a:t> </a:t>
-            </a:r>
-            <a:r>
-              <a:rPr sz="900" spc="-5" dirty="0">
-                <a:solidFill>
-                  <a:srgbClr val="636466"/>
-                </a:solidFill>
-                <a:latin typeface="Roboto-Medium"/>
-                <a:cs typeface="Roboto-Medium"/>
-              </a:rPr>
-              <a:t>half.</a:t>
-            </a:r>
-            <a:endParaRPr sz="900" dirty="0">
-              <a:latin typeface="Roboto-Medium"/>
-              <a:cs typeface="Roboto-Medium"/>
-            </a:endParaRPr>
-          </a:p>
-        </p:txBody>
-      </p:sp>
-      <p:sp>
-        <p:nvSpPr>
-          <p:cNvPr id="18" name="object 18"/>
-          <p:cNvSpPr/>
-          <p:nvPr/>
-        </p:nvSpPr>
-        <p:spPr>
-          <a:xfrm>
-            <a:off x="0" y="4699000"/>
-            <a:ext cx="4572000" cy="25400"/>
-          </a:xfrm>
-          <a:custGeom>
-            <a:avLst/>
-            <a:gdLst/>
-            <a:ahLst/>
-            <a:cxnLst/>
-            <a:rect l="l" t="t" r="r" b="b"/>
-            <a:pathLst>
-              <a:path w="4572000" h="25400">
-                <a:moveTo>
-                  <a:pt x="0" y="25400"/>
-                </a:moveTo>
-                <a:lnTo>
-                  <a:pt x="4572000" y="25400"/>
-                </a:lnTo>
-                <a:lnTo>
-                  <a:pt x="4572000" y="0"/>
-                </a:lnTo>
-                <a:lnTo>
-                  <a:pt x="0" y="0"/>
-                </a:lnTo>
-                <a:lnTo>
-                  <a:pt x="0" y="25400"/>
-                </a:lnTo>
-                <a:close/>
-              </a:path>
-            </a:pathLst>
-          </a:custGeom>
-          <a:solidFill>
-            <a:srgbClr val="FFFFFF"/>
-          </a:solidFill>
-        </p:spPr>
-        <p:txBody>
-          <a:bodyPr wrap="square" lIns="0" tIns="0" rIns="0" bIns="0" rtlCol="0"/>
-          <a:lstStyle/>
-          <a:p>
-            <a:endParaRPr/>
-          </a:p>
-        </p:txBody>
-      </p:sp>
-      <p:sp>
-        <p:nvSpPr>
-          <p:cNvPr id="19" name="object 19"/>
-          <p:cNvSpPr/>
-          <p:nvPr/>
-        </p:nvSpPr>
-        <p:spPr>
-          <a:xfrm>
-            <a:off x="1832201" y="5815992"/>
-            <a:ext cx="900430" cy="0"/>
-          </a:xfrm>
-          <a:custGeom>
-            <a:avLst/>
-            <a:gdLst/>
-            <a:ahLst/>
-            <a:cxnLst/>
-            <a:rect l="l" t="t" r="r" b="b"/>
-            <a:pathLst>
-              <a:path w="900430">
-                <a:moveTo>
-                  <a:pt x="0" y="0"/>
-                </a:moveTo>
-                <a:lnTo>
-                  <a:pt x="900239" y="0"/>
-                </a:lnTo>
-              </a:path>
-            </a:pathLst>
-          </a:custGeom>
-          <a:ln w="14160">
-            <a:solidFill>
-              <a:srgbClr val="231F20"/>
-            </a:solidFill>
-          </a:ln>
-        </p:spPr>
-        <p:txBody>
-          <a:bodyPr wrap="square" lIns="0" tIns="0" rIns="0" bIns="0" rtlCol="0"/>
-          <a:lstStyle/>
-          <a:p>
-            <a:endParaRPr/>
-          </a:p>
-        </p:txBody>
-      </p:sp>
-      <p:sp>
-        <p:nvSpPr>
-          <p:cNvPr id="20" name="object 20"/>
-          <p:cNvSpPr/>
-          <p:nvPr/>
-        </p:nvSpPr>
-        <p:spPr>
-          <a:xfrm>
-            <a:off x="1832201" y="5784111"/>
-            <a:ext cx="0" cy="64135"/>
-          </a:xfrm>
-          <a:custGeom>
-            <a:avLst/>
-            <a:gdLst/>
-            <a:ahLst/>
-            <a:cxnLst/>
-            <a:rect l="l" t="t" r="r" b="b"/>
-            <a:pathLst>
-              <a:path h="64135">
-                <a:moveTo>
-                  <a:pt x="0" y="63753"/>
-                </a:moveTo>
-                <a:lnTo>
-                  <a:pt x="0" y="0"/>
-                </a:lnTo>
-              </a:path>
-            </a:pathLst>
-          </a:custGeom>
-          <a:ln w="14160">
-            <a:solidFill>
-              <a:srgbClr val="231F20"/>
-            </a:solidFill>
-          </a:ln>
-        </p:spPr>
-        <p:txBody>
-          <a:bodyPr wrap="square" lIns="0" tIns="0" rIns="0" bIns="0" rtlCol="0"/>
-          <a:lstStyle/>
-          <a:p>
-            <a:endParaRPr/>
-          </a:p>
-        </p:txBody>
-      </p:sp>
-      <p:sp>
-        <p:nvSpPr>
-          <p:cNvPr id="21" name="object 21"/>
-          <p:cNvSpPr/>
-          <p:nvPr/>
-        </p:nvSpPr>
-        <p:spPr>
-          <a:xfrm>
-            <a:off x="2732434" y="5784111"/>
-            <a:ext cx="0" cy="64135"/>
-          </a:xfrm>
-          <a:custGeom>
-            <a:avLst/>
-            <a:gdLst/>
-            <a:ahLst/>
-            <a:cxnLst/>
-            <a:rect l="l" t="t" r="r" b="b"/>
-            <a:pathLst>
-              <a:path h="64135">
-                <a:moveTo>
-                  <a:pt x="0" y="63753"/>
-                </a:moveTo>
-                <a:lnTo>
-                  <a:pt x="0" y="0"/>
-                </a:lnTo>
-              </a:path>
-            </a:pathLst>
-          </a:custGeom>
-          <a:ln w="14160">
-            <a:solidFill>
-              <a:srgbClr val="231F20"/>
-            </a:solidFill>
-          </a:ln>
-        </p:spPr>
-        <p:txBody>
-          <a:bodyPr wrap="square" lIns="0" tIns="0" rIns="0" bIns="0" rtlCol="0"/>
-          <a:lstStyle/>
-          <a:p>
-            <a:endParaRPr/>
-          </a:p>
-        </p:txBody>
-      </p:sp>
-      <p:sp>
-        <p:nvSpPr>
-          <p:cNvPr id="22" name="object 22"/>
-          <p:cNvSpPr txBox="1"/>
-          <p:nvPr/>
-        </p:nvSpPr>
-        <p:spPr>
-          <a:xfrm>
-            <a:off x="1016861" y="5059670"/>
-            <a:ext cx="2531110" cy="198130"/>
-          </a:xfrm>
-          <a:prstGeom prst="rect">
-            <a:avLst/>
-          </a:prstGeom>
-        </p:spPr>
-        <p:txBody>
-          <a:bodyPr vert="horz" wrap="square" lIns="0" tIns="59054" rIns="0" bIns="0" rtlCol="0">
-            <a:spAutoFit/>
-          </a:bodyPr>
-          <a:lstStyle/>
-          <a:p>
-            <a:pPr algn="ctr">
-              <a:lnSpc>
-                <a:spcPct val="100000"/>
-              </a:lnSpc>
-              <a:spcBef>
-                <a:spcPts val="270"/>
-              </a:spcBef>
-            </a:pPr>
-            <a:r>
-              <a:rPr sz="900" b="1" dirty="0">
-                <a:solidFill>
-                  <a:srgbClr val="636466"/>
-                </a:solidFill>
-                <a:latin typeface="Roboto-Black"/>
-                <a:cs typeface="Roboto-Black"/>
-              </a:rPr>
-              <a:t>y </a:t>
-            </a:r>
-            <a:r>
-              <a:rPr sz="900" spc="-5" dirty="0">
-                <a:solidFill>
-                  <a:srgbClr val="636466"/>
-                </a:solidFill>
-                <a:latin typeface="Roboto-Medium"/>
-                <a:cs typeface="Roboto-Medium"/>
-              </a:rPr>
-              <a:t>is </a:t>
-            </a:r>
-            <a:r>
-              <a:rPr sz="900" dirty="0">
-                <a:solidFill>
-                  <a:srgbClr val="636466"/>
-                </a:solidFill>
-                <a:latin typeface="Roboto-Medium"/>
-                <a:cs typeface="Roboto-Medium"/>
-              </a:rPr>
-              <a:t>the position </a:t>
-            </a:r>
-            <a:r>
-              <a:rPr sz="900" spc="-5" dirty="0">
-                <a:solidFill>
-                  <a:srgbClr val="636466"/>
-                </a:solidFill>
-                <a:latin typeface="Roboto-Medium"/>
-                <a:cs typeface="Roboto-Medium"/>
-              </a:rPr>
-              <a:t>on </a:t>
-            </a:r>
-            <a:r>
-              <a:rPr sz="900" dirty="0">
-                <a:solidFill>
-                  <a:srgbClr val="636466"/>
-                </a:solidFill>
-                <a:latin typeface="Roboto-Medium"/>
-                <a:cs typeface="Roboto-Medium"/>
-              </a:rPr>
-              <a:t>the Stage </a:t>
-            </a:r>
-            <a:r>
-              <a:rPr sz="900" spc="-10" dirty="0">
-                <a:solidFill>
-                  <a:srgbClr val="636466"/>
-                </a:solidFill>
-                <a:latin typeface="Roboto-Medium"/>
-                <a:cs typeface="Roboto-Medium"/>
-              </a:rPr>
-              <a:t>from top to</a:t>
-            </a:r>
-            <a:r>
-              <a:rPr sz="900" spc="-55" dirty="0">
-                <a:solidFill>
-                  <a:srgbClr val="636466"/>
-                </a:solidFill>
-                <a:latin typeface="Roboto-Medium"/>
-                <a:cs typeface="Roboto-Medium"/>
-              </a:rPr>
-              <a:t> </a:t>
-            </a:r>
-            <a:r>
-              <a:rPr sz="900" spc="-5" dirty="0">
-                <a:solidFill>
-                  <a:srgbClr val="636466"/>
-                </a:solidFill>
-                <a:latin typeface="Roboto-Medium"/>
-                <a:cs typeface="Roboto-Medium"/>
-              </a:rPr>
-              <a:t>bottom.</a:t>
-            </a:r>
-            <a:endParaRPr sz="900" dirty="0">
-              <a:latin typeface="Roboto-Medium"/>
-              <a:cs typeface="Roboto-Medium"/>
-            </a:endParaRPr>
-          </a:p>
-        </p:txBody>
-      </p:sp>
-      <p:sp>
-        <p:nvSpPr>
-          <p:cNvPr id="23" name="object 23"/>
-          <p:cNvSpPr txBox="1"/>
-          <p:nvPr/>
-        </p:nvSpPr>
-        <p:spPr>
-          <a:xfrm>
-            <a:off x="2122302" y="6141595"/>
-            <a:ext cx="389255" cy="147320"/>
+            <a:off x="2818430" y="5754068"/>
+            <a:ext cx="357505" cy="147320"/>
           </a:xfrm>
           <a:prstGeom prst="rect">
             <a:avLst/>
@@ -15583,138 +15717,6 @@
                 <a:latin typeface="Roboto-Medium"/>
                 <a:cs typeface="Roboto-Medium"/>
               </a:rPr>
-              <a:t>y =</a:t>
-            </a:r>
-            <a:r>
-              <a:rPr sz="800" spc="-80" dirty="0">
-                <a:solidFill>
-                  <a:srgbClr val="636466"/>
-                </a:solidFill>
-                <a:latin typeface="Roboto-Medium"/>
-                <a:cs typeface="Roboto-Medium"/>
-              </a:rPr>
-              <a:t> </a:t>
-            </a:r>
-            <a:r>
-              <a:rPr sz="800" spc="-5" dirty="0">
-                <a:solidFill>
-                  <a:srgbClr val="636466"/>
-                </a:solidFill>
-                <a:latin typeface="Roboto-Medium"/>
-                <a:cs typeface="Roboto-Medium"/>
-              </a:rPr>
-              <a:t>-180</a:t>
-            </a:r>
-            <a:endParaRPr sz="800" dirty="0">
-              <a:latin typeface="Roboto-Medium"/>
-              <a:cs typeface="Roboto-Medium"/>
-            </a:endParaRPr>
-          </a:p>
-        </p:txBody>
-      </p:sp>
-      <p:sp>
-        <p:nvSpPr>
-          <p:cNvPr id="24" name="object 24"/>
-          <p:cNvSpPr txBox="1"/>
-          <p:nvPr/>
-        </p:nvSpPr>
-        <p:spPr>
-          <a:xfrm>
-            <a:off x="1375039" y="5764712"/>
-            <a:ext cx="391160" cy="147320"/>
-          </a:xfrm>
-          <a:prstGeom prst="rect">
-            <a:avLst/>
-          </a:prstGeom>
-        </p:spPr>
-        <p:txBody>
-          <a:bodyPr vert="horz" wrap="square" lIns="0" tIns="12700" rIns="0" bIns="0" rtlCol="0">
-            <a:spAutoFit/>
-          </a:bodyPr>
-          <a:lstStyle/>
-          <a:p>
-            <a:pPr marL="12700">
-              <a:lnSpc>
-                <a:spcPct val="100000"/>
-              </a:lnSpc>
-              <a:spcBef>
-                <a:spcPts val="100"/>
-              </a:spcBef>
-            </a:pPr>
-            <a:r>
-              <a:rPr sz="800" dirty="0">
-                <a:solidFill>
-                  <a:srgbClr val="636466"/>
-                </a:solidFill>
-                <a:latin typeface="Roboto-Medium"/>
-                <a:cs typeface="Roboto-Medium"/>
-              </a:rPr>
-              <a:t>x =</a:t>
-            </a:r>
-            <a:r>
-              <a:rPr sz="800" spc="-80" dirty="0">
-                <a:solidFill>
-                  <a:srgbClr val="636466"/>
-                </a:solidFill>
-                <a:latin typeface="Roboto-Medium"/>
-                <a:cs typeface="Roboto-Medium"/>
-              </a:rPr>
-              <a:t> </a:t>
-            </a:r>
-            <a:r>
-              <a:rPr sz="800" spc="-5" dirty="0">
-                <a:solidFill>
-                  <a:srgbClr val="636466"/>
-                </a:solidFill>
-                <a:latin typeface="Roboto-Medium"/>
-                <a:cs typeface="Roboto-Medium"/>
-              </a:rPr>
-              <a:t>-240</a:t>
-            </a:r>
-            <a:endParaRPr sz="800">
-              <a:latin typeface="Roboto-Medium"/>
-              <a:cs typeface="Roboto-Medium"/>
-            </a:endParaRPr>
-          </a:p>
-        </p:txBody>
-      </p:sp>
-      <p:sp>
-        <p:nvSpPr>
-          <p:cNvPr id="25" name="object 25"/>
-          <p:cNvSpPr txBox="1"/>
-          <p:nvPr/>
-        </p:nvSpPr>
-        <p:spPr>
-          <a:xfrm>
-            <a:off x="2818430" y="5754068"/>
-            <a:ext cx="357505" cy="147320"/>
-          </a:xfrm>
-          <a:prstGeom prst="rect">
-            <a:avLst/>
-          </a:prstGeom>
-        </p:spPr>
-        <p:txBody>
-          <a:bodyPr vert="horz" wrap="square" lIns="0" tIns="12700" rIns="0" bIns="0" rtlCol="0">
-            <a:spAutoFit/>
-          </a:bodyPr>
-          <a:lstStyle/>
-          <a:p>
-            <a:pPr marL="12700">
-              <a:lnSpc>
-                <a:spcPct val="100000"/>
-              </a:lnSpc>
-              <a:spcBef>
-                <a:spcPts val="100"/>
-              </a:spcBef>
-            </a:pPr>
-            <a:r>
-              <a:rPr sz="800" dirty="0">
-                <a:solidFill>
-                  <a:srgbClr val="636466"/>
-                </a:solidFill>
-                <a:latin typeface="Roboto-Medium"/>
-                <a:cs typeface="Roboto-Medium"/>
-              </a:rPr>
               <a:t>x =</a:t>
             </a:r>
             <a:r>
@@ -15908,7 +15910,7 @@
         <p:spPr>
           <a:xfrm>
             <a:off x="446023" y="3680459"/>
-            <a:ext cx="1428750" cy="330200"/>
+            <a:ext cx="1428750" cy="310791"/>
           </a:xfrm>
           <a:prstGeom prst="rect">
             <a:avLst/>
@@ -15920,7 +15922,7 @@
           </a:bodyPr>
           <a:lstStyle/>
           <a:p>
-            <a:pPr marL="12700" marR="5080">
+            <a:pPr marR="5080">
               <a:lnSpc>
                 <a:spcPct val="111100"/>
               </a:lnSpc>
@@ -16274,8 +16276,8 @@
         </p:nvSpPr>
         <p:spPr>
           <a:xfrm>
-            <a:off x="1020445" y="4784903"/>
-            <a:ext cx="2531110" cy="244297"/>
+            <a:off x="0" y="4784903"/>
+            <a:ext cx="4571999" cy="244297"/>
           </a:xfrm>
           <a:prstGeom prst="rect">
             <a:avLst/>
@@ -16398,8 +16400,8 @@
         </p:nvSpPr>
         <p:spPr>
           <a:xfrm>
-            <a:off x="1193165" y="2291006"/>
-            <a:ext cx="2185670" cy="197490"/>
+            <a:off x="0" y="2291006"/>
+            <a:ext cx="4571999" cy="197490"/>
           </a:xfrm>
           <a:prstGeom prst="rect">
             <a:avLst/>
@@ -16598,7 +16600,7 @@
         <p:spPr>
           <a:xfrm>
             <a:off x="596900" y="5958115"/>
-            <a:ext cx="643890" cy="177800"/>
+            <a:ext cx="1437830" cy="166712"/>
           </a:xfrm>
           <a:prstGeom prst="rect">
             <a:avLst/>
@@ -16648,7 +16650,7 @@
               </a:rPr>
               <a:t>Fly</a:t>
             </a:r>
-            <a:endParaRPr sz="1000">
+            <a:endParaRPr sz="1000" dirty="0">
               <a:latin typeface="Roboto-Medium"/>
               <a:cs typeface="Roboto-Medium"/>
             </a:endParaRPr>
@@ -16969,8 +16971,8 @@
         </p:nvSpPr>
         <p:spPr>
           <a:xfrm>
-            <a:off x="976226" y="1282700"/>
-            <a:ext cx="2618105" cy="208279"/>
+            <a:off x="641342" y="1282700"/>
+            <a:ext cx="3289300" cy="197490"/>
           </a:xfrm>
           <a:prstGeom prst="rect">
             <a:avLst/>
@@ -16982,7 +16984,7 @@
           </a:bodyPr>
           <a:lstStyle/>
           <a:p>
-            <a:pPr marL="12700">
+            <a:pPr marL="12700" algn="ctr">
               <a:lnSpc>
                 <a:spcPct val="100000"/>
               </a:lnSpc>
@@ -17030,7 +17032,7 @@
               </a:rPr>
               <a:t>to</a:t>
             </a:r>
-            <a:endParaRPr sz="1200">
+            <a:endParaRPr sz="1200" dirty="0">
               <a:latin typeface="Roboto-Medium"/>
               <a:cs typeface="Roboto-Medium"/>
             </a:endParaRPr>
@@ -17049,8 +17051,8 @@
         </p:nvSpPr>
         <p:spPr>
           <a:xfrm>
-            <a:off x="986045" y="471215"/>
-            <a:ext cx="2600325" cy="452120"/>
+            <a:off x="-1" y="471215"/>
+            <a:ext cx="4572001" cy="452120"/>
           </a:xfrm>
           <a:prstGeom prst="rect">
             <a:avLst/>
@@ -17062,7 +17064,7 @@
           </a:bodyPr>
           <a:lstStyle/>
           <a:p>
-            <a:pPr marL="12700">
+            <a:pPr marL="12700" algn="ctr">
               <a:lnSpc>
                 <a:spcPct val="100000"/>
               </a:lnSpc>
@@ -17277,7 +17279,7 @@
         <p:spPr>
           <a:xfrm>
             <a:off x="215900" y="282342"/>
-            <a:ext cx="2232660" cy="515620"/>
+            <a:ext cx="4203700" cy="515620"/>
           </a:xfrm>
           <a:prstGeom prst="rect">
             <a:avLst/>
@@ -17309,7 +17311,7 @@
               <a:rPr sz="2400" spc="-5" dirty="0"/>
               <a:t>Hearts</a:t>
             </a:r>
-            <a:endParaRPr sz="2400"/>
+            <a:endParaRPr sz="2400" dirty="0"/>
           </a:p>
           <a:p>
             <a:pPr marL="12700">
@@ -17324,7 +17326,7 @@
               </a:rPr>
               <a:t>scratch.mit.edu</a:t>
             </a:r>
-            <a:endParaRPr sz="900">
+            <a:endParaRPr sz="900" dirty="0">
               <a:latin typeface="Roboto-Medium"/>
               <a:cs typeface="Roboto-Medium"/>
             </a:endParaRPr>
@@ -17439,8 +17441,8 @@
         </p:nvSpPr>
         <p:spPr>
           <a:xfrm>
-            <a:off x="1554057" y="2571167"/>
-            <a:ext cx="1475105" cy="208279"/>
+            <a:off x="0" y="2571167"/>
+            <a:ext cx="4571999" cy="197490"/>
           </a:xfrm>
           <a:prstGeom prst="rect">
             <a:avLst/>
@@ -17452,7 +17454,7 @@
           </a:bodyPr>
           <a:lstStyle/>
           <a:p>
-            <a:pPr marL="12700">
+            <a:pPr marL="12700" algn="ctr">
               <a:lnSpc>
                 <a:spcPct val="100000"/>
               </a:lnSpc>
@@ -17500,7 +17502,7 @@
               </a:rPr>
               <a:t>CODE</a:t>
             </a:r>
-            <a:endParaRPr sz="1200">
+            <a:endParaRPr sz="1200" dirty="0">
               <a:latin typeface="Montserrat-Black"/>
               <a:cs typeface="Montserrat-Black"/>
             </a:endParaRPr>
@@ -17665,8 +17667,8 @@
         </p:nvSpPr>
         <p:spPr>
           <a:xfrm>
-            <a:off x="1763831" y="1074620"/>
-            <a:ext cx="1044575" cy="208279"/>
+            <a:off x="-1" y="1074620"/>
+            <a:ext cx="4572000" cy="197490"/>
           </a:xfrm>
           <a:prstGeom prst="rect">
             <a:avLst/>
@@ -17678,7 +17680,7 @@
           </a:bodyPr>
           <a:lstStyle/>
           <a:p>
-            <a:pPr marL="12700">
+            <a:pPr marL="12700" algn="ctr">
               <a:lnSpc>
                 <a:spcPct val="100000"/>
               </a:lnSpc>
@@ -17716,7 +17718,7 @@
               </a:rPr>
               <a:t>READY</a:t>
             </a:r>
-            <a:endParaRPr sz="1200">
+            <a:endParaRPr sz="1200" dirty="0">
               <a:latin typeface="Montserrat-Black"/>
               <a:cs typeface="Montserrat-Black"/>
             </a:endParaRPr>
@@ -17732,7 +17734,7 @@
         <p:spPr>
           <a:xfrm>
             <a:off x="850483" y="1965325"/>
-            <a:ext cx="1619250" cy="162560"/>
+            <a:ext cx="1619250" cy="151323"/>
           </a:xfrm>
           <a:prstGeom prst="rect">
             <a:avLst/>
@@ -17744,7 +17746,7 @@
           </a:bodyPr>
           <a:lstStyle/>
           <a:p>
-            <a:pPr marL="12700">
+            <a:pPr marL="12700" algn="ctr">
               <a:lnSpc>
                 <a:spcPct val="100000"/>
               </a:lnSpc>
@@ -18199,8 +18201,8 @@
         </p:nvSpPr>
         <p:spPr>
           <a:xfrm>
-            <a:off x="1128052" y="5672043"/>
-            <a:ext cx="1444625" cy="151323"/>
+            <a:off x="304800" y="5672044"/>
+            <a:ext cx="2267877" cy="151323"/>
           </a:xfrm>
           <a:prstGeom prst="rect">
             <a:avLst/>
@@ -18212,7 +18214,7 @@
           </a:bodyPr>
           <a:lstStyle/>
           <a:p>
-            <a:pPr marL="12700">
+            <a:pPr marL="12700" algn="r">
               <a:lnSpc>
                 <a:spcPct val="100000"/>
               </a:lnSpc>
@@ -18495,7 +18497,7 @@
           </a:bodyPr>
           <a:lstStyle/>
           <a:p>
-            <a:pPr marL="12700">
+            <a:pPr>
               <a:lnSpc>
                 <a:spcPct val="100000"/>
               </a:lnSpc>
@@ -18737,7 +18739,7 @@
           </a:bodyPr>
           <a:lstStyle/>
           <a:p>
-            <a:pPr marL="12700" marR="5080">
+            <a:pPr marR="5080">
               <a:lnSpc>
                 <a:spcPct val="111100"/>
               </a:lnSpc>
@@ -18886,7 +18888,7 @@
           </a:bodyPr>
           <a:lstStyle/>
           <a:p>
-            <a:pPr marL="12700">
+            <a:pPr>
               <a:lnSpc>
                 <a:spcPct val="100000"/>
               </a:lnSpc>
@@ -18975,8 +18977,8 @@
         </p:nvSpPr>
         <p:spPr>
           <a:xfrm>
-            <a:off x="1573141" y="5274712"/>
-            <a:ext cx="1444625" cy="197490"/>
+            <a:off x="1" y="5274712"/>
+            <a:ext cx="4571998" cy="197490"/>
           </a:xfrm>
           <a:prstGeom prst="rect">
             <a:avLst/>
@@ -19158,7 +19160,7 @@
         <p:spPr>
           <a:xfrm>
             <a:off x="596900" y="5958115"/>
-            <a:ext cx="643890" cy="177800"/>
+            <a:ext cx="1536700" cy="166712"/>
           </a:xfrm>
           <a:prstGeom prst="rect">
             <a:avLst/>
@@ -19208,7 +19210,7 @@
               </a:rPr>
               <a:t>Fly</a:t>
             </a:r>
-            <a:endParaRPr sz="1000">
+            <a:endParaRPr sz="1000" dirty="0">
               <a:latin typeface="Roboto-Medium"/>
               <a:cs typeface="Roboto-Medium"/>
             </a:endParaRPr>
@@ -19529,8 +19531,8 @@
         </p:nvSpPr>
         <p:spPr>
           <a:xfrm>
-            <a:off x="1282211" y="1117600"/>
-            <a:ext cx="2000885" cy="482600"/>
+            <a:off x="685801" y="1117600"/>
+            <a:ext cx="3244842" cy="455253"/>
           </a:xfrm>
           <a:prstGeom prst="rect">
             <a:avLst/>
@@ -19542,7 +19544,7 @@
           </a:bodyPr>
           <a:lstStyle/>
           <a:p>
-            <a:pPr marL="12700" marR="5080" indent="102870">
+            <a:pPr marR="5080" algn="ctr">
               <a:lnSpc>
                 <a:spcPct val="125000"/>
               </a:lnSpc>
@@ -19568,7 +19570,26 @@
                 <a:latin typeface="Roboto-Medium"/>
                 <a:cs typeface="Roboto-Medium"/>
               </a:rPr>
-              <a:t>you  touch </a:t>
+              <a:t>you</a:t>
+            </a:r>
+            <a:br>
+              <a:rPr lang="nl-NL" sz="1200" spc="-10" dirty="0">
+                <a:solidFill>
+                  <a:srgbClr val="FFFFFF"/>
+                </a:solidFill>
+                <a:latin typeface="Roboto-Medium"/>
+                <a:cs typeface="Roboto-Medium"/>
+              </a:rPr>
+            </a:br>
+            <a:r>
+              <a:rPr sz="1200" spc="-10" dirty="0">
+                <a:solidFill>
+                  <a:srgbClr val="FFFFFF"/>
+                </a:solidFill>
+                <a:latin typeface="Roboto-Medium"/>
+                <a:cs typeface="Roboto-Medium"/>
+              </a:rPr>
+              <a:t>  touch </a:t>
             </a:r>
             <a:r>
               <a:rPr sz="1200" dirty="0">
@@ -19657,6 +19678,10 @@
           </p:nvPr>
         </p:nvSpPr>
         <p:spPr>
+          <a:xfrm>
+            <a:off x="0" y="471215"/>
+            <a:ext cx="4572000" cy="452119"/>
+          </a:xfrm>
           <a:prstGeom prst="rect">
             <a:avLst/>
           </a:prstGeom>
@@ -19667,7 +19692,7 @@
           </a:bodyPr>
           <a:lstStyle/>
           <a:p>
-            <a:pPr marL="12700">
+            <a:pPr marL="12700" algn="ctr">
               <a:lnSpc>
                 <a:spcPct val="100000"/>
               </a:lnSpc>
@@ -20219,7 +20244,7 @@
         <p:spPr>
           <a:xfrm>
             <a:off x="215900" y="282342"/>
-            <a:ext cx="2330450" cy="515620"/>
+            <a:ext cx="4203700" cy="515620"/>
           </a:xfrm>
           <a:prstGeom prst="rect">
             <a:avLst/>
@@ -20251,7 +20276,7 @@
               <a:rPr sz="2400" spc="-5" dirty="0"/>
               <a:t>Points</a:t>
             </a:r>
-            <a:endParaRPr sz="2400"/>
+            <a:endParaRPr sz="2400" dirty="0"/>
           </a:p>
           <a:p>
             <a:pPr marL="12700">
@@ -20266,7 +20291,7 @@
               </a:rPr>
               <a:t>scratch.mit.edu</a:t>
             </a:r>
-            <a:endParaRPr sz="900">
+            <a:endParaRPr sz="900" dirty="0">
               <a:latin typeface="Roboto-Medium"/>
               <a:cs typeface="Roboto-Medium"/>
             </a:endParaRPr>
@@ -20281,8 +20306,8 @@
         </p:nvSpPr>
         <p:spPr>
           <a:xfrm>
-            <a:off x="1554057" y="2413104"/>
-            <a:ext cx="2589530" cy="318035"/>
+            <a:off x="2841117" y="2413104"/>
+            <a:ext cx="1302470" cy="305211"/>
           </a:xfrm>
           <a:prstGeom prst="rect">
             <a:avLst/>
@@ -20294,7 +20319,7 @@
           </a:bodyPr>
           <a:lstStyle/>
           <a:p>
-            <a:pPr marL="1276985">
+            <a:pPr>
               <a:lnSpc>
                 <a:spcPct val="100000"/>
               </a:lnSpc>
@@ -20352,20 +20377,16 @@
               </a:rPr>
               <a:t>oints</a:t>
             </a:r>
-            <a:endParaRPr sz="900" b="1" dirty="0">
-              <a:latin typeface="Roboto"/>
-              <a:cs typeface="Roboto"/>
-            </a:endParaRPr>
-          </a:p>
-          <a:p>
-            <a:pPr marL="1276985">
-              <a:lnSpc>
-                <a:spcPct val="100000"/>
-              </a:lnSpc>
-              <a:spcBef>
-                <a:spcPts val="120"/>
-              </a:spcBef>
-            </a:pPr>
+            <a:r>
+              <a:rPr lang="nl-NL" sz="900" b="1" dirty="0">
+                <a:solidFill>
+                  <a:srgbClr val="636466"/>
+                </a:solidFill>
+                <a:latin typeface="Roboto"/>
+                <a:cs typeface="Roboto"/>
+              </a:rPr>
+              <a:t> </a:t>
+            </a:r>
             <a:r>
               <a:rPr sz="900" dirty="0">
                 <a:solidFill>
@@ -20432,7 +20453,7 @@
         <p:spPr>
           <a:xfrm>
             <a:off x="3391058" y="3931183"/>
-            <a:ext cx="808355" cy="330200"/>
+            <a:ext cx="808355" cy="310791"/>
           </a:xfrm>
           <a:prstGeom prst="rect">
             <a:avLst/>
@@ -20444,7 +20465,7 @@
           </a:bodyPr>
           <a:lstStyle/>
           <a:p>
-            <a:pPr marL="12700" marR="5080">
+            <a:pPr marR="5080">
               <a:lnSpc>
                 <a:spcPct val="111100"/>
               </a:lnSpc>
@@ -20647,7 +20668,7 @@
         <p:spPr>
           <a:xfrm>
             <a:off x="405909" y="3969384"/>
-            <a:ext cx="659130" cy="330200"/>
+            <a:ext cx="659130" cy="310791"/>
           </a:xfrm>
           <a:prstGeom prst="rect">
             <a:avLst/>
@@ -20659,7 +20680,7 @@
           </a:bodyPr>
           <a:lstStyle/>
           <a:p>
-            <a:pPr marL="12700" marR="5080" indent="31115">
+            <a:pPr marR="5080" algn="ctr">
               <a:lnSpc>
                 <a:spcPct val="111100"/>
               </a:lnSpc>
@@ -20833,7 +20854,1226 @@
         <p:spPr>
           <a:xfrm>
             <a:off x="3391058" y="4562779"/>
-            <a:ext cx="641985" cy="162560"/>
+            <a:ext cx="641985" cy="151323"/>
+          </a:xfrm>
+          <a:prstGeom prst="rect">
+            <a:avLst/>
+          </a:prstGeom>
+        </p:spPr>
+        <p:txBody>
+          <a:bodyPr vert="horz" wrap="square" lIns="0" tIns="12700" rIns="0" bIns="0" rtlCol="0">
+            <a:spAutoFit/>
+          </a:bodyPr>
+          <a:lstStyle/>
+          <a:p>
+            <a:pPr>
+              <a:lnSpc>
+                <a:spcPct val="100000"/>
+              </a:lnSpc>
+              <a:spcBef>
+                <a:spcPts val="100"/>
+              </a:spcBef>
+            </a:pPr>
+            <a:r>
+              <a:rPr sz="900" dirty="0">
+                <a:solidFill>
+                  <a:srgbClr val="636466"/>
+                </a:solidFill>
+                <a:latin typeface="Roboto-Medium"/>
+                <a:cs typeface="Roboto-Medium"/>
+              </a:rPr>
+              <a:t>Add a</a:t>
+            </a:r>
+            <a:r>
+              <a:rPr sz="900" spc="-85" dirty="0">
+                <a:solidFill>
+                  <a:srgbClr val="636466"/>
+                </a:solidFill>
+                <a:latin typeface="Roboto-Medium"/>
+                <a:cs typeface="Roboto-Medium"/>
+              </a:rPr>
+              <a:t> </a:t>
+            </a:r>
+            <a:r>
+              <a:rPr sz="900" dirty="0">
+                <a:solidFill>
+                  <a:srgbClr val="636466"/>
+                </a:solidFill>
+                <a:latin typeface="Roboto-Medium"/>
+                <a:cs typeface="Roboto-Medium"/>
+              </a:rPr>
+              <a:t>point.</a:t>
+            </a:r>
+            <a:endParaRPr sz="900" dirty="0">
+              <a:latin typeface="Roboto-Medium"/>
+              <a:cs typeface="Roboto-Medium"/>
+            </a:endParaRPr>
+          </a:p>
+        </p:txBody>
+      </p:sp>
+      <p:sp>
+        <p:nvSpPr>
+          <p:cNvPr id="19" name="object 19"/>
+          <p:cNvSpPr txBox="1"/>
+          <p:nvPr/>
+        </p:nvSpPr>
+        <p:spPr>
+          <a:xfrm>
+            <a:off x="2776644" y="3673314"/>
+            <a:ext cx="1343025" cy="151323"/>
+          </a:xfrm>
+          <a:prstGeom prst="rect">
+            <a:avLst/>
+          </a:prstGeom>
+        </p:spPr>
+        <p:txBody>
+          <a:bodyPr vert="horz" wrap="square" lIns="0" tIns="12700" rIns="0" bIns="0" rtlCol="0">
+            <a:spAutoFit/>
+          </a:bodyPr>
+          <a:lstStyle/>
+          <a:p>
+            <a:pPr>
+              <a:lnSpc>
+                <a:spcPct val="100000"/>
+              </a:lnSpc>
+              <a:spcBef>
+                <a:spcPts val="100"/>
+              </a:spcBef>
+            </a:pPr>
+            <a:r>
+              <a:rPr sz="900" dirty="0">
+                <a:solidFill>
+                  <a:srgbClr val="636466"/>
+                </a:solidFill>
+                <a:latin typeface="Roboto-Medium"/>
+                <a:cs typeface="Roboto-Medium"/>
+              </a:rPr>
+              <a:t>Resets points at the</a:t>
+            </a:r>
+            <a:r>
+              <a:rPr sz="900" spc="-95" dirty="0">
+                <a:solidFill>
+                  <a:srgbClr val="636466"/>
+                </a:solidFill>
+                <a:latin typeface="Roboto-Medium"/>
+                <a:cs typeface="Roboto-Medium"/>
+              </a:rPr>
+              <a:t> </a:t>
+            </a:r>
+            <a:r>
+              <a:rPr sz="900" dirty="0">
+                <a:solidFill>
+                  <a:srgbClr val="636466"/>
+                </a:solidFill>
+                <a:latin typeface="Roboto-Medium"/>
+                <a:cs typeface="Roboto-Medium"/>
+              </a:rPr>
+              <a:t>start.</a:t>
+            </a:r>
+            <a:endParaRPr sz="900" dirty="0">
+              <a:latin typeface="Roboto-Medium"/>
+              <a:cs typeface="Roboto-Medium"/>
+            </a:endParaRPr>
+          </a:p>
+        </p:txBody>
+      </p:sp>
+      <p:sp>
+        <p:nvSpPr>
+          <p:cNvPr id="20" name="object 20"/>
+          <p:cNvSpPr/>
+          <p:nvPr/>
+        </p:nvSpPr>
+        <p:spPr>
+          <a:xfrm>
+            <a:off x="2605074" y="3759956"/>
+            <a:ext cx="156845" cy="0"/>
+          </a:xfrm>
+          <a:custGeom>
+            <a:avLst/>
+            <a:gdLst/>
+            <a:ahLst/>
+            <a:cxnLst/>
+            <a:rect l="l" t="t" r="r" b="b"/>
+            <a:pathLst>
+              <a:path w="156844">
+                <a:moveTo>
+                  <a:pt x="0" y="0"/>
+                </a:moveTo>
+                <a:lnTo>
+                  <a:pt x="156464" y="0"/>
+                </a:lnTo>
+              </a:path>
+            </a:pathLst>
+          </a:custGeom>
+          <a:ln w="12700">
+            <a:solidFill>
+              <a:srgbClr val="636466"/>
+            </a:solidFill>
+          </a:ln>
+        </p:spPr>
+        <p:txBody>
+          <a:bodyPr wrap="square" lIns="0" tIns="0" rIns="0" bIns="0" rtlCol="0"/>
+          <a:lstStyle/>
+          <a:p>
+            <a:endParaRPr/>
+          </a:p>
+        </p:txBody>
+      </p:sp>
+      <p:sp>
+        <p:nvSpPr>
+          <p:cNvPr id="21" name="object 21"/>
+          <p:cNvSpPr/>
+          <p:nvPr/>
+        </p:nvSpPr>
+        <p:spPr>
+          <a:xfrm>
+            <a:off x="2631592" y="4030042"/>
+            <a:ext cx="741045" cy="152400"/>
+          </a:xfrm>
+          <a:custGeom>
+            <a:avLst/>
+            <a:gdLst/>
+            <a:ahLst/>
+            <a:cxnLst/>
+            <a:rect l="l" t="t" r="r" b="b"/>
+            <a:pathLst>
+              <a:path w="741045" h="152400">
+                <a:moveTo>
+                  <a:pt x="0" y="152400"/>
+                </a:moveTo>
+                <a:lnTo>
+                  <a:pt x="109296" y="0"/>
+                </a:lnTo>
+                <a:lnTo>
+                  <a:pt x="740664" y="0"/>
+                </a:lnTo>
+              </a:path>
+            </a:pathLst>
+          </a:custGeom>
+          <a:ln w="12700">
+            <a:solidFill>
+              <a:srgbClr val="636466"/>
+            </a:solidFill>
+          </a:ln>
+        </p:spPr>
+        <p:txBody>
+          <a:bodyPr wrap="square" lIns="0" tIns="0" rIns="0" bIns="0" rtlCol="0"/>
+          <a:lstStyle/>
+          <a:p>
+            <a:endParaRPr/>
+          </a:p>
+        </p:txBody>
+      </p:sp>
+      <p:sp>
+        <p:nvSpPr>
+          <p:cNvPr id="22" name="object 22"/>
+          <p:cNvSpPr/>
+          <p:nvPr/>
+        </p:nvSpPr>
+        <p:spPr>
+          <a:xfrm>
+            <a:off x="2517901" y="4650383"/>
+            <a:ext cx="855344" cy="0"/>
+          </a:xfrm>
+          <a:custGeom>
+            <a:avLst/>
+            <a:gdLst/>
+            <a:ahLst/>
+            <a:cxnLst/>
+            <a:rect l="l" t="t" r="r" b="b"/>
+            <a:pathLst>
+              <a:path w="855345">
+                <a:moveTo>
+                  <a:pt x="0" y="0"/>
+                </a:moveTo>
+                <a:lnTo>
+                  <a:pt x="854963" y="0"/>
+                </a:lnTo>
+              </a:path>
+            </a:pathLst>
+          </a:custGeom>
+          <a:ln w="12700">
+            <a:solidFill>
+              <a:srgbClr val="636466"/>
+            </a:solidFill>
+          </a:ln>
+        </p:spPr>
+        <p:txBody>
+          <a:bodyPr wrap="square" lIns="0" tIns="0" rIns="0" bIns="0" rtlCol="0"/>
+          <a:lstStyle/>
+          <a:p>
+            <a:endParaRPr/>
+          </a:p>
+        </p:txBody>
+      </p:sp>
+      <p:sp>
+        <p:nvSpPr>
+          <p:cNvPr id="23" name="object 23"/>
+          <p:cNvSpPr txBox="1"/>
+          <p:nvPr/>
+        </p:nvSpPr>
+        <p:spPr>
+          <a:xfrm>
+            <a:off x="0" y="5354520"/>
+            <a:ext cx="4571999" cy="197490"/>
+          </a:xfrm>
+          <a:prstGeom prst="rect">
+            <a:avLst/>
+          </a:prstGeom>
+        </p:spPr>
+        <p:txBody>
+          <a:bodyPr vert="horz" wrap="square" lIns="0" tIns="12700" rIns="0" bIns="0" rtlCol="0">
+            <a:spAutoFit/>
+          </a:bodyPr>
+          <a:lstStyle/>
+          <a:p>
+            <a:pPr marL="7938" algn="ctr">
+              <a:lnSpc>
+                <a:spcPct val="100000"/>
+              </a:lnSpc>
+              <a:spcBef>
+                <a:spcPts val="100"/>
+              </a:spcBef>
+            </a:pPr>
+            <a:r>
+              <a:rPr sz="1200" b="1" spc="50" dirty="0">
+                <a:solidFill>
+                  <a:srgbClr val="6BA883"/>
+                </a:solidFill>
+                <a:latin typeface="Montserrat-Black"/>
+                <a:cs typeface="Montserrat-Black"/>
+              </a:rPr>
+              <a:t>TRY</a:t>
+            </a:r>
+            <a:r>
+              <a:rPr sz="1200" b="1" spc="80" dirty="0">
+                <a:solidFill>
+                  <a:srgbClr val="6BA883"/>
+                </a:solidFill>
+                <a:latin typeface="Montserrat-Black"/>
+                <a:cs typeface="Montserrat-Black"/>
+              </a:rPr>
+              <a:t> IT</a:t>
+            </a:r>
+            <a:endParaRPr sz="1200" dirty="0">
+              <a:latin typeface="Montserrat-Black"/>
+              <a:cs typeface="Montserrat-Black"/>
+            </a:endParaRPr>
+          </a:p>
+        </p:txBody>
+      </p:sp>
+      <p:sp>
+        <p:nvSpPr>
+          <p:cNvPr id="24" name="object 24"/>
+          <p:cNvSpPr/>
+          <p:nvPr/>
+        </p:nvSpPr>
+        <p:spPr>
+          <a:xfrm>
+            <a:off x="2782595" y="5527675"/>
+            <a:ext cx="551929" cy="450850"/>
+          </a:xfrm>
+          <a:prstGeom prst="rect">
+            <a:avLst/>
+          </a:prstGeom>
+          <a:blipFill>
+            <a:blip r:embed="rId5" cstate="print"/>
+            <a:stretch>
+              <a:fillRect/>
+            </a:stretch>
+          </a:blipFill>
+        </p:spPr>
+        <p:txBody>
+          <a:bodyPr wrap="square" lIns="0" tIns="0" rIns="0" bIns="0" rtlCol="0"/>
+          <a:lstStyle/>
+          <a:p>
+            <a:endParaRPr/>
+          </a:p>
+        </p:txBody>
+      </p:sp>
+      <p:sp>
+        <p:nvSpPr>
+          <p:cNvPr id="25" name="object 25"/>
+          <p:cNvSpPr/>
+          <p:nvPr/>
+        </p:nvSpPr>
+        <p:spPr>
+          <a:xfrm>
+            <a:off x="2773071" y="5518150"/>
+            <a:ext cx="571500" cy="469900"/>
+          </a:xfrm>
+          <a:custGeom>
+            <a:avLst/>
+            <a:gdLst/>
+            <a:ahLst/>
+            <a:cxnLst/>
+            <a:rect l="l" t="t" r="r" b="b"/>
+            <a:pathLst>
+              <a:path w="571500" h="469900">
+                <a:moveTo>
+                  <a:pt x="85725" y="0"/>
+                </a:moveTo>
+                <a:lnTo>
+                  <a:pt x="59819" y="3859"/>
+                </a:lnTo>
+                <a:lnTo>
+                  <a:pt x="31742" y="17435"/>
+                </a:lnTo>
+                <a:lnTo>
+                  <a:pt x="9224" y="43725"/>
+                </a:lnTo>
+                <a:lnTo>
+                  <a:pt x="0" y="85725"/>
+                </a:lnTo>
+                <a:lnTo>
+                  <a:pt x="0" y="384175"/>
+                </a:lnTo>
+                <a:lnTo>
+                  <a:pt x="3859" y="410080"/>
+                </a:lnTo>
+                <a:lnTo>
+                  <a:pt x="17435" y="438157"/>
+                </a:lnTo>
+                <a:lnTo>
+                  <a:pt x="43725" y="460675"/>
+                </a:lnTo>
+                <a:lnTo>
+                  <a:pt x="85725" y="469900"/>
+                </a:lnTo>
+                <a:lnTo>
+                  <a:pt x="485241" y="469900"/>
+                </a:lnTo>
+                <a:lnTo>
+                  <a:pt x="511146" y="466040"/>
+                </a:lnTo>
+                <a:lnTo>
+                  <a:pt x="539224" y="452464"/>
+                </a:lnTo>
+                <a:lnTo>
+                  <a:pt x="561742" y="426174"/>
+                </a:lnTo>
+                <a:lnTo>
+                  <a:pt x="570966" y="384175"/>
+                </a:lnTo>
+                <a:lnTo>
+                  <a:pt x="570966" y="85725"/>
+                </a:lnTo>
+                <a:lnTo>
+                  <a:pt x="567108" y="59819"/>
+                </a:lnTo>
+                <a:lnTo>
+                  <a:pt x="553535" y="31742"/>
+                </a:lnTo>
+                <a:lnTo>
+                  <a:pt x="527246" y="9224"/>
+                </a:lnTo>
+                <a:lnTo>
+                  <a:pt x="485241" y="0"/>
+                </a:lnTo>
+                <a:lnTo>
+                  <a:pt x="85725" y="0"/>
+                </a:lnTo>
+                <a:close/>
+              </a:path>
+            </a:pathLst>
+          </a:custGeom>
+          <a:ln w="19050">
+            <a:solidFill>
+              <a:srgbClr val="6BA883"/>
+            </a:solidFill>
+          </a:ln>
+        </p:spPr>
+        <p:txBody>
+          <a:bodyPr wrap="square" lIns="0" tIns="0" rIns="0" bIns="0" rtlCol="0"/>
+          <a:lstStyle/>
+          <a:p>
+            <a:endParaRPr/>
+          </a:p>
+        </p:txBody>
+      </p:sp>
+      <p:sp>
+        <p:nvSpPr>
+          <p:cNvPr id="26" name="object 26"/>
+          <p:cNvSpPr/>
+          <p:nvPr/>
+        </p:nvSpPr>
+        <p:spPr>
+          <a:xfrm>
+            <a:off x="2577439" y="5753100"/>
+            <a:ext cx="274320" cy="0"/>
+          </a:xfrm>
+          <a:custGeom>
+            <a:avLst/>
+            <a:gdLst/>
+            <a:ahLst/>
+            <a:cxnLst/>
+            <a:rect l="l" t="t" r="r" b="b"/>
+            <a:pathLst>
+              <a:path w="274319">
+                <a:moveTo>
+                  <a:pt x="0" y="0"/>
+                </a:moveTo>
+                <a:lnTo>
+                  <a:pt x="273710" y="0"/>
+                </a:lnTo>
+              </a:path>
+            </a:pathLst>
+          </a:custGeom>
+          <a:ln w="12700">
+            <a:solidFill>
+              <a:srgbClr val="636466"/>
+            </a:solidFill>
+          </a:ln>
+        </p:spPr>
+        <p:txBody>
+          <a:bodyPr wrap="square" lIns="0" tIns="0" rIns="0" bIns="0" rtlCol="0"/>
+          <a:lstStyle/>
+          <a:p>
+            <a:endParaRPr/>
+          </a:p>
+        </p:txBody>
+      </p:sp>
+      <p:sp>
+        <p:nvSpPr>
+          <p:cNvPr id="27" name="object 27"/>
+          <p:cNvSpPr/>
+          <p:nvPr/>
+        </p:nvSpPr>
+        <p:spPr>
+          <a:xfrm>
+            <a:off x="1300581" y="1420279"/>
+            <a:ext cx="1197597" cy="1093546"/>
+          </a:xfrm>
+          <a:prstGeom prst="rect">
+            <a:avLst/>
+          </a:prstGeom>
+          <a:blipFill>
+            <a:blip r:embed="rId6" cstate="print"/>
+            <a:stretch>
+              <a:fillRect/>
+            </a:stretch>
+          </a:blipFill>
+        </p:spPr>
+        <p:txBody>
+          <a:bodyPr wrap="square" lIns="0" tIns="0" rIns="0" bIns="0" rtlCol="0"/>
+          <a:lstStyle/>
+          <a:p>
+            <a:endParaRPr/>
+          </a:p>
+        </p:txBody>
+      </p:sp>
+      <p:sp>
+        <p:nvSpPr>
+          <p:cNvPr id="28" name="object 28"/>
+          <p:cNvSpPr/>
+          <p:nvPr/>
+        </p:nvSpPr>
+        <p:spPr>
+          <a:xfrm>
+            <a:off x="1291056" y="1410749"/>
+            <a:ext cx="1216660" cy="1113155"/>
+          </a:xfrm>
+          <a:custGeom>
+            <a:avLst/>
+            <a:gdLst/>
+            <a:ahLst/>
+            <a:cxnLst/>
+            <a:rect l="l" t="t" r="r" b="b"/>
+            <a:pathLst>
+              <a:path w="1216660" h="1113155">
+                <a:moveTo>
+                  <a:pt x="85725" y="0"/>
+                </a:moveTo>
+                <a:lnTo>
+                  <a:pt x="59819" y="3859"/>
+                </a:lnTo>
+                <a:lnTo>
+                  <a:pt x="31742" y="17435"/>
+                </a:lnTo>
+                <a:lnTo>
+                  <a:pt x="9224" y="43725"/>
+                </a:lnTo>
+                <a:lnTo>
+                  <a:pt x="0" y="85725"/>
+                </a:lnTo>
+                <a:lnTo>
+                  <a:pt x="0" y="1026871"/>
+                </a:lnTo>
+                <a:lnTo>
+                  <a:pt x="3859" y="1052776"/>
+                </a:lnTo>
+                <a:lnTo>
+                  <a:pt x="17435" y="1080854"/>
+                </a:lnTo>
+                <a:lnTo>
+                  <a:pt x="43725" y="1103371"/>
+                </a:lnTo>
+                <a:lnTo>
+                  <a:pt x="85725" y="1112596"/>
+                </a:lnTo>
+                <a:lnTo>
+                  <a:pt x="1130922" y="1112596"/>
+                </a:lnTo>
+                <a:lnTo>
+                  <a:pt x="1156821" y="1108738"/>
+                </a:lnTo>
+                <a:lnTo>
+                  <a:pt x="1184900" y="1095165"/>
+                </a:lnTo>
+                <a:lnTo>
+                  <a:pt x="1207421" y="1068876"/>
+                </a:lnTo>
+                <a:lnTo>
+                  <a:pt x="1216647" y="1026871"/>
+                </a:lnTo>
+                <a:lnTo>
+                  <a:pt x="1216647" y="85725"/>
+                </a:lnTo>
+                <a:lnTo>
+                  <a:pt x="1212787" y="59819"/>
+                </a:lnTo>
+                <a:lnTo>
+                  <a:pt x="1199211" y="31742"/>
+                </a:lnTo>
+                <a:lnTo>
+                  <a:pt x="1172922" y="9224"/>
+                </a:lnTo>
+                <a:lnTo>
+                  <a:pt x="1130922" y="0"/>
+                </a:lnTo>
+                <a:lnTo>
+                  <a:pt x="85725" y="0"/>
+                </a:lnTo>
+                <a:close/>
+              </a:path>
+            </a:pathLst>
+          </a:custGeom>
+          <a:ln w="19050">
+            <a:solidFill>
+              <a:srgbClr val="5BADCE"/>
+            </a:solidFill>
+          </a:ln>
+        </p:spPr>
+        <p:txBody>
+          <a:bodyPr wrap="square" lIns="0" tIns="0" rIns="0" bIns="0" rtlCol="0"/>
+          <a:lstStyle/>
+          <a:p>
+            <a:endParaRPr/>
+          </a:p>
+        </p:txBody>
+      </p:sp>
+      <p:sp>
+        <p:nvSpPr>
+          <p:cNvPr id="29" name="object 29"/>
+          <p:cNvSpPr/>
+          <p:nvPr/>
+        </p:nvSpPr>
+        <p:spPr>
+          <a:xfrm>
+            <a:off x="1310386" y="1681479"/>
+            <a:ext cx="262890" cy="327025"/>
+          </a:xfrm>
+          <a:custGeom>
+            <a:avLst/>
+            <a:gdLst/>
+            <a:ahLst/>
+            <a:cxnLst/>
+            <a:rect l="l" t="t" r="r" b="b"/>
+            <a:pathLst>
+              <a:path w="262890" h="327025">
+                <a:moveTo>
+                  <a:pt x="0" y="326542"/>
+                </a:moveTo>
+                <a:lnTo>
+                  <a:pt x="262890" y="326542"/>
+                </a:lnTo>
+                <a:lnTo>
+                  <a:pt x="262890" y="0"/>
+                </a:lnTo>
+                <a:lnTo>
+                  <a:pt x="0" y="0"/>
+                </a:lnTo>
+                <a:lnTo>
+                  <a:pt x="0" y="326542"/>
+                </a:lnTo>
+                <a:close/>
+              </a:path>
+            </a:pathLst>
+          </a:custGeom>
+          <a:solidFill>
+            <a:srgbClr val="FFFFFF"/>
+          </a:solidFill>
+        </p:spPr>
+        <p:txBody>
+          <a:bodyPr wrap="square" lIns="0" tIns="0" rIns="0" bIns="0" rtlCol="0"/>
+          <a:lstStyle/>
+          <a:p>
+            <a:endParaRPr/>
+          </a:p>
+        </p:txBody>
+      </p:sp>
+      <p:sp>
+        <p:nvSpPr>
+          <p:cNvPr id="30" name="object 30"/>
+          <p:cNvSpPr/>
+          <p:nvPr/>
+        </p:nvSpPr>
+        <p:spPr>
+          <a:xfrm>
+            <a:off x="1622553" y="1429425"/>
+            <a:ext cx="718185" cy="142240"/>
+          </a:xfrm>
+          <a:custGeom>
+            <a:avLst/>
+            <a:gdLst/>
+            <a:ahLst/>
+            <a:cxnLst/>
+            <a:rect l="l" t="t" r="r" b="b"/>
+            <a:pathLst>
+              <a:path w="718185" h="142240">
+                <a:moveTo>
+                  <a:pt x="13373" y="1485"/>
+                </a:moveTo>
+                <a:lnTo>
+                  <a:pt x="673" y="1485"/>
+                </a:lnTo>
+                <a:lnTo>
+                  <a:pt x="673" y="14185"/>
+                </a:lnTo>
+                <a:lnTo>
+                  <a:pt x="0" y="129501"/>
+                </a:lnTo>
+                <a:lnTo>
+                  <a:pt x="0" y="142201"/>
+                </a:lnTo>
+                <a:lnTo>
+                  <a:pt x="12699" y="142201"/>
+                </a:lnTo>
+                <a:lnTo>
+                  <a:pt x="704684" y="140716"/>
+                </a:lnTo>
+                <a:lnTo>
+                  <a:pt x="717384" y="140716"/>
+                </a:lnTo>
+                <a:lnTo>
+                  <a:pt x="717384" y="128016"/>
+                </a:lnTo>
+                <a:lnTo>
+                  <a:pt x="718058" y="12700"/>
+                </a:lnTo>
+                <a:lnTo>
+                  <a:pt x="718058" y="0"/>
+                </a:lnTo>
+                <a:lnTo>
+                  <a:pt x="705358" y="0"/>
+                </a:lnTo>
+                <a:lnTo>
+                  <a:pt x="13373" y="1485"/>
+                </a:lnTo>
+                <a:close/>
+              </a:path>
+            </a:pathLst>
+          </a:custGeom>
+          <a:ln w="9525">
+            <a:solidFill>
+              <a:srgbClr val="EF913B"/>
+            </a:solidFill>
+          </a:ln>
+        </p:spPr>
+        <p:txBody>
+          <a:bodyPr wrap="square" lIns="0" tIns="0" rIns="0" bIns="0" rtlCol="0"/>
+          <a:lstStyle/>
+          <a:p>
+            <a:endParaRPr/>
+          </a:p>
+        </p:txBody>
+      </p:sp>
+      <p:sp>
+        <p:nvSpPr>
+          <p:cNvPr id="31" name="object 31"/>
+          <p:cNvSpPr/>
+          <p:nvPr/>
+        </p:nvSpPr>
+        <p:spPr>
+          <a:xfrm>
+            <a:off x="2280111" y="1502868"/>
+            <a:ext cx="102565" cy="114338"/>
+          </a:xfrm>
+          <a:prstGeom prst="rect">
+            <a:avLst/>
+          </a:prstGeom>
+          <a:blipFill>
+            <a:blip r:embed="rId7" cstate="print"/>
+            <a:stretch>
+              <a:fillRect/>
+            </a:stretch>
+          </a:blipFill>
+        </p:spPr>
+        <p:txBody>
+          <a:bodyPr wrap="square" lIns="0" tIns="0" rIns="0" bIns="0" rtlCol="0"/>
+          <a:lstStyle/>
+          <a:p>
+            <a:endParaRPr/>
+          </a:p>
+        </p:txBody>
+      </p:sp>
+      <p:sp>
+        <p:nvSpPr>
+          <p:cNvPr id="32" name="object 32"/>
+          <p:cNvSpPr txBox="1"/>
+          <p:nvPr/>
+        </p:nvSpPr>
+        <p:spPr>
+          <a:xfrm>
+            <a:off x="0" y="1048536"/>
+            <a:ext cx="4572000" cy="197490"/>
+          </a:xfrm>
+          <a:prstGeom prst="rect">
+            <a:avLst/>
+          </a:prstGeom>
+        </p:spPr>
+        <p:txBody>
+          <a:bodyPr vert="horz" wrap="square" lIns="0" tIns="12700" rIns="0" bIns="0" rtlCol="0">
+            <a:spAutoFit/>
+          </a:bodyPr>
+          <a:lstStyle/>
+          <a:p>
+            <a:pPr marL="7938" algn="ctr">
+              <a:lnSpc>
+                <a:spcPct val="100000"/>
+              </a:lnSpc>
+              <a:spcBef>
+                <a:spcPts val="100"/>
+              </a:spcBef>
+            </a:pPr>
+            <a:r>
+              <a:rPr sz="1200" b="1" spc="50" dirty="0">
+                <a:solidFill>
+                  <a:srgbClr val="5BADCE"/>
+                </a:solidFill>
+                <a:latin typeface="Montserrat-Black"/>
+                <a:cs typeface="Montserrat-Black"/>
+              </a:rPr>
+              <a:t>GET</a:t>
+            </a:r>
+            <a:r>
+              <a:rPr sz="1200" b="1" spc="100" dirty="0">
+                <a:solidFill>
+                  <a:srgbClr val="5BADCE"/>
+                </a:solidFill>
+                <a:latin typeface="Montserrat-Black"/>
+                <a:cs typeface="Montserrat-Black"/>
+              </a:rPr>
+              <a:t> </a:t>
+            </a:r>
+            <a:r>
+              <a:rPr sz="1200" b="1" spc="55" dirty="0">
+                <a:solidFill>
+                  <a:srgbClr val="5BADCE"/>
+                </a:solidFill>
+                <a:latin typeface="Montserrat-Black"/>
+                <a:cs typeface="Montserrat-Black"/>
+              </a:rPr>
+              <a:t>READY</a:t>
+            </a:r>
+            <a:endParaRPr lang="en-US" sz="1200" dirty="0">
+              <a:latin typeface="Montserrat-Black"/>
+              <a:cs typeface="Montserrat-Black"/>
+            </a:endParaRPr>
+          </a:p>
+        </p:txBody>
+      </p:sp>
+      <p:sp>
+        <p:nvSpPr>
+          <p:cNvPr id="33" name="object 33"/>
+          <p:cNvSpPr txBox="1"/>
+          <p:nvPr/>
+        </p:nvSpPr>
+        <p:spPr>
+          <a:xfrm>
+            <a:off x="330958" y="1666821"/>
+            <a:ext cx="868044" cy="310791"/>
+          </a:xfrm>
+          <a:prstGeom prst="rect">
+            <a:avLst/>
+          </a:prstGeom>
+        </p:spPr>
+        <p:txBody>
+          <a:bodyPr vert="horz" wrap="square" lIns="0" tIns="12700" rIns="0" bIns="0" rtlCol="0">
+            <a:spAutoFit/>
+          </a:bodyPr>
+          <a:lstStyle/>
+          <a:p>
+            <a:pPr marR="5080">
+              <a:lnSpc>
+                <a:spcPct val="111100"/>
+              </a:lnSpc>
+              <a:spcBef>
+                <a:spcPts val="100"/>
+              </a:spcBef>
+            </a:pPr>
+            <a:r>
+              <a:rPr sz="900" dirty="0">
+                <a:solidFill>
+                  <a:srgbClr val="636466"/>
+                </a:solidFill>
+                <a:latin typeface="Roboto-Medium"/>
+                <a:cs typeface="Roboto-Medium"/>
+              </a:rPr>
+              <a:t>Click the </a:t>
+            </a:r>
+            <a:r>
+              <a:rPr sz="900" spc="-5" dirty="0">
+                <a:solidFill>
+                  <a:srgbClr val="636466"/>
+                </a:solidFill>
+                <a:latin typeface="Roboto"/>
+                <a:cs typeface="Roboto"/>
+              </a:rPr>
+              <a:t>Make</a:t>
+            </a:r>
+            <a:r>
+              <a:rPr sz="900" spc="-95" dirty="0">
+                <a:solidFill>
+                  <a:srgbClr val="636466"/>
+                </a:solidFill>
+                <a:latin typeface="Roboto"/>
+                <a:cs typeface="Roboto"/>
+              </a:rPr>
+              <a:t> </a:t>
+            </a:r>
+            <a:r>
+              <a:rPr sz="900" dirty="0">
+                <a:solidFill>
+                  <a:srgbClr val="636466"/>
+                </a:solidFill>
+                <a:latin typeface="Roboto"/>
+                <a:cs typeface="Roboto"/>
+              </a:rPr>
+              <a:t>a  </a:t>
+            </a:r>
+            <a:r>
+              <a:rPr sz="900" spc="-5" dirty="0">
+                <a:solidFill>
+                  <a:srgbClr val="636466"/>
+                </a:solidFill>
+                <a:latin typeface="Roboto"/>
+                <a:cs typeface="Roboto"/>
+              </a:rPr>
+              <a:t>Variable</a:t>
+            </a:r>
+            <a:r>
+              <a:rPr sz="900" spc="-70" dirty="0">
+                <a:solidFill>
+                  <a:srgbClr val="636466"/>
+                </a:solidFill>
+                <a:latin typeface="Roboto"/>
+                <a:cs typeface="Roboto"/>
+              </a:rPr>
+              <a:t> </a:t>
+            </a:r>
+            <a:r>
+              <a:rPr sz="900" spc="-5" dirty="0">
+                <a:solidFill>
+                  <a:srgbClr val="636466"/>
+                </a:solidFill>
+                <a:latin typeface="Roboto-Medium"/>
+                <a:cs typeface="Roboto-Medium"/>
+              </a:rPr>
+              <a:t>button.</a:t>
+            </a:r>
+            <a:endParaRPr sz="900" dirty="0">
+              <a:latin typeface="Roboto-Medium"/>
+              <a:cs typeface="Roboto-Medium"/>
+            </a:endParaRPr>
+          </a:p>
+        </p:txBody>
+      </p:sp>
+      <p:sp>
+        <p:nvSpPr>
+          <p:cNvPr id="34" name="object 34"/>
+          <p:cNvSpPr/>
+          <p:nvPr/>
+        </p:nvSpPr>
+        <p:spPr>
+          <a:xfrm>
+            <a:off x="1216152" y="1510469"/>
+            <a:ext cx="178435" cy="0"/>
+          </a:xfrm>
+          <a:custGeom>
+            <a:avLst/>
+            <a:gdLst/>
+            <a:ahLst/>
+            <a:cxnLst/>
+            <a:rect l="l" t="t" r="r" b="b"/>
+            <a:pathLst>
+              <a:path w="178434">
+                <a:moveTo>
+                  <a:pt x="178308" y="0"/>
+                </a:moveTo>
+                <a:lnTo>
+                  <a:pt x="0" y="0"/>
+                </a:lnTo>
+              </a:path>
+            </a:pathLst>
+          </a:custGeom>
+          <a:ln w="12700">
+            <a:solidFill>
+              <a:srgbClr val="636466"/>
+            </a:solidFill>
+          </a:ln>
+        </p:spPr>
+        <p:txBody>
+          <a:bodyPr wrap="square" lIns="0" tIns="0" rIns="0" bIns="0" rtlCol="0"/>
+          <a:lstStyle/>
+          <a:p>
+            <a:endParaRPr/>
+          </a:p>
+        </p:txBody>
+      </p:sp>
+      <p:sp>
+        <p:nvSpPr>
+          <p:cNvPr id="35" name="object 35"/>
+          <p:cNvSpPr/>
+          <p:nvPr/>
+        </p:nvSpPr>
+        <p:spPr>
+          <a:xfrm>
+            <a:off x="1216152" y="1547906"/>
+            <a:ext cx="441325" cy="229235"/>
+          </a:xfrm>
+          <a:custGeom>
+            <a:avLst/>
+            <a:gdLst/>
+            <a:ahLst/>
+            <a:cxnLst/>
+            <a:rect l="l" t="t" r="r" b="b"/>
+            <a:pathLst>
+              <a:path w="441325" h="229235">
+                <a:moveTo>
+                  <a:pt x="0" y="228828"/>
+                </a:moveTo>
+                <a:lnTo>
+                  <a:pt x="227076" y="228828"/>
+                </a:lnTo>
+                <a:lnTo>
+                  <a:pt x="228854" y="228828"/>
+                </a:lnTo>
+                <a:lnTo>
+                  <a:pt x="230543" y="228079"/>
+                </a:lnTo>
+                <a:lnTo>
+                  <a:pt x="231749" y="226783"/>
+                </a:lnTo>
+                <a:lnTo>
+                  <a:pt x="440791" y="0"/>
+                </a:lnTo>
+              </a:path>
+            </a:pathLst>
+          </a:custGeom>
+          <a:ln w="12700">
+            <a:solidFill>
+              <a:srgbClr val="636466"/>
+            </a:solidFill>
+          </a:ln>
+        </p:spPr>
+        <p:txBody>
+          <a:bodyPr wrap="square" lIns="0" tIns="0" rIns="0" bIns="0" rtlCol="0"/>
+          <a:lstStyle/>
+          <a:p>
+            <a:endParaRPr/>
+          </a:p>
+        </p:txBody>
+      </p:sp>
+      <p:sp>
+        <p:nvSpPr>
+          <p:cNvPr id="36" name="object 36"/>
+          <p:cNvSpPr/>
+          <p:nvPr/>
+        </p:nvSpPr>
+        <p:spPr>
+          <a:xfrm>
+            <a:off x="2850642" y="1420279"/>
+            <a:ext cx="1054544" cy="931938"/>
+          </a:xfrm>
+          <a:prstGeom prst="rect">
+            <a:avLst/>
+          </a:prstGeom>
+          <a:blipFill>
+            <a:blip r:embed="rId8" cstate="print"/>
+            <a:stretch>
+              <a:fillRect/>
+            </a:stretch>
+          </a:blipFill>
+        </p:spPr>
+        <p:txBody>
+          <a:bodyPr wrap="square" lIns="0" tIns="0" rIns="0" bIns="0" rtlCol="0"/>
+          <a:lstStyle/>
+          <a:p>
+            <a:endParaRPr/>
+          </a:p>
+        </p:txBody>
+      </p:sp>
+      <p:sp>
+        <p:nvSpPr>
+          <p:cNvPr id="37" name="object 37"/>
+          <p:cNvSpPr/>
+          <p:nvPr/>
+        </p:nvSpPr>
+        <p:spPr>
+          <a:xfrm>
+            <a:off x="2841117" y="1410749"/>
+            <a:ext cx="1073785" cy="951230"/>
+          </a:xfrm>
+          <a:custGeom>
+            <a:avLst/>
+            <a:gdLst/>
+            <a:ahLst/>
+            <a:cxnLst/>
+            <a:rect l="l" t="t" r="r" b="b"/>
+            <a:pathLst>
+              <a:path w="1073785" h="951230">
+                <a:moveTo>
+                  <a:pt x="85725" y="0"/>
+                </a:moveTo>
+                <a:lnTo>
+                  <a:pt x="59819" y="3859"/>
+                </a:lnTo>
+                <a:lnTo>
+                  <a:pt x="31742" y="17435"/>
+                </a:lnTo>
+                <a:lnTo>
+                  <a:pt x="9224" y="43725"/>
+                </a:lnTo>
+                <a:lnTo>
+                  <a:pt x="0" y="85725"/>
+                </a:lnTo>
+                <a:lnTo>
+                  <a:pt x="0" y="865263"/>
+                </a:lnTo>
+                <a:lnTo>
+                  <a:pt x="3859" y="891163"/>
+                </a:lnTo>
+                <a:lnTo>
+                  <a:pt x="17435" y="919241"/>
+                </a:lnTo>
+                <a:lnTo>
+                  <a:pt x="43725" y="941762"/>
+                </a:lnTo>
+                <a:lnTo>
+                  <a:pt x="85725" y="950988"/>
+                </a:lnTo>
+                <a:lnTo>
+                  <a:pt x="987869" y="950988"/>
+                </a:lnTo>
+                <a:lnTo>
+                  <a:pt x="1013769" y="947129"/>
+                </a:lnTo>
+                <a:lnTo>
+                  <a:pt x="1041847" y="933553"/>
+                </a:lnTo>
+                <a:lnTo>
+                  <a:pt x="1064368" y="907263"/>
+                </a:lnTo>
+                <a:lnTo>
+                  <a:pt x="1073594" y="865263"/>
+                </a:lnTo>
+                <a:lnTo>
+                  <a:pt x="1073594" y="85725"/>
+                </a:lnTo>
+                <a:lnTo>
+                  <a:pt x="1069735" y="59819"/>
+                </a:lnTo>
+                <a:lnTo>
+                  <a:pt x="1056158" y="31742"/>
+                </a:lnTo>
+                <a:lnTo>
+                  <a:pt x="1029869" y="9224"/>
+                </a:lnTo>
+                <a:lnTo>
+                  <a:pt x="987869" y="0"/>
+                </a:lnTo>
+                <a:lnTo>
+                  <a:pt x="85725" y="0"/>
+                </a:lnTo>
+                <a:close/>
+              </a:path>
+            </a:pathLst>
+          </a:custGeom>
+          <a:ln w="19050">
+            <a:solidFill>
+              <a:srgbClr val="5BADCE"/>
+            </a:solidFill>
+          </a:ln>
+        </p:spPr>
+        <p:txBody>
+          <a:bodyPr wrap="square" lIns="0" tIns="0" rIns="0" bIns="0" rtlCol="0"/>
+          <a:lstStyle/>
+          <a:p>
+            <a:endParaRPr/>
+          </a:p>
+        </p:txBody>
+      </p:sp>
+      <p:sp>
+        <p:nvSpPr>
+          <p:cNvPr id="38" name="object 38"/>
+          <p:cNvSpPr/>
+          <p:nvPr/>
+        </p:nvSpPr>
+        <p:spPr>
+          <a:xfrm>
+            <a:off x="2973120" y="1763776"/>
+            <a:ext cx="208915" cy="99695"/>
+          </a:xfrm>
+          <a:custGeom>
+            <a:avLst/>
+            <a:gdLst/>
+            <a:ahLst/>
+            <a:cxnLst/>
+            <a:rect l="l" t="t" r="r" b="b"/>
+            <a:pathLst>
+              <a:path w="208914" h="99694">
+                <a:moveTo>
+                  <a:pt x="0" y="99695"/>
+                </a:moveTo>
+                <a:lnTo>
+                  <a:pt x="208889" y="99695"/>
+                </a:lnTo>
+                <a:lnTo>
+                  <a:pt x="208889" y="0"/>
+                </a:lnTo>
+                <a:lnTo>
+                  <a:pt x="0" y="0"/>
+                </a:lnTo>
+                <a:lnTo>
+                  <a:pt x="0" y="99695"/>
+                </a:lnTo>
+                <a:close/>
+              </a:path>
+            </a:pathLst>
+          </a:custGeom>
+          <a:solidFill>
+            <a:srgbClr val="FFFFFF"/>
+          </a:solidFill>
+        </p:spPr>
+        <p:txBody>
+          <a:bodyPr wrap="square" lIns="0" tIns="0" rIns="0" bIns="0" rtlCol="0"/>
+          <a:lstStyle/>
+          <a:p>
+            <a:endParaRPr/>
+          </a:p>
+        </p:txBody>
+      </p:sp>
+      <p:sp>
+        <p:nvSpPr>
+          <p:cNvPr id="39" name="object 39"/>
+          <p:cNvSpPr txBox="1"/>
+          <p:nvPr/>
+        </p:nvSpPr>
+        <p:spPr>
+          <a:xfrm>
+            <a:off x="2976135" y="1747418"/>
+            <a:ext cx="240029" cy="116839"/>
           </a:xfrm>
           <a:prstGeom prst="rect">
             <a:avLst/>
@@ -20854,1225 +22094,6 @@
               </a:spcBef>
             </a:pPr>
             <a:r>
-              <a:rPr sz="900" dirty="0">
-                <a:solidFill>
-                  <a:srgbClr val="636466"/>
-                </a:solidFill>
-                <a:latin typeface="Roboto-Medium"/>
-                <a:cs typeface="Roboto-Medium"/>
-              </a:rPr>
-              <a:t>Add a</a:t>
-            </a:r>
-            <a:r>
-              <a:rPr sz="900" spc="-85" dirty="0">
-                <a:solidFill>
-                  <a:srgbClr val="636466"/>
-                </a:solidFill>
-                <a:latin typeface="Roboto-Medium"/>
-                <a:cs typeface="Roboto-Medium"/>
-              </a:rPr>
-              <a:t> </a:t>
-            </a:r>
-            <a:r>
-              <a:rPr sz="900" dirty="0">
-                <a:solidFill>
-                  <a:srgbClr val="636466"/>
-                </a:solidFill>
-                <a:latin typeface="Roboto-Medium"/>
-                <a:cs typeface="Roboto-Medium"/>
-              </a:rPr>
-              <a:t>point.</a:t>
-            </a:r>
-            <a:endParaRPr sz="900" dirty="0">
-              <a:latin typeface="Roboto-Medium"/>
-              <a:cs typeface="Roboto-Medium"/>
-            </a:endParaRPr>
-          </a:p>
-        </p:txBody>
-      </p:sp>
-      <p:sp>
-        <p:nvSpPr>
-          <p:cNvPr id="19" name="object 19"/>
-          <p:cNvSpPr txBox="1"/>
-          <p:nvPr/>
-        </p:nvSpPr>
-        <p:spPr>
-          <a:xfrm>
-            <a:off x="2776644" y="3673314"/>
-            <a:ext cx="1343025" cy="162560"/>
-          </a:xfrm>
-          <a:prstGeom prst="rect">
-            <a:avLst/>
-          </a:prstGeom>
-        </p:spPr>
-        <p:txBody>
-          <a:bodyPr vert="horz" wrap="square" lIns="0" tIns="12700" rIns="0" bIns="0" rtlCol="0">
-            <a:spAutoFit/>
-          </a:bodyPr>
-          <a:lstStyle/>
-          <a:p>
-            <a:pPr marL="12700">
-              <a:lnSpc>
-                <a:spcPct val="100000"/>
-              </a:lnSpc>
-              <a:spcBef>
-                <a:spcPts val="100"/>
-              </a:spcBef>
-            </a:pPr>
-            <a:r>
-              <a:rPr sz="900" dirty="0">
-                <a:solidFill>
-                  <a:srgbClr val="636466"/>
-                </a:solidFill>
-                <a:latin typeface="Roboto-Medium"/>
-                <a:cs typeface="Roboto-Medium"/>
-              </a:rPr>
-              <a:t>Resets points at the</a:t>
-            </a:r>
-            <a:r>
-              <a:rPr sz="900" spc="-95" dirty="0">
-                <a:solidFill>
-                  <a:srgbClr val="636466"/>
-                </a:solidFill>
-                <a:latin typeface="Roboto-Medium"/>
-                <a:cs typeface="Roboto-Medium"/>
-              </a:rPr>
-              <a:t> </a:t>
-            </a:r>
-            <a:r>
-              <a:rPr sz="900" dirty="0">
-                <a:solidFill>
-                  <a:srgbClr val="636466"/>
-                </a:solidFill>
-                <a:latin typeface="Roboto-Medium"/>
-                <a:cs typeface="Roboto-Medium"/>
-              </a:rPr>
-              <a:t>start.</a:t>
-            </a:r>
-            <a:endParaRPr sz="900" dirty="0">
-              <a:latin typeface="Roboto-Medium"/>
-              <a:cs typeface="Roboto-Medium"/>
-            </a:endParaRPr>
-          </a:p>
-        </p:txBody>
-      </p:sp>
-      <p:sp>
-        <p:nvSpPr>
-          <p:cNvPr id="20" name="object 20"/>
-          <p:cNvSpPr/>
-          <p:nvPr/>
-        </p:nvSpPr>
-        <p:spPr>
-          <a:xfrm>
-            <a:off x="2605074" y="3759956"/>
-            <a:ext cx="156845" cy="0"/>
-          </a:xfrm>
-          <a:custGeom>
-            <a:avLst/>
-            <a:gdLst/>
-            <a:ahLst/>
-            <a:cxnLst/>
-            <a:rect l="l" t="t" r="r" b="b"/>
-            <a:pathLst>
-              <a:path w="156844">
-                <a:moveTo>
-                  <a:pt x="0" y="0"/>
-                </a:moveTo>
-                <a:lnTo>
-                  <a:pt x="156464" y="0"/>
-                </a:lnTo>
-              </a:path>
-            </a:pathLst>
-          </a:custGeom>
-          <a:ln w="12700">
-            <a:solidFill>
-              <a:srgbClr val="636466"/>
-            </a:solidFill>
-          </a:ln>
-        </p:spPr>
-        <p:txBody>
-          <a:bodyPr wrap="square" lIns="0" tIns="0" rIns="0" bIns="0" rtlCol="0"/>
-          <a:lstStyle/>
-          <a:p>
-            <a:endParaRPr/>
-          </a:p>
-        </p:txBody>
-      </p:sp>
-      <p:sp>
-        <p:nvSpPr>
-          <p:cNvPr id="21" name="object 21"/>
-          <p:cNvSpPr/>
-          <p:nvPr/>
-        </p:nvSpPr>
-        <p:spPr>
-          <a:xfrm>
-            <a:off x="2631592" y="4030042"/>
-            <a:ext cx="741045" cy="152400"/>
-          </a:xfrm>
-          <a:custGeom>
-            <a:avLst/>
-            <a:gdLst/>
-            <a:ahLst/>
-            <a:cxnLst/>
-            <a:rect l="l" t="t" r="r" b="b"/>
-            <a:pathLst>
-              <a:path w="741045" h="152400">
-                <a:moveTo>
-                  <a:pt x="0" y="152400"/>
-                </a:moveTo>
-                <a:lnTo>
-                  <a:pt x="109296" y="0"/>
-                </a:lnTo>
-                <a:lnTo>
-                  <a:pt x="740664" y="0"/>
-                </a:lnTo>
-              </a:path>
-            </a:pathLst>
-          </a:custGeom>
-          <a:ln w="12700">
-            <a:solidFill>
-              <a:srgbClr val="636466"/>
-            </a:solidFill>
-          </a:ln>
-        </p:spPr>
-        <p:txBody>
-          <a:bodyPr wrap="square" lIns="0" tIns="0" rIns="0" bIns="0" rtlCol="0"/>
-          <a:lstStyle/>
-          <a:p>
-            <a:endParaRPr/>
-          </a:p>
-        </p:txBody>
-      </p:sp>
-      <p:sp>
-        <p:nvSpPr>
-          <p:cNvPr id="22" name="object 22"/>
-          <p:cNvSpPr/>
-          <p:nvPr/>
-        </p:nvSpPr>
-        <p:spPr>
-          <a:xfrm>
-            <a:off x="2517901" y="4650383"/>
-            <a:ext cx="855344" cy="0"/>
-          </a:xfrm>
-          <a:custGeom>
-            <a:avLst/>
-            <a:gdLst/>
-            <a:ahLst/>
-            <a:cxnLst/>
-            <a:rect l="l" t="t" r="r" b="b"/>
-            <a:pathLst>
-              <a:path w="855345">
-                <a:moveTo>
-                  <a:pt x="0" y="0"/>
-                </a:moveTo>
-                <a:lnTo>
-                  <a:pt x="854963" y="0"/>
-                </a:lnTo>
-              </a:path>
-            </a:pathLst>
-          </a:custGeom>
-          <a:ln w="12700">
-            <a:solidFill>
-              <a:srgbClr val="636466"/>
-            </a:solidFill>
-          </a:ln>
-        </p:spPr>
-        <p:txBody>
-          <a:bodyPr wrap="square" lIns="0" tIns="0" rIns="0" bIns="0" rtlCol="0"/>
-          <a:lstStyle/>
-          <a:p>
-            <a:endParaRPr/>
-          </a:p>
-        </p:txBody>
-      </p:sp>
-      <p:sp>
-        <p:nvSpPr>
-          <p:cNvPr id="23" name="object 23"/>
-          <p:cNvSpPr txBox="1"/>
-          <p:nvPr/>
-        </p:nvSpPr>
-        <p:spPr>
-          <a:xfrm>
-            <a:off x="1560513" y="5354520"/>
-            <a:ext cx="1450975" cy="197490"/>
-          </a:xfrm>
-          <a:prstGeom prst="rect">
-            <a:avLst/>
-          </a:prstGeom>
-        </p:spPr>
-        <p:txBody>
-          <a:bodyPr vert="horz" wrap="square" lIns="0" tIns="12700" rIns="0" bIns="0" rtlCol="0">
-            <a:spAutoFit/>
-          </a:bodyPr>
-          <a:lstStyle/>
-          <a:p>
-            <a:pPr marL="7938" algn="ctr">
-              <a:lnSpc>
-                <a:spcPct val="100000"/>
-              </a:lnSpc>
-              <a:spcBef>
-                <a:spcPts val="100"/>
-              </a:spcBef>
-            </a:pPr>
-            <a:r>
-              <a:rPr sz="1200" b="1" spc="50" dirty="0">
-                <a:solidFill>
-                  <a:srgbClr val="6BA883"/>
-                </a:solidFill>
-                <a:latin typeface="Montserrat-Black"/>
-                <a:cs typeface="Montserrat-Black"/>
-              </a:rPr>
-              <a:t>TRY</a:t>
-            </a:r>
-            <a:r>
-              <a:rPr sz="1200" b="1" spc="80" dirty="0">
-                <a:solidFill>
-                  <a:srgbClr val="6BA883"/>
-                </a:solidFill>
-                <a:latin typeface="Montserrat-Black"/>
-                <a:cs typeface="Montserrat-Black"/>
-              </a:rPr>
-              <a:t> IT</a:t>
-            </a:r>
-            <a:endParaRPr sz="1200" dirty="0">
-              <a:latin typeface="Montserrat-Black"/>
-              <a:cs typeface="Montserrat-Black"/>
-            </a:endParaRPr>
-          </a:p>
-        </p:txBody>
-      </p:sp>
-      <p:sp>
-        <p:nvSpPr>
-          <p:cNvPr id="24" name="object 24"/>
-          <p:cNvSpPr/>
-          <p:nvPr/>
-        </p:nvSpPr>
-        <p:spPr>
-          <a:xfrm>
-            <a:off x="2782595" y="5527675"/>
-            <a:ext cx="551929" cy="450850"/>
-          </a:xfrm>
-          <a:prstGeom prst="rect">
-            <a:avLst/>
-          </a:prstGeom>
-          <a:blipFill>
-            <a:blip r:embed="rId5" cstate="print"/>
-            <a:stretch>
-              <a:fillRect/>
-            </a:stretch>
-          </a:blipFill>
-        </p:spPr>
-        <p:txBody>
-          <a:bodyPr wrap="square" lIns="0" tIns="0" rIns="0" bIns="0" rtlCol="0"/>
-          <a:lstStyle/>
-          <a:p>
-            <a:endParaRPr/>
-          </a:p>
-        </p:txBody>
-      </p:sp>
-      <p:sp>
-        <p:nvSpPr>
-          <p:cNvPr id="25" name="object 25"/>
-          <p:cNvSpPr/>
-          <p:nvPr/>
-        </p:nvSpPr>
-        <p:spPr>
-          <a:xfrm>
-            <a:off x="2773071" y="5518150"/>
-            <a:ext cx="571500" cy="469900"/>
-          </a:xfrm>
-          <a:custGeom>
-            <a:avLst/>
-            <a:gdLst/>
-            <a:ahLst/>
-            <a:cxnLst/>
-            <a:rect l="l" t="t" r="r" b="b"/>
-            <a:pathLst>
-              <a:path w="571500" h="469900">
-                <a:moveTo>
-                  <a:pt x="85725" y="0"/>
-                </a:moveTo>
-                <a:lnTo>
-                  <a:pt x="59819" y="3859"/>
-                </a:lnTo>
-                <a:lnTo>
-                  <a:pt x="31742" y="17435"/>
-                </a:lnTo>
-                <a:lnTo>
-                  <a:pt x="9224" y="43725"/>
-                </a:lnTo>
-                <a:lnTo>
-                  <a:pt x="0" y="85725"/>
-                </a:lnTo>
-                <a:lnTo>
-                  <a:pt x="0" y="384175"/>
-                </a:lnTo>
-                <a:lnTo>
-                  <a:pt x="3859" y="410080"/>
-                </a:lnTo>
-                <a:lnTo>
-                  <a:pt x="17435" y="438157"/>
-                </a:lnTo>
-                <a:lnTo>
-                  <a:pt x="43725" y="460675"/>
-                </a:lnTo>
-                <a:lnTo>
-                  <a:pt x="85725" y="469900"/>
-                </a:lnTo>
-                <a:lnTo>
-                  <a:pt x="485241" y="469900"/>
-                </a:lnTo>
-                <a:lnTo>
-                  <a:pt x="511146" y="466040"/>
-                </a:lnTo>
-                <a:lnTo>
-                  <a:pt x="539224" y="452464"/>
-                </a:lnTo>
-                <a:lnTo>
-                  <a:pt x="561742" y="426174"/>
-                </a:lnTo>
-                <a:lnTo>
-                  <a:pt x="570966" y="384175"/>
-                </a:lnTo>
-                <a:lnTo>
-                  <a:pt x="570966" y="85725"/>
-                </a:lnTo>
-                <a:lnTo>
-                  <a:pt x="567108" y="59819"/>
-                </a:lnTo>
-                <a:lnTo>
-                  <a:pt x="553535" y="31742"/>
-                </a:lnTo>
-                <a:lnTo>
-                  <a:pt x="527246" y="9224"/>
-                </a:lnTo>
-                <a:lnTo>
-                  <a:pt x="485241" y="0"/>
-                </a:lnTo>
-                <a:lnTo>
-                  <a:pt x="85725" y="0"/>
-                </a:lnTo>
-                <a:close/>
-              </a:path>
-            </a:pathLst>
-          </a:custGeom>
-          <a:ln w="19050">
-            <a:solidFill>
-              <a:srgbClr val="6BA883"/>
-            </a:solidFill>
-          </a:ln>
-        </p:spPr>
-        <p:txBody>
-          <a:bodyPr wrap="square" lIns="0" tIns="0" rIns="0" bIns="0" rtlCol="0"/>
-          <a:lstStyle/>
-          <a:p>
-            <a:endParaRPr/>
-          </a:p>
-        </p:txBody>
-      </p:sp>
-      <p:sp>
-        <p:nvSpPr>
-          <p:cNvPr id="26" name="object 26"/>
-          <p:cNvSpPr/>
-          <p:nvPr/>
-        </p:nvSpPr>
-        <p:spPr>
-          <a:xfrm>
-            <a:off x="2577439" y="5753100"/>
-            <a:ext cx="274320" cy="0"/>
-          </a:xfrm>
-          <a:custGeom>
-            <a:avLst/>
-            <a:gdLst/>
-            <a:ahLst/>
-            <a:cxnLst/>
-            <a:rect l="l" t="t" r="r" b="b"/>
-            <a:pathLst>
-              <a:path w="274319">
-                <a:moveTo>
-                  <a:pt x="0" y="0"/>
-                </a:moveTo>
-                <a:lnTo>
-                  <a:pt x="273710" y="0"/>
-                </a:lnTo>
-              </a:path>
-            </a:pathLst>
-          </a:custGeom>
-          <a:ln w="12700">
-            <a:solidFill>
-              <a:srgbClr val="636466"/>
-            </a:solidFill>
-          </a:ln>
-        </p:spPr>
-        <p:txBody>
-          <a:bodyPr wrap="square" lIns="0" tIns="0" rIns="0" bIns="0" rtlCol="0"/>
-          <a:lstStyle/>
-          <a:p>
-            <a:endParaRPr/>
-          </a:p>
-        </p:txBody>
-      </p:sp>
-      <p:sp>
-        <p:nvSpPr>
-          <p:cNvPr id="27" name="object 27"/>
-          <p:cNvSpPr/>
-          <p:nvPr/>
-        </p:nvSpPr>
-        <p:spPr>
-          <a:xfrm>
-            <a:off x="1300581" y="1420279"/>
-            <a:ext cx="1197597" cy="1093546"/>
-          </a:xfrm>
-          <a:prstGeom prst="rect">
-            <a:avLst/>
-          </a:prstGeom>
-          <a:blipFill>
-            <a:blip r:embed="rId6" cstate="print"/>
-            <a:stretch>
-              <a:fillRect/>
-            </a:stretch>
-          </a:blipFill>
-        </p:spPr>
-        <p:txBody>
-          <a:bodyPr wrap="square" lIns="0" tIns="0" rIns="0" bIns="0" rtlCol="0"/>
-          <a:lstStyle/>
-          <a:p>
-            <a:endParaRPr/>
-          </a:p>
-        </p:txBody>
-      </p:sp>
-      <p:sp>
-        <p:nvSpPr>
-          <p:cNvPr id="28" name="object 28"/>
-          <p:cNvSpPr/>
-          <p:nvPr/>
-        </p:nvSpPr>
-        <p:spPr>
-          <a:xfrm>
-            <a:off x="1291056" y="1410749"/>
-            <a:ext cx="1216660" cy="1113155"/>
-          </a:xfrm>
-          <a:custGeom>
-            <a:avLst/>
-            <a:gdLst/>
-            <a:ahLst/>
-            <a:cxnLst/>
-            <a:rect l="l" t="t" r="r" b="b"/>
-            <a:pathLst>
-              <a:path w="1216660" h="1113155">
-                <a:moveTo>
-                  <a:pt x="85725" y="0"/>
-                </a:moveTo>
-                <a:lnTo>
-                  <a:pt x="59819" y="3859"/>
-                </a:lnTo>
-                <a:lnTo>
-                  <a:pt x="31742" y="17435"/>
-                </a:lnTo>
-                <a:lnTo>
-                  <a:pt x="9224" y="43725"/>
-                </a:lnTo>
-                <a:lnTo>
-                  <a:pt x="0" y="85725"/>
-                </a:lnTo>
-                <a:lnTo>
-                  <a:pt x="0" y="1026871"/>
-                </a:lnTo>
-                <a:lnTo>
-                  <a:pt x="3859" y="1052776"/>
-                </a:lnTo>
-                <a:lnTo>
-                  <a:pt x="17435" y="1080854"/>
-                </a:lnTo>
-                <a:lnTo>
-                  <a:pt x="43725" y="1103371"/>
-                </a:lnTo>
-                <a:lnTo>
-                  <a:pt x="85725" y="1112596"/>
-                </a:lnTo>
-                <a:lnTo>
-                  <a:pt x="1130922" y="1112596"/>
-                </a:lnTo>
-                <a:lnTo>
-                  <a:pt x="1156821" y="1108738"/>
-                </a:lnTo>
-                <a:lnTo>
-                  <a:pt x="1184900" y="1095165"/>
-                </a:lnTo>
-                <a:lnTo>
-                  <a:pt x="1207421" y="1068876"/>
-                </a:lnTo>
-                <a:lnTo>
-                  <a:pt x="1216647" y="1026871"/>
-                </a:lnTo>
-                <a:lnTo>
-                  <a:pt x="1216647" y="85725"/>
-                </a:lnTo>
-                <a:lnTo>
-                  <a:pt x="1212787" y="59819"/>
-                </a:lnTo>
-                <a:lnTo>
-                  <a:pt x="1199211" y="31742"/>
-                </a:lnTo>
-                <a:lnTo>
-                  <a:pt x="1172922" y="9224"/>
-                </a:lnTo>
-                <a:lnTo>
-                  <a:pt x="1130922" y="0"/>
-                </a:lnTo>
-                <a:lnTo>
-                  <a:pt x="85725" y="0"/>
-                </a:lnTo>
-                <a:close/>
-              </a:path>
-            </a:pathLst>
-          </a:custGeom>
-          <a:ln w="19050">
-            <a:solidFill>
-              <a:srgbClr val="5BADCE"/>
-            </a:solidFill>
-          </a:ln>
-        </p:spPr>
-        <p:txBody>
-          <a:bodyPr wrap="square" lIns="0" tIns="0" rIns="0" bIns="0" rtlCol="0"/>
-          <a:lstStyle/>
-          <a:p>
-            <a:endParaRPr/>
-          </a:p>
-        </p:txBody>
-      </p:sp>
-      <p:sp>
-        <p:nvSpPr>
-          <p:cNvPr id="29" name="object 29"/>
-          <p:cNvSpPr/>
-          <p:nvPr/>
-        </p:nvSpPr>
-        <p:spPr>
-          <a:xfrm>
-            <a:off x="1310386" y="1681479"/>
-            <a:ext cx="262890" cy="327025"/>
-          </a:xfrm>
-          <a:custGeom>
-            <a:avLst/>
-            <a:gdLst/>
-            <a:ahLst/>
-            <a:cxnLst/>
-            <a:rect l="l" t="t" r="r" b="b"/>
-            <a:pathLst>
-              <a:path w="262890" h="327025">
-                <a:moveTo>
-                  <a:pt x="0" y="326542"/>
-                </a:moveTo>
-                <a:lnTo>
-                  <a:pt x="262890" y="326542"/>
-                </a:lnTo>
-                <a:lnTo>
-                  <a:pt x="262890" y="0"/>
-                </a:lnTo>
-                <a:lnTo>
-                  <a:pt x="0" y="0"/>
-                </a:lnTo>
-                <a:lnTo>
-                  <a:pt x="0" y="326542"/>
-                </a:lnTo>
-                <a:close/>
-              </a:path>
-            </a:pathLst>
-          </a:custGeom>
-          <a:solidFill>
-            <a:srgbClr val="FFFFFF"/>
-          </a:solidFill>
-        </p:spPr>
-        <p:txBody>
-          <a:bodyPr wrap="square" lIns="0" tIns="0" rIns="0" bIns="0" rtlCol="0"/>
-          <a:lstStyle/>
-          <a:p>
-            <a:endParaRPr/>
-          </a:p>
-        </p:txBody>
-      </p:sp>
-      <p:sp>
-        <p:nvSpPr>
-          <p:cNvPr id="30" name="object 30"/>
-          <p:cNvSpPr/>
-          <p:nvPr/>
-        </p:nvSpPr>
-        <p:spPr>
-          <a:xfrm>
-            <a:off x="1622553" y="1429425"/>
-            <a:ext cx="718185" cy="142240"/>
-          </a:xfrm>
-          <a:custGeom>
-            <a:avLst/>
-            <a:gdLst/>
-            <a:ahLst/>
-            <a:cxnLst/>
-            <a:rect l="l" t="t" r="r" b="b"/>
-            <a:pathLst>
-              <a:path w="718185" h="142240">
-                <a:moveTo>
-                  <a:pt x="13373" y="1485"/>
-                </a:moveTo>
-                <a:lnTo>
-                  <a:pt x="673" y="1485"/>
-                </a:lnTo>
-                <a:lnTo>
-                  <a:pt x="673" y="14185"/>
-                </a:lnTo>
-                <a:lnTo>
-                  <a:pt x="0" y="129501"/>
-                </a:lnTo>
-                <a:lnTo>
-                  <a:pt x="0" y="142201"/>
-                </a:lnTo>
-                <a:lnTo>
-                  <a:pt x="12699" y="142201"/>
-                </a:lnTo>
-                <a:lnTo>
-                  <a:pt x="704684" y="140716"/>
-                </a:lnTo>
-                <a:lnTo>
-                  <a:pt x="717384" y="140716"/>
-                </a:lnTo>
-                <a:lnTo>
-                  <a:pt x="717384" y="128016"/>
-                </a:lnTo>
-                <a:lnTo>
-                  <a:pt x="718058" y="12700"/>
-                </a:lnTo>
-                <a:lnTo>
-                  <a:pt x="718058" y="0"/>
-                </a:lnTo>
-                <a:lnTo>
-                  <a:pt x="705358" y="0"/>
-                </a:lnTo>
-                <a:lnTo>
-                  <a:pt x="13373" y="1485"/>
-                </a:lnTo>
-                <a:close/>
-              </a:path>
-            </a:pathLst>
-          </a:custGeom>
-          <a:ln w="9525">
-            <a:solidFill>
-              <a:srgbClr val="EF913B"/>
-            </a:solidFill>
-          </a:ln>
-        </p:spPr>
-        <p:txBody>
-          <a:bodyPr wrap="square" lIns="0" tIns="0" rIns="0" bIns="0" rtlCol="0"/>
-          <a:lstStyle/>
-          <a:p>
-            <a:endParaRPr/>
-          </a:p>
-        </p:txBody>
-      </p:sp>
-      <p:sp>
-        <p:nvSpPr>
-          <p:cNvPr id="31" name="object 31"/>
-          <p:cNvSpPr/>
-          <p:nvPr/>
-        </p:nvSpPr>
-        <p:spPr>
-          <a:xfrm>
-            <a:off x="2280111" y="1502868"/>
-            <a:ext cx="102565" cy="114338"/>
-          </a:xfrm>
-          <a:prstGeom prst="rect">
-            <a:avLst/>
-          </a:prstGeom>
-          <a:blipFill>
-            <a:blip r:embed="rId7" cstate="print"/>
-            <a:stretch>
-              <a:fillRect/>
-            </a:stretch>
-          </a:blipFill>
-        </p:spPr>
-        <p:txBody>
-          <a:bodyPr wrap="square" lIns="0" tIns="0" rIns="0" bIns="0" rtlCol="0"/>
-          <a:lstStyle/>
-          <a:p>
-            <a:endParaRPr/>
-          </a:p>
-        </p:txBody>
-      </p:sp>
-      <p:sp>
-        <p:nvSpPr>
-          <p:cNvPr id="32" name="object 32"/>
-          <p:cNvSpPr txBox="1"/>
-          <p:nvPr/>
-        </p:nvSpPr>
-        <p:spPr>
-          <a:xfrm>
-            <a:off x="1047258" y="1048536"/>
-            <a:ext cx="2465705" cy="197490"/>
-          </a:xfrm>
-          <a:prstGeom prst="rect">
-            <a:avLst/>
-          </a:prstGeom>
-        </p:spPr>
-        <p:txBody>
-          <a:bodyPr vert="horz" wrap="square" lIns="0" tIns="12700" rIns="0" bIns="0" rtlCol="0">
-            <a:spAutoFit/>
-          </a:bodyPr>
-          <a:lstStyle/>
-          <a:p>
-            <a:pPr marL="7938" algn="ctr">
-              <a:lnSpc>
-                <a:spcPct val="100000"/>
-              </a:lnSpc>
-              <a:spcBef>
-                <a:spcPts val="100"/>
-              </a:spcBef>
-            </a:pPr>
-            <a:r>
-              <a:rPr sz="1200" b="1" spc="50" dirty="0">
-                <a:solidFill>
-                  <a:srgbClr val="5BADCE"/>
-                </a:solidFill>
-                <a:latin typeface="Montserrat-Black"/>
-                <a:cs typeface="Montserrat-Black"/>
-              </a:rPr>
-              <a:t>GET</a:t>
-            </a:r>
-            <a:r>
-              <a:rPr sz="1200" b="1" spc="100" dirty="0">
-                <a:solidFill>
-                  <a:srgbClr val="5BADCE"/>
-                </a:solidFill>
-                <a:latin typeface="Montserrat-Black"/>
-                <a:cs typeface="Montserrat-Black"/>
-              </a:rPr>
-              <a:t> </a:t>
-            </a:r>
-            <a:r>
-              <a:rPr sz="1200" b="1" spc="55" dirty="0">
-                <a:solidFill>
-                  <a:srgbClr val="5BADCE"/>
-                </a:solidFill>
-                <a:latin typeface="Montserrat-Black"/>
-                <a:cs typeface="Montserrat-Black"/>
-              </a:rPr>
-              <a:t>READY</a:t>
-            </a:r>
-            <a:endParaRPr lang="en-US" sz="1200" dirty="0">
-              <a:latin typeface="Montserrat-Black"/>
-              <a:cs typeface="Montserrat-Black"/>
-            </a:endParaRPr>
-          </a:p>
-        </p:txBody>
-      </p:sp>
-      <p:sp>
-        <p:nvSpPr>
-          <p:cNvPr id="33" name="object 33"/>
-          <p:cNvSpPr txBox="1"/>
-          <p:nvPr/>
-        </p:nvSpPr>
-        <p:spPr>
-          <a:xfrm>
-            <a:off x="330958" y="1666821"/>
-            <a:ext cx="868044" cy="330200"/>
-          </a:xfrm>
-          <a:prstGeom prst="rect">
-            <a:avLst/>
-          </a:prstGeom>
-        </p:spPr>
-        <p:txBody>
-          <a:bodyPr vert="horz" wrap="square" lIns="0" tIns="12700" rIns="0" bIns="0" rtlCol="0">
-            <a:spAutoFit/>
-          </a:bodyPr>
-          <a:lstStyle/>
-          <a:p>
-            <a:pPr marL="49530" marR="5080" indent="-37465">
-              <a:lnSpc>
-                <a:spcPct val="111100"/>
-              </a:lnSpc>
-              <a:spcBef>
-                <a:spcPts val="100"/>
-              </a:spcBef>
-            </a:pPr>
-            <a:r>
-              <a:rPr sz="900" dirty="0">
-                <a:solidFill>
-                  <a:srgbClr val="636466"/>
-                </a:solidFill>
-                <a:latin typeface="Roboto-Medium"/>
-                <a:cs typeface="Roboto-Medium"/>
-              </a:rPr>
-              <a:t>Click the </a:t>
-            </a:r>
-            <a:r>
-              <a:rPr sz="900" spc="-5" dirty="0">
-                <a:solidFill>
-                  <a:srgbClr val="636466"/>
-                </a:solidFill>
-                <a:latin typeface="Roboto"/>
-                <a:cs typeface="Roboto"/>
-              </a:rPr>
-              <a:t>Make</a:t>
-            </a:r>
-            <a:r>
-              <a:rPr sz="900" spc="-95" dirty="0">
-                <a:solidFill>
-                  <a:srgbClr val="636466"/>
-                </a:solidFill>
-                <a:latin typeface="Roboto"/>
-                <a:cs typeface="Roboto"/>
-              </a:rPr>
-              <a:t> </a:t>
-            </a:r>
-            <a:r>
-              <a:rPr sz="900" dirty="0">
-                <a:solidFill>
-                  <a:srgbClr val="636466"/>
-                </a:solidFill>
-                <a:latin typeface="Roboto"/>
-                <a:cs typeface="Roboto"/>
-              </a:rPr>
-              <a:t>a  </a:t>
-            </a:r>
-            <a:r>
-              <a:rPr sz="900" spc="-5" dirty="0">
-                <a:solidFill>
-                  <a:srgbClr val="636466"/>
-                </a:solidFill>
-                <a:latin typeface="Roboto"/>
-                <a:cs typeface="Roboto"/>
-              </a:rPr>
-              <a:t>Variable</a:t>
-            </a:r>
-            <a:r>
-              <a:rPr sz="900" spc="-70" dirty="0">
-                <a:solidFill>
-                  <a:srgbClr val="636466"/>
-                </a:solidFill>
-                <a:latin typeface="Roboto"/>
-                <a:cs typeface="Roboto"/>
-              </a:rPr>
-              <a:t> </a:t>
-            </a:r>
-            <a:r>
-              <a:rPr sz="900" spc="-5" dirty="0">
-                <a:solidFill>
-                  <a:srgbClr val="636466"/>
-                </a:solidFill>
-                <a:latin typeface="Roboto-Medium"/>
-                <a:cs typeface="Roboto-Medium"/>
-              </a:rPr>
-              <a:t>button.</a:t>
-            </a:r>
-            <a:endParaRPr sz="900" dirty="0">
-              <a:latin typeface="Roboto-Medium"/>
-              <a:cs typeface="Roboto-Medium"/>
-            </a:endParaRPr>
-          </a:p>
-        </p:txBody>
-      </p:sp>
-      <p:sp>
-        <p:nvSpPr>
-          <p:cNvPr id="34" name="object 34"/>
-          <p:cNvSpPr/>
-          <p:nvPr/>
-        </p:nvSpPr>
-        <p:spPr>
-          <a:xfrm>
-            <a:off x="1216152" y="1510469"/>
-            <a:ext cx="178435" cy="0"/>
-          </a:xfrm>
-          <a:custGeom>
-            <a:avLst/>
-            <a:gdLst/>
-            <a:ahLst/>
-            <a:cxnLst/>
-            <a:rect l="l" t="t" r="r" b="b"/>
-            <a:pathLst>
-              <a:path w="178434">
-                <a:moveTo>
-                  <a:pt x="178308" y="0"/>
-                </a:moveTo>
-                <a:lnTo>
-                  <a:pt x="0" y="0"/>
-                </a:lnTo>
-              </a:path>
-            </a:pathLst>
-          </a:custGeom>
-          <a:ln w="12700">
-            <a:solidFill>
-              <a:srgbClr val="636466"/>
-            </a:solidFill>
-          </a:ln>
-        </p:spPr>
-        <p:txBody>
-          <a:bodyPr wrap="square" lIns="0" tIns="0" rIns="0" bIns="0" rtlCol="0"/>
-          <a:lstStyle/>
-          <a:p>
-            <a:endParaRPr/>
-          </a:p>
-        </p:txBody>
-      </p:sp>
-      <p:sp>
-        <p:nvSpPr>
-          <p:cNvPr id="35" name="object 35"/>
-          <p:cNvSpPr/>
-          <p:nvPr/>
-        </p:nvSpPr>
-        <p:spPr>
-          <a:xfrm>
-            <a:off x="1216152" y="1547906"/>
-            <a:ext cx="441325" cy="229235"/>
-          </a:xfrm>
-          <a:custGeom>
-            <a:avLst/>
-            <a:gdLst/>
-            <a:ahLst/>
-            <a:cxnLst/>
-            <a:rect l="l" t="t" r="r" b="b"/>
-            <a:pathLst>
-              <a:path w="441325" h="229235">
-                <a:moveTo>
-                  <a:pt x="0" y="228828"/>
-                </a:moveTo>
-                <a:lnTo>
-                  <a:pt x="227076" y="228828"/>
-                </a:lnTo>
-                <a:lnTo>
-                  <a:pt x="228854" y="228828"/>
-                </a:lnTo>
-                <a:lnTo>
-                  <a:pt x="230543" y="228079"/>
-                </a:lnTo>
-                <a:lnTo>
-                  <a:pt x="231749" y="226783"/>
-                </a:lnTo>
-                <a:lnTo>
-                  <a:pt x="440791" y="0"/>
-                </a:lnTo>
-              </a:path>
-            </a:pathLst>
-          </a:custGeom>
-          <a:ln w="12700">
-            <a:solidFill>
-              <a:srgbClr val="636466"/>
-            </a:solidFill>
-          </a:ln>
-        </p:spPr>
-        <p:txBody>
-          <a:bodyPr wrap="square" lIns="0" tIns="0" rIns="0" bIns="0" rtlCol="0"/>
-          <a:lstStyle/>
-          <a:p>
-            <a:endParaRPr/>
-          </a:p>
-        </p:txBody>
-      </p:sp>
-      <p:sp>
-        <p:nvSpPr>
-          <p:cNvPr id="36" name="object 36"/>
-          <p:cNvSpPr/>
-          <p:nvPr/>
-        </p:nvSpPr>
-        <p:spPr>
-          <a:xfrm>
-            <a:off x="2850642" y="1420279"/>
-            <a:ext cx="1054544" cy="931938"/>
-          </a:xfrm>
-          <a:prstGeom prst="rect">
-            <a:avLst/>
-          </a:prstGeom>
-          <a:blipFill>
-            <a:blip r:embed="rId8" cstate="print"/>
-            <a:stretch>
-              <a:fillRect/>
-            </a:stretch>
-          </a:blipFill>
-        </p:spPr>
-        <p:txBody>
-          <a:bodyPr wrap="square" lIns="0" tIns="0" rIns="0" bIns="0" rtlCol="0"/>
-          <a:lstStyle/>
-          <a:p>
-            <a:endParaRPr/>
-          </a:p>
-        </p:txBody>
-      </p:sp>
-      <p:sp>
-        <p:nvSpPr>
-          <p:cNvPr id="37" name="object 37"/>
-          <p:cNvSpPr/>
-          <p:nvPr/>
-        </p:nvSpPr>
-        <p:spPr>
-          <a:xfrm>
-            <a:off x="2841117" y="1410749"/>
-            <a:ext cx="1073785" cy="951230"/>
-          </a:xfrm>
-          <a:custGeom>
-            <a:avLst/>
-            <a:gdLst/>
-            <a:ahLst/>
-            <a:cxnLst/>
-            <a:rect l="l" t="t" r="r" b="b"/>
-            <a:pathLst>
-              <a:path w="1073785" h="951230">
-                <a:moveTo>
-                  <a:pt x="85725" y="0"/>
-                </a:moveTo>
-                <a:lnTo>
-                  <a:pt x="59819" y="3859"/>
-                </a:lnTo>
-                <a:lnTo>
-                  <a:pt x="31742" y="17435"/>
-                </a:lnTo>
-                <a:lnTo>
-                  <a:pt x="9224" y="43725"/>
-                </a:lnTo>
-                <a:lnTo>
-                  <a:pt x="0" y="85725"/>
-                </a:lnTo>
-                <a:lnTo>
-                  <a:pt x="0" y="865263"/>
-                </a:lnTo>
-                <a:lnTo>
-                  <a:pt x="3859" y="891163"/>
-                </a:lnTo>
-                <a:lnTo>
-                  <a:pt x="17435" y="919241"/>
-                </a:lnTo>
-                <a:lnTo>
-                  <a:pt x="43725" y="941762"/>
-                </a:lnTo>
-                <a:lnTo>
-                  <a:pt x="85725" y="950988"/>
-                </a:lnTo>
-                <a:lnTo>
-                  <a:pt x="987869" y="950988"/>
-                </a:lnTo>
-                <a:lnTo>
-                  <a:pt x="1013769" y="947129"/>
-                </a:lnTo>
-                <a:lnTo>
-                  <a:pt x="1041847" y="933553"/>
-                </a:lnTo>
-                <a:lnTo>
-                  <a:pt x="1064368" y="907263"/>
-                </a:lnTo>
-                <a:lnTo>
-                  <a:pt x="1073594" y="865263"/>
-                </a:lnTo>
-                <a:lnTo>
-                  <a:pt x="1073594" y="85725"/>
-                </a:lnTo>
-                <a:lnTo>
-                  <a:pt x="1069735" y="59819"/>
-                </a:lnTo>
-                <a:lnTo>
-                  <a:pt x="1056158" y="31742"/>
-                </a:lnTo>
-                <a:lnTo>
-                  <a:pt x="1029869" y="9224"/>
-                </a:lnTo>
-                <a:lnTo>
-                  <a:pt x="987869" y="0"/>
-                </a:lnTo>
-                <a:lnTo>
-                  <a:pt x="85725" y="0"/>
-                </a:lnTo>
-                <a:close/>
-              </a:path>
-            </a:pathLst>
-          </a:custGeom>
-          <a:ln w="19050">
-            <a:solidFill>
-              <a:srgbClr val="5BADCE"/>
-            </a:solidFill>
-          </a:ln>
-        </p:spPr>
-        <p:txBody>
-          <a:bodyPr wrap="square" lIns="0" tIns="0" rIns="0" bIns="0" rtlCol="0"/>
-          <a:lstStyle/>
-          <a:p>
-            <a:endParaRPr/>
-          </a:p>
-        </p:txBody>
-      </p:sp>
-      <p:sp>
-        <p:nvSpPr>
-          <p:cNvPr id="38" name="object 38"/>
-          <p:cNvSpPr/>
-          <p:nvPr/>
-        </p:nvSpPr>
-        <p:spPr>
-          <a:xfrm>
-            <a:off x="2973120" y="1763776"/>
-            <a:ext cx="208915" cy="99695"/>
-          </a:xfrm>
-          <a:custGeom>
-            <a:avLst/>
-            <a:gdLst/>
-            <a:ahLst/>
-            <a:cxnLst/>
-            <a:rect l="l" t="t" r="r" b="b"/>
-            <a:pathLst>
-              <a:path w="208914" h="99694">
-                <a:moveTo>
-                  <a:pt x="0" y="99695"/>
-                </a:moveTo>
-                <a:lnTo>
-                  <a:pt x="208889" y="99695"/>
-                </a:lnTo>
-                <a:lnTo>
-                  <a:pt x="208889" y="0"/>
-                </a:lnTo>
-                <a:lnTo>
-                  <a:pt x="0" y="0"/>
-                </a:lnTo>
-                <a:lnTo>
-                  <a:pt x="0" y="99695"/>
-                </a:lnTo>
-                <a:close/>
-              </a:path>
-            </a:pathLst>
-          </a:custGeom>
-          <a:solidFill>
-            <a:srgbClr val="FFFFFF"/>
-          </a:solidFill>
-        </p:spPr>
-        <p:txBody>
-          <a:bodyPr wrap="square" lIns="0" tIns="0" rIns="0" bIns="0" rtlCol="0"/>
-          <a:lstStyle/>
-          <a:p>
-            <a:endParaRPr/>
-          </a:p>
-        </p:txBody>
-      </p:sp>
-      <p:sp>
-        <p:nvSpPr>
-          <p:cNvPr id="39" name="object 39"/>
-          <p:cNvSpPr txBox="1"/>
-          <p:nvPr/>
-        </p:nvSpPr>
-        <p:spPr>
-          <a:xfrm>
-            <a:off x="2976135" y="1747418"/>
-            <a:ext cx="240029" cy="116839"/>
-          </a:xfrm>
-          <a:prstGeom prst="rect">
-            <a:avLst/>
-          </a:prstGeom>
-        </p:spPr>
-        <p:txBody>
-          <a:bodyPr vert="horz" wrap="square" lIns="0" tIns="12700" rIns="0" bIns="0" rtlCol="0">
-            <a:spAutoFit/>
-          </a:bodyPr>
-          <a:lstStyle/>
-          <a:p>
-            <a:pPr marL="12700">
-              <a:lnSpc>
-                <a:spcPct val="100000"/>
-              </a:lnSpc>
-              <a:spcBef>
-                <a:spcPts val="100"/>
-              </a:spcBef>
-            </a:pPr>
-            <a:r>
               <a:rPr sz="600" dirty="0">
                 <a:solidFill>
                   <a:srgbClr val="9B9DA0"/>
@@ -22174,8 +22195,8 @@
         </p:nvSpPr>
         <p:spPr>
           <a:xfrm>
-            <a:off x="362774" y="1420652"/>
-            <a:ext cx="890830" cy="151323"/>
+            <a:off x="152400" y="1420652"/>
+            <a:ext cx="1032679" cy="151323"/>
           </a:xfrm>
           <a:prstGeom prst="rect">
             <a:avLst/>
@@ -22187,7 +22208,7 @@
           </a:bodyPr>
           <a:lstStyle/>
           <a:p>
-            <a:pPr marL="12700">
+            <a:pPr marL="12700" algn="r">
               <a:lnSpc>
                 <a:spcPct val="100000"/>
               </a:lnSpc>
@@ -22243,8 +22264,8 @@
         </p:nvSpPr>
         <p:spPr>
           <a:xfrm>
-            <a:off x="991235" y="2987522"/>
-            <a:ext cx="2589530" cy="212878"/>
+            <a:off x="0" y="2987522"/>
+            <a:ext cx="4572000" cy="212878"/>
           </a:xfrm>
           <a:prstGeom prst="rect">
             <a:avLst/>
@@ -22322,8 +22343,8 @@
         </p:nvSpPr>
         <p:spPr>
           <a:xfrm>
-            <a:off x="1126464" y="5665276"/>
-            <a:ext cx="1450975" cy="151323"/>
+            <a:off x="228600" y="5665276"/>
+            <a:ext cx="2348839" cy="151323"/>
           </a:xfrm>
           <a:prstGeom prst="rect">
             <a:avLst/>
@@ -22335,7 +22356,7 @@
           </a:bodyPr>
           <a:lstStyle/>
           <a:p>
-            <a:pPr marL="12700">
+            <a:pPr algn="r">
               <a:lnSpc>
                 <a:spcPct val="100000"/>
               </a:lnSpc>
@@ -31141,8 +31162,8 @@
         </p:nvSpPr>
         <p:spPr>
           <a:xfrm>
-            <a:off x="3305909" y="5937250"/>
-            <a:ext cx="812800" cy="177800"/>
+            <a:off x="2646099" y="5937250"/>
+            <a:ext cx="1472610" cy="166712"/>
           </a:xfrm>
           <a:prstGeom prst="rect">
             <a:avLst/>
@@ -31154,7 +31175,7 @@
           </a:bodyPr>
           <a:lstStyle/>
           <a:p>
-            <a:pPr marL="12700">
+            <a:pPr marL="12700" algn="r">
               <a:lnSpc>
                 <a:spcPct val="100000"/>
               </a:lnSpc>
@@ -31212,7 +31233,7 @@
               </a:rPr>
               <a:t>cards</a:t>
             </a:r>
-            <a:endParaRPr sz="1000">
+            <a:endParaRPr sz="1000" dirty="0">
               <a:latin typeface="Roboto-Medium"/>
               <a:cs typeface="Roboto-Medium"/>
             </a:endParaRPr>
@@ -31683,8 +31704,8 @@
         </p:nvSpPr>
         <p:spPr>
           <a:xfrm>
-            <a:off x="1218247" y="928415"/>
-            <a:ext cx="2136140" cy="858519"/>
+            <a:off x="15240" y="928415"/>
+            <a:ext cx="4556760" cy="864339"/>
           </a:xfrm>
           <a:prstGeom prst="rect">
             <a:avLst/>
@@ -31696,7 +31717,7 @@
           </a:bodyPr>
           <a:lstStyle/>
           <a:p>
-            <a:pPr marL="515620" marR="5080" indent="-503555">
+            <a:pPr marL="515620" marR="5080" indent="-503555" algn="ctr">
               <a:lnSpc>
                 <a:spcPts val="3200"/>
               </a:lnSpc>
@@ -31718,8 +31739,11 @@
             </a:r>
             <a:r>
               <a:rPr dirty="0"/>
-              <a:t>Fly  </a:t>
-            </a:r>
+              <a:t>Fly</a:t>
+            </a:r>
+            <a:br>
+              <a:rPr lang="nl-NL" dirty="0"/>
+            </a:br>
             <a:r>
               <a:rPr spc="-5" dirty="0"/>
               <a:t>Cards</a:t>
@@ -31891,7 +31915,7 @@
         <p:spPr>
           <a:xfrm>
             <a:off x="596900" y="5958115"/>
-            <a:ext cx="643890" cy="177800"/>
+            <a:ext cx="1437830" cy="166712"/>
           </a:xfrm>
           <a:prstGeom prst="rect">
             <a:avLst/>
@@ -31941,7 +31965,7 @@
               </a:rPr>
               <a:t>Fly</a:t>
             </a:r>
-            <a:endParaRPr sz="1000">
+            <a:endParaRPr sz="1000" dirty="0">
               <a:latin typeface="Roboto-Medium"/>
               <a:cs typeface="Roboto-Medium"/>
             </a:endParaRPr>
@@ -32295,8 +32319,8 @@
         </p:nvSpPr>
         <p:spPr>
           <a:xfrm>
-            <a:off x="517814" y="472029"/>
-            <a:ext cx="3536950" cy="421640"/>
+            <a:off x="-1" y="472029"/>
+            <a:ext cx="4571999" cy="421640"/>
           </a:xfrm>
           <a:prstGeom prst="rect">
             <a:avLst/>
@@ -32308,7 +32332,7 @@
           </a:bodyPr>
           <a:lstStyle/>
           <a:p>
-            <a:pPr marL="12700">
+            <a:pPr marL="12700" algn="ctr">
               <a:lnSpc>
                 <a:spcPct val="100000"/>
               </a:lnSpc>
@@ -32328,7 +32352,7 @@
               <a:rPr sz="2600" spc="-5" dirty="0"/>
               <a:t>Character</a:t>
             </a:r>
-            <a:endParaRPr sz="2600"/>
+            <a:endParaRPr sz="2600" dirty="0"/>
           </a:p>
         </p:txBody>
       </p:sp>
@@ -32705,8 +32729,8 @@
         </p:nvSpPr>
         <p:spPr>
           <a:xfrm>
-            <a:off x="1548448" y="3415126"/>
-            <a:ext cx="1475105" cy="197490"/>
+            <a:off x="0" y="3415126"/>
+            <a:ext cx="4572000" cy="197490"/>
           </a:xfrm>
           <a:prstGeom prst="rect">
             <a:avLst/>
@@ -32960,8 +32984,8 @@
         </p:nvSpPr>
         <p:spPr>
           <a:xfrm>
-            <a:off x="1763831" y="1066800"/>
-            <a:ext cx="1044575" cy="208279"/>
+            <a:off x="1" y="1066800"/>
+            <a:ext cx="4571998" cy="197490"/>
           </a:xfrm>
           <a:prstGeom prst="rect">
             <a:avLst/>
@@ -32973,7 +32997,7 @@
           </a:bodyPr>
           <a:lstStyle/>
           <a:p>
-            <a:pPr marL="12700">
+            <a:pPr marL="12700" algn="ctr">
               <a:lnSpc>
                 <a:spcPct val="100000"/>
               </a:lnSpc>
@@ -33039,7 +33063,7 @@
           </a:bodyPr>
           <a:lstStyle/>
           <a:p>
-            <a:pPr marL="110489" marR="5080" indent="-98425">
+            <a:pPr marR="5080" algn="ctr">
               <a:lnSpc>
                 <a:spcPct val="111100"/>
               </a:lnSpc>
@@ -33247,7 +33271,7 @@
         <p:spPr>
           <a:xfrm>
             <a:off x="215900" y="282342"/>
-            <a:ext cx="3266440" cy="515620"/>
+            <a:ext cx="4203700" cy="515620"/>
           </a:xfrm>
           <a:prstGeom prst="rect">
             <a:avLst/>
@@ -33279,7 +33303,7 @@
               <a:rPr sz="2400" spc="-5" dirty="0"/>
               <a:t>Character</a:t>
             </a:r>
-            <a:endParaRPr sz="2400"/>
+            <a:endParaRPr sz="2400" dirty="0"/>
           </a:p>
           <a:p>
             <a:pPr marL="12700">
@@ -33294,7 +33318,7 @@
               </a:rPr>
               <a:t>scratch.mit.edu</a:t>
             </a:r>
-            <a:endParaRPr sz="900">
+            <a:endParaRPr sz="900" dirty="0">
               <a:latin typeface="Roboto-Medium"/>
               <a:cs typeface="Roboto-Medium"/>
             </a:endParaRPr>
@@ -33622,7 +33646,7 @@
           </a:bodyPr>
           <a:lstStyle/>
           <a:p>
-            <a:pPr marL="12700" marR="5080">
+            <a:pPr marR="5080">
               <a:lnSpc>
                 <a:spcPct val="111100"/>
               </a:lnSpc>
@@ -33728,7 +33752,7 @@
           </a:bodyPr>
           <a:lstStyle/>
           <a:p>
-            <a:pPr marL="12700">
+            <a:pPr algn="ctr">
               <a:lnSpc>
                 <a:spcPct val="100000"/>
               </a:lnSpc>
@@ -34149,8 +34173,8 @@
         </p:nvSpPr>
         <p:spPr>
           <a:xfrm>
-            <a:off x="1560513" y="5410200"/>
-            <a:ext cx="1450975" cy="197490"/>
+            <a:off x="1" y="5410200"/>
+            <a:ext cx="4571998" cy="197490"/>
           </a:xfrm>
           <a:prstGeom prst="rect">
             <a:avLst/>
@@ -34382,8 +34406,8 @@
         </p:nvSpPr>
         <p:spPr>
           <a:xfrm>
-            <a:off x="1116417" y="5801701"/>
-            <a:ext cx="1450975" cy="151323"/>
+            <a:off x="232663" y="5801701"/>
+            <a:ext cx="2334729" cy="151323"/>
           </a:xfrm>
           <a:prstGeom prst="rect">
             <a:avLst/>
@@ -34395,7 +34419,7 @@
           </a:bodyPr>
           <a:lstStyle/>
           <a:p>
-            <a:pPr marL="12700">
+            <a:pPr marL="12700" algn="r">
               <a:lnSpc>
                 <a:spcPct val="100000"/>
               </a:lnSpc>
@@ -34595,7 +34619,7 @@
         <p:spPr>
           <a:xfrm>
             <a:off x="596900" y="5958115"/>
-            <a:ext cx="643890" cy="177800"/>
+            <a:ext cx="1437830" cy="166712"/>
           </a:xfrm>
           <a:prstGeom prst="rect">
             <a:avLst/>
@@ -34645,7 +34669,7 @@
               </a:rPr>
               <a:t>Fly</a:t>
             </a:r>
-            <a:endParaRPr sz="1000">
+            <a:endParaRPr sz="1000" dirty="0">
               <a:latin typeface="Roboto-Medium"/>
               <a:cs typeface="Roboto-Medium"/>
             </a:endParaRPr>
@@ -34966,8 +34990,8 @@
         </p:nvSpPr>
         <p:spPr>
           <a:xfrm>
-            <a:off x="1267222" y="1117600"/>
-            <a:ext cx="2036445" cy="482600"/>
+            <a:off x="685800" y="1117600"/>
+            <a:ext cx="3200400" cy="468077"/>
           </a:xfrm>
           <a:prstGeom prst="rect">
             <a:avLst/>
@@ -34979,7 +35003,7 @@
           </a:bodyPr>
           <a:lstStyle/>
           <a:p>
-            <a:pPr marL="12700" marR="5080" indent="133985">
+            <a:pPr marR="5080" algn="ctr">
               <a:lnSpc>
                 <a:spcPct val="125000"/>
               </a:lnSpc>
@@ -35035,7 +35059,26 @@
                 <a:latin typeface="Roboto-Medium"/>
                 <a:cs typeface="Roboto-Medium"/>
               </a:rPr>
-              <a:t>character looks </a:t>
+              <a:t>character </a:t>
+            </a:r>
+            <a:br>
+              <a:rPr lang="nl-NL" sz="1200" spc="-5" dirty="0">
+                <a:solidFill>
+                  <a:srgbClr val="FFFFFF"/>
+                </a:solidFill>
+                <a:latin typeface="Roboto-Medium"/>
+                <a:cs typeface="Roboto-Medium"/>
+              </a:rPr>
+            </a:br>
+            <a:r>
+              <a:rPr sz="1200" spc="-5" dirty="0">
+                <a:solidFill>
+                  <a:srgbClr val="FFFFFF"/>
+                </a:solidFill>
+                <a:latin typeface="Roboto-Medium"/>
+                <a:cs typeface="Roboto-Medium"/>
+              </a:rPr>
+              <a:t>looks </a:t>
             </a:r>
             <a:r>
               <a:rPr sz="1200" spc="-10" dirty="0">
@@ -35096,8 +35139,8 @@
         </p:nvSpPr>
         <p:spPr>
           <a:xfrm>
-            <a:off x="1144285" y="471215"/>
-            <a:ext cx="2283460" cy="452120"/>
+            <a:off x="0" y="471215"/>
+            <a:ext cx="4571999" cy="452120"/>
           </a:xfrm>
           <a:prstGeom prst="rect">
             <a:avLst/>
@@ -35109,7 +35152,7 @@
           </a:bodyPr>
           <a:lstStyle/>
           <a:p>
-            <a:pPr marL="12700">
+            <a:pPr marL="12700" algn="ctr">
               <a:lnSpc>
                 <a:spcPct val="100000"/>
               </a:lnSpc>
@@ -35617,7 +35660,7 @@
         <p:spPr>
           <a:xfrm>
             <a:off x="215900" y="282342"/>
-            <a:ext cx="1960880" cy="515620"/>
+            <a:ext cx="4203700" cy="515620"/>
           </a:xfrm>
           <a:prstGeom prst="rect">
             <a:avLst/>
@@ -35649,7 +35692,6 @@
               <a:rPr sz="2400" dirty="0"/>
               <a:t>Flying</a:t>
             </a:r>
-            <a:endParaRPr sz="2400"/>
           </a:p>
           <a:p>
             <a:pPr marL="12700">
@@ -35664,7 +35706,7 @@
               </a:rPr>
               <a:t>scratch.mit.edu</a:t>
             </a:r>
-            <a:endParaRPr sz="900">
+            <a:endParaRPr sz="900" dirty="0">
               <a:latin typeface="Roboto-Medium"/>
               <a:cs typeface="Roboto-Medium"/>
             </a:endParaRPr>
@@ -35679,8 +35721,8 @@
         </p:nvSpPr>
         <p:spPr>
           <a:xfrm>
-            <a:off x="1763713" y="1115092"/>
-            <a:ext cx="1044575" cy="208279"/>
+            <a:off x="1" y="1115092"/>
+            <a:ext cx="4571998" cy="197490"/>
           </a:xfrm>
           <a:prstGeom prst="rect">
             <a:avLst/>
@@ -35692,7 +35734,7 @@
           </a:bodyPr>
           <a:lstStyle/>
           <a:p>
-            <a:pPr marL="12700">
+            <a:pPr marL="12700" algn="ctr">
               <a:lnSpc>
                 <a:spcPct val="100000"/>
               </a:lnSpc>
@@ -36016,7 +36058,7 @@
           </a:bodyPr>
           <a:lstStyle/>
           <a:p>
-            <a:pPr marL="12700" marR="87630">
+            <a:pPr marR="87630">
               <a:lnSpc>
                 <a:spcPct val="111100"/>
               </a:lnSpc>
@@ -36355,8 +36397,8 @@
         </p:nvSpPr>
         <p:spPr>
           <a:xfrm>
-            <a:off x="1085533" y="4800600"/>
-            <a:ext cx="2400935" cy="295594"/>
+            <a:off x="1" y="4800600"/>
+            <a:ext cx="4571998" cy="295594"/>
           </a:xfrm>
           <a:prstGeom prst="rect">
             <a:avLst/>
@@ -36968,8 +37010,8 @@
         </p:nvSpPr>
         <p:spPr>
           <a:xfrm>
-            <a:off x="1199833" y="2469510"/>
-            <a:ext cx="2172335" cy="197490"/>
+            <a:off x="0" y="2469510"/>
+            <a:ext cx="4571999" cy="197490"/>
           </a:xfrm>
           <a:prstGeom prst="rect">
             <a:avLst/>
@@ -37060,7 +37102,7 @@
           </a:bodyPr>
           <a:lstStyle/>
           <a:p>
-            <a:pPr marL="12700" marR="5080">
+            <a:pPr marR="5080">
               <a:lnSpc>
                 <a:spcPct val="111100"/>
               </a:lnSpc>
@@ -37159,7 +37201,7 @@
           </a:bodyPr>
           <a:lstStyle/>
           <a:p>
-            <a:pPr marL="12700" marR="5080">
+            <a:pPr marR="5080" algn="ctr">
               <a:lnSpc>
                 <a:spcPct val="111100"/>
               </a:lnSpc>
@@ -37195,8 +37237,8 @@
         </p:nvSpPr>
         <p:spPr>
           <a:xfrm>
-            <a:off x="1085533" y="5066220"/>
-            <a:ext cx="2400935" cy="249427"/>
+            <a:off x="0" y="5066220"/>
+            <a:ext cx="4571999" cy="249427"/>
           </a:xfrm>
           <a:prstGeom prst="rect">
             <a:avLst/>
@@ -37550,7 +37592,7 @@
         <p:spPr>
           <a:xfrm>
             <a:off x="596900" y="5958115"/>
-            <a:ext cx="643890" cy="177800"/>
+            <a:ext cx="1536700" cy="166712"/>
           </a:xfrm>
           <a:prstGeom prst="rect">
             <a:avLst/>
@@ -37600,7 +37642,7 @@
               </a:rPr>
               <a:t>Fly</a:t>
             </a:r>
-            <a:endParaRPr sz="1000">
+            <a:endParaRPr sz="1000" dirty="0">
               <a:latin typeface="Roboto-Medium"/>
               <a:cs typeface="Roboto-Medium"/>
             </a:endParaRPr>
@@ -37921,8 +37963,8 @@
         </p:nvSpPr>
         <p:spPr>
           <a:xfrm>
-            <a:off x="1333078" y="1244600"/>
-            <a:ext cx="1905635" cy="208279"/>
+            <a:off x="641342" y="1244600"/>
+            <a:ext cx="3289300" cy="197490"/>
           </a:xfrm>
           <a:prstGeom prst="rect">
             <a:avLst/>
@@ -37934,7 +37976,7 @@
           </a:bodyPr>
           <a:lstStyle/>
           <a:p>
-            <a:pPr marL="12700">
+            <a:pPr marL="12700" algn="ctr">
               <a:lnSpc>
                 <a:spcPct val="100000"/>
               </a:lnSpc>
@@ -38002,7 +38044,7 @@
               </a:rPr>
               <a:t>scenery.</a:t>
             </a:r>
-            <a:endParaRPr sz="1200">
+            <a:endParaRPr sz="1200" dirty="0">
               <a:latin typeface="Roboto-Medium"/>
               <a:cs typeface="Roboto-Medium"/>
             </a:endParaRPr>
@@ -38050,8 +38092,8 @@
         </p:nvSpPr>
         <p:spPr>
           <a:xfrm>
-            <a:off x="985508" y="471215"/>
-            <a:ext cx="2601595" cy="452120"/>
+            <a:off x="0" y="471215"/>
+            <a:ext cx="4571999" cy="452120"/>
           </a:xfrm>
           <a:prstGeom prst="rect">
             <a:avLst/>
@@ -38063,7 +38105,7 @@
           </a:bodyPr>
           <a:lstStyle/>
           <a:p>
-            <a:pPr marL="12700">
+            <a:pPr marL="12700" algn="ctr">
               <a:lnSpc>
                 <a:spcPct val="100000"/>
               </a:lnSpc>
@@ -38607,8 +38649,983 @@
         </p:nvSpPr>
         <p:spPr>
           <a:xfrm>
-            <a:off x="1763831" y="1074620"/>
-            <a:ext cx="1044575" cy="208279"/>
+            <a:off x="1" y="1074620"/>
+            <a:ext cx="4571998" cy="197490"/>
+          </a:xfrm>
+          <a:prstGeom prst="rect">
+            <a:avLst/>
+          </a:prstGeom>
+        </p:spPr>
+        <p:txBody>
+          <a:bodyPr vert="horz" wrap="square" lIns="0" tIns="12700" rIns="0" bIns="0" rtlCol="0">
+            <a:spAutoFit/>
+          </a:bodyPr>
+          <a:lstStyle/>
+          <a:p>
+            <a:pPr marL="12700" algn="ctr">
+              <a:lnSpc>
+                <a:spcPct val="100000"/>
+              </a:lnSpc>
+              <a:spcBef>
+                <a:spcPts val="100"/>
+              </a:spcBef>
+            </a:pPr>
+            <a:r>
+              <a:rPr sz="1200" b="1" spc="50" dirty="0">
+                <a:solidFill>
+                  <a:srgbClr val="5BADCE"/>
+                </a:solidFill>
+                <a:latin typeface="Montserrat-Black"/>
+                <a:cs typeface="Montserrat-Black"/>
+              </a:rPr>
+              <a:t>GET</a:t>
+            </a:r>
+            <a:r>
+              <a:rPr sz="1200" b="1" spc="100" dirty="0">
+                <a:solidFill>
+                  <a:srgbClr val="5BADCE"/>
+                </a:solidFill>
+                <a:latin typeface="Montserrat-Black"/>
+                <a:cs typeface="Montserrat-Black"/>
+              </a:rPr>
+              <a:t> </a:t>
+            </a:r>
+            <a:r>
+              <a:rPr sz="1200" b="1" spc="55" dirty="0">
+                <a:solidFill>
+                  <a:srgbClr val="5BADCE"/>
+                </a:solidFill>
+                <a:latin typeface="Montserrat-Black"/>
+                <a:cs typeface="Montserrat-Black"/>
+              </a:rPr>
+              <a:t>READY</a:t>
+            </a:r>
+            <a:endParaRPr sz="1200" dirty="0">
+              <a:latin typeface="Montserrat-Black"/>
+              <a:cs typeface="Montserrat-Black"/>
+            </a:endParaRPr>
+          </a:p>
+        </p:txBody>
+      </p:sp>
+      <p:sp>
+        <p:nvSpPr>
+          <p:cNvPr id="11" name="object 11"/>
+          <p:cNvSpPr txBox="1">
+            <a:spLocks noGrp="1"/>
+          </p:cNvSpPr>
+          <p:nvPr>
+            <p:ph type="title"/>
+          </p:nvPr>
+        </p:nvSpPr>
+        <p:spPr>
+          <a:xfrm>
+            <a:off x="215900" y="282342"/>
+            <a:ext cx="4203700" cy="515620"/>
+          </a:xfrm>
+          <a:prstGeom prst="rect">
+            <a:avLst/>
+          </a:prstGeom>
+        </p:spPr>
+        <p:txBody>
+          <a:bodyPr vert="horz" wrap="square" lIns="0" tIns="12700" rIns="0" bIns="0" rtlCol="0">
+            <a:spAutoFit/>
+          </a:bodyPr>
+          <a:lstStyle/>
+          <a:p>
+            <a:pPr marL="12700">
+              <a:lnSpc>
+                <a:spcPts val="2830"/>
+              </a:lnSpc>
+              <a:spcBef>
+                <a:spcPts val="100"/>
+              </a:spcBef>
+            </a:pPr>
+            <a:r>
+              <a:rPr sz="2400" spc="-15" dirty="0"/>
+              <a:t>Switch</a:t>
+            </a:r>
+            <a:r>
+              <a:rPr sz="2400" spc="-70" dirty="0"/>
+              <a:t> </a:t>
+            </a:r>
+            <a:r>
+              <a:rPr sz="2400" spc="-10" dirty="0"/>
+              <a:t>Looks</a:t>
+            </a:r>
+            <a:endParaRPr sz="2400" dirty="0"/>
+          </a:p>
+          <a:p>
+            <a:pPr marL="12700">
+              <a:lnSpc>
+                <a:spcPts val="1030"/>
+              </a:lnSpc>
+            </a:pPr>
+            <a:r>
+              <a:rPr sz="900" b="0" spc="-5" dirty="0">
+                <a:latin typeface="Roboto-Medium"/>
+                <a:cs typeface="Roboto-Medium"/>
+              </a:rPr>
+              <a:t>scratch.mit.edu</a:t>
+            </a:r>
+            <a:endParaRPr sz="900" dirty="0">
+              <a:latin typeface="Roboto-Medium"/>
+              <a:cs typeface="Roboto-Medium"/>
+            </a:endParaRPr>
+          </a:p>
+        </p:txBody>
+      </p:sp>
+      <p:sp>
+        <p:nvSpPr>
+          <p:cNvPr id="12" name="object 12"/>
+          <p:cNvSpPr/>
+          <p:nvPr/>
+        </p:nvSpPr>
+        <p:spPr>
+          <a:xfrm>
+            <a:off x="0" y="5194300"/>
+            <a:ext cx="4572000" cy="1206500"/>
+          </a:xfrm>
+          <a:custGeom>
+            <a:avLst/>
+            <a:gdLst/>
+            <a:ahLst/>
+            <a:cxnLst/>
+            <a:rect l="l" t="t" r="r" b="b"/>
+            <a:pathLst>
+              <a:path w="4572000" h="1206500">
+                <a:moveTo>
+                  <a:pt x="0" y="1206500"/>
+                </a:moveTo>
+                <a:lnTo>
+                  <a:pt x="4572000" y="1206500"/>
+                </a:lnTo>
+                <a:lnTo>
+                  <a:pt x="4572000" y="0"/>
+                </a:lnTo>
+                <a:lnTo>
+                  <a:pt x="0" y="0"/>
+                </a:lnTo>
+                <a:lnTo>
+                  <a:pt x="0" y="1206500"/>
+                </a:lnTo>
+                <a:close/>
+              </a:path>
+            </a:pathLst>
+          </a:custGeom>
+          <a:solidFill>
+            <a:srgbClr val="CCE7D3"/>
+          </a:solidFill>
+        </p:spPr>
+        <p:txBody>
+          <a:bodyPr wrap="square" lIns="0" tIns="0" rIns="0" bIns="0" rtlCol="0"/>
+          <a:lstStyle/>
+          <a:p>
+            <a:endParaRPr/>
+          </a:p>
+        </p:txBody>
+      </p:sp>
+      <p:sp>
+        <p:nvSpPr>
+          <p:cNvPr id="13" name="object 13"/>
+          <p:cNvSpPr/>
+          <p:nvPr/>
+        </p:nvSpPr>
+        <p:spPr>
+          <a:xfrm>
+            <a:off x="0" y="5181600"/>
+            <a:ext cx="4572000" cy="25400"/>
+          </a:xfrm>
+          <a:custGeom>
+            <a:avLst/>
+            <a:gdLst/>
+            <a:ahLst/>
+            <a:cxnLst/>
+            <a:rect l="l" t="t" r="r" b="b"/>
+            <a:pathLst>
+              <a:path w="4572000" h="25400">
+                <a:moveTo>
+                  <a:pt x="0" y="25400"/>
+                </a:moveTo>
+                <a:lnTo>
+                  <a:pt x="4572000" y="25400"/>
+                </a:lnTo>
+                <a:lnTo>
+                  <a:pt x="4572000" y="0"/>
+                </a:lnTo>
+                <a:lnTo>
+                  <a:pt x="0" y="0"/>
+                </a:lnTo>
+                <a:lnTo>
+                  <a:pt x="0" y="25400"/>
+                </a:lnTo>
+                <a:close/>
+              </a:path>
+            </a:pathLst>
+          </a:custGeom>
+          <a:solidFill>
+            <a:srgbClr val="FFFFFF"/>
+          </a:solidFill>
+        </p:spPr>
+        <p:txBody>
+          <a:bodyPr wrap="square" lIns="0" tIns="0" rIns="0" bIns="0" rtlCol="0"/>
+          <a:lstStyle/>
+          <a:p>
+            <a:endParaRPr/>
+          </a:p>
+        </p:txBody>
+      </p:sp>
+      <p:sp>
+        <p:nvSpPr>
+          <p:cNvPr id="14" name="object 14"/>
+          <p:cNvSpPr/>
+          <p:nvPr/>
+        </p:nvSpPr>
+        <p:spPr>
+          <a:xfrm>
+            <a:off x="2083561" y="1363484"/>
+            <a:ext cx="1041425" cy="1307388"/>
+          </a:xfrm>
+          <a:prstGeom prst="rect">
+            <a:avLst/>
+          </a:prstGeom>
+          <a:blipFill>
+            <a:blip r:embed="rId4" cstate="print"/>
+            <a:stretch>
+              <a:fillRect/>
+            </a:stretch>
+          </a:blipFill>
+        </p:spPr>
+        <p:txBody>
+          <a:bodyPr wrap="square" lIns="0" tIns="0" rIns="0" bIns="0" rtlCol="0"/>
+          <a:lstStyle/>
+          <a:p>
+            <a:endParaRPr/>
+          </a:p>
+        </p:txBody>
+      </p:sp>
+      <p:sp>
+        <p:nvSpPr>
+          <p:cNvPr id="15" name="object 15"/>
+          <p:cNvSpPr/>
+          <p:nvPr/>
+        </p:nvSpPr>
+        <p:spPr>
+          <a:xfrm>
+            <a:off x="2074036" y="1353079"/>
+            <a:ext cx="1061085" cy="1327785"/>
+          </a:xfrm>
+          <a:custGeom>
+            <a:avLst/>
+            <a:gdLst/>
+            <a:ahLst/>
+            <a:cxnLst/>
+            <a:rect l="l" t="t" r="r" b="b"/>
+            <a:pathLst>
+              <a:path w="1061085" h="1327785">
+                <a:moveTo>
+                  <a:pt x="85725" y="0"/>
+                </a:moveTo>
+                <a:lnTo>
+                  <a:pt x="59819" y="3859"/>
+                </a:lnTo>
+                <a:lnTo>
+                  <a:pt x="31742" y="17435"/>
+                </a:lnTo>
+                <a:lnTo>
+                  <a:pt x="9224" y="43725"/>
+                </a:lnTo>
+                <a:lnTo>
+                  <a:pt x="0" y="85725"/>
+                </a:lnTo>
+                <a:lnTo>
+                  <a:pt x="0" y="1241590"/>
+                </a:lnTo>
+                <a:lnTo>
+                  <a:pt x="3859" y="1267495"/>
+                </a:lnTo>
+                <a:lnTo>
+                  <a:pt x="17435" y="1295573"/>
+                </a:lnTo>
+                <a:lnTo>
+                  <a:pt x="43725" y="1318090"/>
+                </a:lnTo>
+                <a:lnTo>
+                  <a:pt x="85725" y="1327315"/>
+                </a:lnTo>
+                <a:lnTo>
+                  <a:pt x="974750" y="1327315"/>
+                </a:lnTo>
+                <a:lnTo>
+                  <a:pt x="1000650" y="1323455"/>
+                </a:lnTo>
+                <a:lnTo>
+                  <a:pt x="1028728" y="1309879"/>
+                </a:lnTo>
+                <a:lnTo>
+                  <a:pt x="1051249" y="1283589"/>
+                </a:lnTo>
+                <a:lnTo>
+                  <a:pt x="1060475" y="1241590"/>
+                </a:lnTo>
+                <a:lnTo>
+                  <a:pt x="1060475" y="85725"/>
+                </a:lnTo>
+                <a:lnTo>
+                  <a:pt x="1056615" y="59819"/>
+                </a:lnTo>
+                <a:lnTo>
+                  <a:pt x="1043039" y="31742"/>
+                </a:lnTo>
+                <a:lnTo>
+                  <a:pt x="1016750" y="9224"/>
+                </a:lnTo>
+                <a:lnTo>
+                  <a:pt x="974750" y="0"/>
+                </a:lnTo>
+                <a:lnTo>
+                  <a:pt x="85725" y="0"/>
+                </a:lnTo>
+                <a:close/>
+              </a:path>
+            </a:pathLst>
+          </a:custGeom>
+          <a:ln w="19050">
+            <a:solidFill>
+              <a:srgbClr val="5BADCE"/>
+            </a:solidFill>
+          </a:ln>
+        </p:spPr>
+        <p:txBody>
+          <a:bodyPr wrap="square" lIns="0" tIns="0" rIns="0" bIns="0" rtlCol="0"/>
+          <a:lstStyle/>
+          <a:p>
+            <a:endParaRPr/>
+          </a:p>
+        </p:txBody>
+      </p:sp>
+      <p:sp>
+        <p:nvSpPr>
+          <p:cNvPr id="16" name="object 16"/>
+          <p:cNvSpPr txBox="1"/>
+          <p:nvPr/>
+        </p:nvSpPr>
+        <p:spPr>
+          <a:xfrm>
+            <a:off x="3264378" y="1310996"/>
+            <a:ext cx="926622" cy="772071"/>
+          </a:xfrm>
+          <a:prstGeom prst="rect">
+            <a:avLst/>
+          </a:prstGeom>
+        </p:spPr>
+        <p:txBody>
+          <a:bodyPr vert="horz" wrap="square" lIns="0" tIns="12700" rIns="0" bIns="0" rtlCol="0">
+            <a:spAutoFit/>
+          </a:bodyPr>
+          <a:lstStyle/>
+          <a:p>
+            <a:pPr marR="5080">
+              <a:lnSpc>
+                <a:spcPct val="111100"/>
+              </a:lnSpc>
+              <a:spcBef>
+                <a:spcPts val="100"/>
+              </a:spcBef>
+            </a:pPr>
+            <a:r>
+              <a:rPr sz="900" dirty="0">
+                <a:solidFill>
+                  <a:srgbClr val="636466"/>
+                </a:solidFill>
+                <a:latin typeface="Roboto-Medium"/>
+                <a:cs typeface="Roboto-Medium"/>
+              </a:rPr>
+              <a:t>Then, </a:t>
+            </a:r>
+            <a:r>
+              <a:rPr sz="900" spc="-5" dirty="0">
+                <a:solidFill>
+                  <a:srgbClr val="636466"/>
+                </a:solidFill>
+                <a:latin typeface="Roboto-Medium"/>
+                <a:cs typeface="Roboto-Medium"/>
+              </a:rPr>
+              <a:t>click </a:t>
+            </a:r>
+            <a:r>
+              <a:rPr sz="900" dirty="0">
+                <a:solidFill>
+                  <a:srgbClr val="636466"/>
+                </a:solidFill>
+                <a:latin typeface="Roboto-Medium"/>
+                <a:cs typeface="Roboto-Medium"/>
+              </a:rPr>
+              <a:t>the  </a:t>
+            </a:r>
+            <a:r>
+              <a:rPr sz="900" b="1" dirty="0">
+                <a:solidFill>
+                  <a:srgbClr val="636466"/>
+                </a:solidFill>
+                <a:latin typeface="Roboto"/>
+                <a:cs typeface="Roboto"/>
+              </a:rPr>
+              <a:t>Costumes</a:t>
+            </a:r>
+            <a:r>
+              <a:rPr sz="900" dirty="0">
+                <a:solidFill>
+                  <a:srgbClr val="636466"/>
+                </a:solidFill>
+                <a:latin typeface="Roboto"/>
+                <a:cs typeface="Roboto"/>
+              </a:rPr>
+              <a:t> </a:t>
+            </a:r>
+            <a:r>
+              <a:rPr sz="900" dirty="0">
+                <a:solidFill>
+                  <a:srgbClr val="636466"/>
+                </a:solidFill>
+                <a:latin typeface="Roboto-Medium"/>
+                <a:cs typeface="Roboto-Medium"/>
+              </a:rPr>
+              <a:t>tab  </a:t>
+            </a:r>
+            <a:r>
+              <a:rPr sz="900" spc="-10" dirty="0">
+                <a:solidFill>
+                  <a:srgbClr val="636466"/>
+                </a:solidFill>
+                <a:latin typeface="Roboto-Medium"/>
+                <a:cs typeface="Roboto-Medium"/>
+              </a:rPr>
+              <a:t>to </a:t>
+            </a:r>
+            <a:r>
+              <a:rPr sz="900" spc="-5" dirty="0">
+                <a:solidFill>
+                  <a:srgbClr val="636466"/>
+                </a:solidFill>
+                <a:latin typeface="Roboto-Medium"/>
+                <a:cs typeface="Roboto-Medium"/>
+              </a:rPr>
+              <a:t>see</a:t>
+            </a:r>
+            <a:r>
+              <a:rPr sz="900" spc="-75" dirty="0">
+                <a:solidFill>
+                  <a:srgbClr val="636466"/>
+                </a:solidFill>
+                <a:latin typeface="Roboto-Medium"/>
+                <a:cs typeface="Roboto-Medium"/>
+              </a:rPr>
+              <a:t> </a:t>
+            </a:r>
+            <a:r>
+              <a:rPr lang="en-US" sz="900" spc="-5" dirty="0">
+                <a:solidFill>
+                  <a:srgbClr val="636466"/>
+                </a:solidFill>
+                <a:latin typeface="Roboto-Medium"/>
+                <a:cs typeface="Roboto-Medium"/>
+              </a:rPr>
+              <a:t>the different  building costumes</a:t>
+            </a:r>
+            <a:r>
+              <a:rPr sz="900" spc="-5" dirty="0">
+                <a:solidFill>
+                  <a:srgbClr val="636466"/>
+                </a:solidFill>
+                <a:latin typeface="Roboto-Medium"/>
+                <a:cs typeface="Roboto-Medium"/>
+              </a:rPr>
+              <a:t>.</a:t>
+            </a:r>
+            <a:endParaRPr sz="900" dirty="0">
+              <a:latin typeface="Roboto-Medium"/>
+              <a:cs typeface="Roboto-Medium"/>
+            </a:endParaRPr>
+          </a:p>
+        </p:txBody>
+      </p:sp>
+      <p:sp>
+        <p:nvSpPr>
+          <p:cNvPr id="17" name="object 17"/>
+          <p:cNvSpPr txBox="1"/>
+          <p:nvPr/>
+        </p:nvSpPr>
+        <p:spPr>
+          <a:xfrm>
+            <a:off x="661010" y="1387196"/>
+            <a:ext cx="936625" cy="305211"/>
+          </a:xfrm>
+          <a:prstGeom prst="rect">
+            <a:avLst/>
+          </a:prstGeom>
+        </p:spPr>
+        <p:txBody>
+          <a:bodyPr vert="horz" wrap="square" lIns="0" tIns="27939" rIns="0" bIns="0" rtlCol="0">
+            <a:spAutoFit/>
+          </a:bodyPr>
+          <a:lstStyle/>
+          <a:p>
+            <a:pPr algn="ctr">
+              <a:lnSpc>
+                <a:spcPct val="100000"/>
+              </a:lnSpc>
+              <a:spcBef>
+                <a:spcPts val="219"/>
+              </a:spcBef>
+            </a:pPr>
+            <a:r>
+              <a:rPr sz="900" dirty="0">
+                <a:solidFill>
+                  <a:srgbClr val="636466"/>
+                </a:solidFill>
+                <a:latin typeface="Roboto-Medium"/>
+                <a:cs typeface="Roboto-Medium"/>
+              </a:rPr>
+              <a:t>Click </a:t>
+            </a:r>
+            <a:r>
+              <a:rPr sz="900" spc="-10" dirty="0">
+                <a:solidFill>
+                  <a:srgbClr val="636466"/>
+                </a:solidFill>
+                <a:latin typeface="Roboto-Medium"/>
+                <a:cs typeface="Roboto-Medium"/>
+              </a:rPr>
+              <a:t>to </a:t>
+            </a:r>
+            <a:r>
+              <a:rPr sz="900" spc="-5" dirty="0">
+                <a:solidFill>
+                  <a:srgbClr val="636466"/>
+                </a:solidFill>
+                <a:latin typeface="Roboto-Medium"/>
+                <a:cs typeface="Roboto-Medium"/>
+              </a:rPr>
+              <a:t>select</a:t>
+            </a:r>
+            <a:r>
+              <a:rPr sz="900" spc="-75" dirty="0">
+                <a:solidFill>
+                  <a:srgbClr val="636466"/>
+                </a:solidFill>
+                <a:latin typeface="Roboto-Medium"/>
+                <a:cs typeface="Roboto-Medium"/>
+              </a:rPr>
+              <a:t> </a:t>
+            </a:r>
+            <a:r>
+              <a:rPr sz="900" dirty="0">
+                <a:solidFill>
+                  <a:srgbClr val="636466"/>
+                </a:solidFill>
+                <a:latin typeface="Roboto-Medium"/>
+                <a:cs typeface="Roboto-Medium"/>
+              </a:rPr>
+              <a:t>the</a:t>
+            </a:r>
+            <a:r>
+              <a:rPr lang="nl-NL" sz="900" dirty="0">
+                <a:latin typeface="Roboto-Medium"/>
+                <a:cs typeface="Roboto-Medium"/>
+              </a:rPr>
+              <a:t> </a:t>
+            </a:r>
+            <a:r>
+              <a:rPr sz="900" dirty="0">
+                <a:solidFill>
+                  <a:srgbClr val="636466"/>
+                </a:solidFill>
+                <a:latin typeface="Roboto"/>
+                <a:cs typeface="Roboto"/>
+              </a:rPr>
+              <a:t>Buildings</a:t>
+            </a:r>
+            <a:r>
+              <a:rPr sz="900" spc="-40" dirty="0">
+                <a:solidFill>
+                  <a:srgbClr val="636466"/>
+                </a:solidFill>
+                <a:latin typeface="Roboto"/>
+                <a:cs typeface="Roboto"/>
+              </a:rPr>
+              <a:t> </a:t>
+            </a:r>
+            <a:r>
+              <a:rPr sz="900" spc="-5" dirty="0">
+                <a:solidFill>
+                  <a:srgbClr val="636466"/>
+                </a:solidFill>
+                <a:latin typeface="Roboto-Medium"/>
+                <a:cs typeface="Roboto-Medium"/>
+              </a:rPr>
+              <a:t>sprite.</a:t>
+            </a:r>
+            <a:endParaRPr sz="900" dirty="0">
+              <a:latin typeface="Roboto-Medium"/>
+              <a:cs typeface="Roboto-Medium"/>
+            </a:endParaRPr>
+          </a:p>
+        </p:txBody>
+      </p:sp>
+      <p:sp>
+        <p:nvSpPr>
+          <p:cNvPr id="18" name="object 18"/>
+          <p:cNvSpPr/>
+          <p:nvPr/>
+        </p:nvSpPr>
+        <p:spPr>
+          <a:xfrm>
+            <a:off x="688619" y="1827022"/>
+            <a:ext cx="879297" cy="605027"/>
+          </a:xfrm>
+          <a:prstGeom prst="rect">
+            <a:avLst/>
+          </a:prstGeom>
+          <a:blipFill>
+            <a:blip r:embed="rId5" cstate="print"/>
+            <a:stretch>
+              <a:fillRect/>
+            </a:stretch>
+          </a:blipFill>
+        </p:spPr>
+        <p:txBody>
+          <a:bodyPr wrap="square" lIns="0" tIns="0" rIns="0" bIns="0" rtlCol="0"/>
+          <a:lstStyle/>
+          <a:p>
+            <a:endParaRPr/>
+          </a:p>
+        </p:txBody>
+      </p:sp>
+      <p:sp>
+        <p:nvSpPr>
+          <p:cNvPr id="19" name="object 19"/>
+          <p:cNvSpPr/>
+          <p:nvPr/>
+        </p:nvSpPr>
+        <p:spPr>
+          <a:xfrm>
+            <a:off x="679098" y="1817497"/>
+            <a:ext cx="898525" cy="624205"/>
+          </a:xfrm>
+          <a:custGeom>
+            <a:avLst/>
+            <a:gdLst/>
+            <a:ahLst/>
+            <a:cxnLst/>
+            <a:rect l="l" t="t" r="r" b="b"/>
+            <a:pathLst>
+              <a:path w="898525" h="624205">
+                <a:moveTo>
+                  <a:pt x="85725" y="0"/>
+                </a:moveTo>
+                <a:lnTo>
+                  <a:pt x="59819" y="3859"/>
+                </a:lnTo>
+                <a:lnTo>
+                  <a:pt x="31742" y="17435"/>
+                </a:lnTo>
+                <a:lnTo>
+                  <a:pt x="9224" y="43725"/>
+                </a:lnTo>
+                <a:lnTo>
+                  <a:pt x="0" y="85725"/>
+                </a:lnTo>
+                <a:lnTo>
+                  <a:pt x="0" y="538353"/>
+                </a:lnTo>
+                <a:lnTo>
+                  <a:pt x="3859" y="564258"/>
+                </a:lnTo>
+                <a:lnTo>
+                  <a:pt x="17435" y="592335"/>
+                </a:lnTo>
+                <a:lnTo>
+                  <a:pt x="43725" y="614853"/>
+                </a:lnTo>
+                <a:lnTo>
+                  <a:pt x="85725" y="624078"/>
+                </a:lnTo>
+                <a:lnTo>
+                  <a:pt x="812609" y="624078"/>
+                </a:lnTo>
+                <a:lnTo>
+                  <a:pt x="838514" y="620218"/>
+                </a:lnTo>
+                <a:lnTo>
+                  <a:pt x="866592" y="606642"/>
+                </a:lnTo>
+                <a:lnTo>
+                  <a:pt x="889110" y="580352"/>
+                </a:lnTo>
+                <a:lnTo>
+                  <a:pt x="898334" y="538353"/>
+                </a:lnTo>
+                <a:lnTo>
+                  <a:pt x="898334" y="85725"/>
+                </a:lnTo>
+                <a:lnTo>
+                  <a:pt x="894476" y="59819"/>
+                </a:lnTo>
+                <a:lnTo>
+                  <a:pt x="880903" y="31742"/>
+                </a:lnTo>
+                <a:lnTo>
+                  <a:pt x="854614" y="9224"/>
+                </a:lnTo>
+                <a:lnTo>
+                  <a:pt x="812609" y="0"/>
+                </a:lnTo>
+                <a:lnTo>
+                  <a:pt x="85725" y="0"/>
+                </a:lnTo>
+                <a:close/>
+              </a:path>
+            </a:pathLst>
+          </a:custGeom>
+          <a:ln w="19050">
+            <a:solidFill>
+              <a:srgbClr val="5BADCE"/>
+            </a:solidFill>
+          </a:ln>
+        </p:spPr>
+        <p:txBody>
+          <a:bodyPr wrap="square" lIns="0" tIns="0" rIns="0" bIns="0" rtlCol="0"/>
+          <a:lstStyle/>
+          <a:p>
+            <a:endParaRPr/>
+          </a:p>
+        </p:txBody>
+      </p:sp>
+      <p:sp>
+        <p:nvSpPr>
+          <p:cNvPr id="20" name="object 20"/>
+          <p:cNvSpPr/>
+          <p:nvPr/>
+        </p:nvSpPr>
+        <p:spPr>
+          <a:xfrm>
+            <a:off x="359117" y="3282950"/>
+            <a:ext cx="418414" cy="419100"/>
+          </a:xfrm>
+          <a:prstGeom prst="rect">
+            <a:avLst/>
+          </a:prstGeom>
+          <a:blipFill>
+            <a:blip r:embed="rId6" cstate="print"/>
+            <a:stretch>
+              <a:fillRect/>
+            </a:stretch>
+          </a:blipFill>
+        </p:spPr>
+        <p:txBody>
+          <a:bodyPr wrap="square" lIns="0" tIns="0" rIns="0" bIns="0" rtlCol="0"/>
+          <a:lstStyle/>
+          <a:p>
+            <a:endParaRPr/>
+          </a:p>
+        </p:txBody>
+      </p:sp>
+      <p:sp>
+        <p:nvSpPr>
+          <p:cNvPr id="21" name="object 21"/>
+          <p:cNvSpPr/>
+          <p:nvPr/>
+        </p:nvSpPr>
+        <p:spPr>
+          <a:xfrm>
+            <a:off x="346616" y="3273425"/>
+            <a:ext cx="440690" cy="438150"/>
+          </a:xfrm>
+          <a:custGeom>
+            <a:avLst/>
+            <a:gdLst/>
+            <a:ahLst/>
+            <a:cxnLst/>
+            <a:rect l="l" t="t" r="r" b="b"/>
+            <a:pathLst>
+              <a:path w="440690" h="438150">
+                <a:moveTo>
+                  <a:pt x="85725" y="0"/>
+                </a:moveTo>
+                <a:lnTo>
+                  <a:pt x="59819" y="3859"/>
+                </a:lnTo>
+                <a:lnTo>
+                  <a:pt x="31742" y="17435"/>
+                </a:lnTo>
+                <a:lnTo>
+                  <a:pt x="9224" y="43725"/>
+                </a:lnTo>
+                <a:lnTo>
+                  <a:pt x="0" y="85725"/>
+                </a:lnTo>
+                <a:lnTo>
+                  <a:pt x="0" y="352425"/>
+                </a:lnTo>
+                <a:lnTo>
+                  <a:pt x="3859" y="378330"/>
+                </a:lnTo>
+                <a:lnTo>
+                  <a:pt x="17435" y="406407"/>
+                </a:lnTo>
+                <a:lnTo>
+                  <a:pt x="43725" y="428925"/>
+                </a:lnTo>
+                <a:lnTo>
+                  <a:pt x="85725" y="438150"/>
+                </a:lnTo>
+                <a:lnTo>
+                  <a:pt x="354711" y="438150"/>
+                </a:lnTo>
+                <a:lnTo>
+                  <a:pt x="380610" y="434290"/>
+                </a:lnTo>
+                <a:lnTo>
+                  <a:pt x="408689" y="420714"/>
+                </a:lnTo>
+                <a:lnTo>
+                  <a:pt x="431209" y="394424"/>
+                </a:lnTo>
+                <a:lnTo>
+                  <a:pt x="440436" y="352425"/>
+                </a:lnTo>
+                <a:lnTo>
+                  <a:pt x="440436" y="85725"/>
+                </a:lnTo>
+                <a:lnTo>
+                  <a:pt x="436576" y="59819"/>
+                </a:lnTo>
+                <a:lnTo>
+                  <a:pt x="423000" y="31742"/>
+                </a:lnTo>
+                <a:lnTo>
+                  <a:pt x="396710" y="9224"/>
+                </a:lnTo>
+                <a:lnTo>
+                  <a:pt x="354711" y="0"/>
+                </a:lnTo>
+                <a:lnTo>
+                  <a:pt x="85725" y="0"/>
+                </a:lnTo>
+                <a:close/>
+              </a:path>
+            </a:pathLst>
+          </a:custGeom>
+          <a:ln w="19049">
+            <a:solidFill>
+              <a:srgbClr val="5BADCE"/>
+            </a:solidFill>
+          </a:ln>
+        </p:spPr>
+        <p:txBody>
+          <a:bodyPr wrap="square" lIns="0" tIns="0" rIns="0" bIns="0" rtlCol="0"/>
+          <a:lstStyle/>
+          <a:p>
+            <a:endParaRPr/>
+          </a:p>
+        </p:txBody>
+      </p:sp>
+      <p:sp>
+        <p:nvSpPr>
+          <p:cNvPr id="22" name="object 22"/>
+          <p:cNvSpPr txBox="1"/>
+          <p:nvPr/>
+        </p:nvSpPr>
+        <p:spPr>
+          <a:xfrm>
+            <a:off x="3189606" y="4048125"/>
+            <a:ext cx="925194" cy="310791"/>
+          </a:xfrm>
+          <a:prstGeom prst="rect">
+            <a:avLst/>
+          </a:prstGeom>
+        </p:spPr>
+        <p:txBody>
+          <a:bodyPr vert="horz" wrap="square" lIns="0" tIns="12700" rIns="0" bIns="0" rtlCol="0">
+            <a:spAutoFit/>
+          </a:bodyPr>
+          <a:lstStyle/>
+          <a:p>
+            <a:pPr marR="5080">
+              <a:lnSpc>
+                <a:spcPct val="111100"/>
+              </a:lnSpc>
+              <a:spcBef>
+                <a:spcPts val="100"/>
+              </a:spcBef>
+            </a:pPr>
+            <a:r>
+              <a:rPr sz="900" dirty="0">
+                <a:solidFill>
+                  <a:srgbClr val="636466"/>
+                </a:solidFill>
+                <a:latin typeface="Roboto-Medium"/>
+                <a:cs typeface="Roboto-Medium"/>
+              </a:rPr>
+              <a:t>Add this block </a:t>
+            </a:r>
+            <a:r>
+              <a:rPr sz="900" spc="-10" dirty="0">
+                <a:solidFill>
+                  <a:srgbClr val="636466"/>
+                </a:solidFill>
+                <a:latin typeface="Roboto-Medium"/>
+                <a:cs typeface="Roboto-Medium"/>
+              </a:rPr>
+              <a:t>to  </a:t>
+            </a:r>
+            <a:r>
+              <a:rPr sz="900" spc="-5" dirty="0">
+                <a:solidFill>
+                  <a:srgbClr val="636466"/>
+                </a:solidFill>
+                <a:latin typeface="Roboto-Medium"/>
+                <a:cs typeface="Roboto-Medium"/>
+              </a:rPr>
+              <a:t>switch</a:t>
+            </a:r>
+            <a:r>
+              <a:rPr sz="900" spc="-75" dirty="0">
+                <a:solidFill>
+                  <a:srgbClr val="636466"/>
+                </a:solidFill>
+                <a:latin typeface="Roboto-Medium"/>
+                <a:cs typeface="Roboto-Medium"/>
+              </a:rPr>
+              <a:t> </a:t>
+            </a:r>
+            <a:r>
+              <a:rPr sz="900" spc="-5" dirty="0">
+                <a:solidFill>
+                  <a:srgbClr val="636466"/>
+                </a:solidFill>
+                <a:latin typeface="Roboto-Medium"/>
+                <a:cs typeface="Roboto-Medium"/>
+              </a:rPr>
+              <a:t>costumes.</a:t>
+            </a:r>
+            <a:endParaRPr sz="900" dirty="0">
+              <a:latin typeface="Roboto-Medium"/>
+              <a:cs typeface="Roboto-Medium"/>
+            </a:endParaRPr>
+          </a:p>
+        </p:txBody>
+      </p:sp>
+      <p:sp>
+        <p:nvSpPr>
+          <p:cNvPr id="23" name="object 23"/>
+          <p:cNvSpPr txBox="1"/>
+          <p:nvPr/>
+        </p:nvSpPr>
+        <p:spPr>
+          <a:xfrm>
+            <a:off x="324391" y="3908287"/>
+            <a:ext cx="1434782" cy="151323"/>
           </a:xfrm>
           <a:prstGeom prst="rect">
             <a:avLst/>
@@ -38629,988 +39646,6 @@
               </a:spcBef>
             </a:pPr>
             <a:r>
-              <a:rPr sz="1200" b="1" spc="50" dirty="0">
-                <a:solidFill>
-                  <a:srgbClr val="5BADCE"/>
-                </a:solidFill>
-                <a:latin typeface="Montserrat-Black"/>
-                <a:cs typeface="Montserrat-Black"/>
-              </a:rPr>
-              <a:t>GET</a:t>
-            </a:r>
-            <a:r>
-              <a:rPr sz="1200" b="1" spc="100" dirty="0">
-                <a:solidFill>
-                  <a:srgbClr val="5BADCE"/>
-                </a:solidFill>
-                <a:latin typeface="Montserrat-Black"/>
-                <a:cs typeface="Montserrat-Black"/>
-              </a:rPr>
-              <a:t> </a:t>
-            </a:r>
-            <a:r>
-              <a:rPr sz="1200" b="1" spc="55" dirty="0">
-                <a:solidFill>
-                  <a:srgbClr val="5BADCE"/>
-                </a:solidFill>
-                <a:latin typeface="Montserrat-Black"/>
-                <a:cs typeface="Montserrat-Black"/>
-              </a:rPr>
-              <a:t>READY</a:t>
-            </a:r>
-            <a:endParaRPr sz="1200" dirty="0">
-              <a:latin typeface="Montserrat-Black"/>
-              <a:cs typeface="Montserrat-Black"/>
-            </a:endParaRPr>
-          </a:p>
-        </p:txBody>
-      </p:sp>
-      <p:sp>
-        <p:nvSpPr>
-          <p:cNvPr id="11" name="object 11"/>
-          <p:cNvSpPr txBox="1">
-            <a:spLocks noGrp="1"/>
-          </p:cNvSpPr>
-          <p:nvPr>
-            <p:ph type="title"/>
-          </p:nvPr>
-        </p:nvSpPr>
-        <p:spPr>
-          <a:xfrm>
-            <a:off x="215900" y="282342"/>
-            <a:ext cx="2233295" cy="515620"/>
-          </a:xfrm>
-          <a:prstGeom prst="rect">
-            <a:avLst/>
-          </a:prstGeom>
-        </p:spPr>
-        <p:txBody>
-          <a:bodyPr vert="horz" wrap="square" lIns="0" tIns="12700" rIns="0" bIns="0" rtlCol="0">
-            <a:spAutoFit/>
-          </a:bodyPr>
-          <a:lstStyle/>
-          <a:p>
-            <a:pPr marL="12700">
-              <a:lnSpc>
-                <a:spcPts val="2830"/>
-              </a:lnSpc>
-              <a:spcBef>
-                <a:spcPts val="100"/>
-              </a:spcBef>
-            </a:pPr>
-            <a:r>
-              <a:rPr sz="2400" spc="-15" dirty="0"/>
-              <a:t>Switch</a:t>
-            </a:r>
-            <a:r>
-              <a:rPr sz="2400" spc="-70" dirty="0"/>
-              <a:t> </a:t>
-            </a:r>
-            <a:r>
-              <a:rPr sz="2400" spc="-10" dirty="0"/>
-              <a:t>Looks</a:t>
-            </a:r>
-            <a:endParaRPr sz="2400"/>
-          </a:p>
-          <a:p>
-            <a:pPr marL="12700">
-              <a:lnSpc>
-                <a:spcPts val="1030"/>
-              </a:lnSpc>
-            </a:pPr>
-            <a:r>
-              <a:rPr sz="900" b="0" spc="-5" dirty="0">
-                <a:latin typeface="Roboto-Medium"/>
-                <a:cs typeface="Roboto-Medium"/>
-              </a:rPr>
-              <a:t>scratch.mit.edu</a:t>
-            </a:r>
-            <a:endParaRPr sz="900">
-              <a:latin typeface="Roboto-Medium"/>
-              <a:cs typeface="Roboto-Medium"/>
-            </a:endParaRPr>
-          </a:p>
-        </p:txBody>
-      </p:sp>
-      <p:sp>
-        <p:nvSpPr>
-          <p:cNvPr id="12" name="object 12"/>
-          <p:cNvSpPr/>
-          <p:nvPr/>
-        </p:nvSpPr>
-        <p:spPr>
-          <a:xfrm>
-            <a:off x="0" y="5194300"/>
-            <a:ext cx="4572000" cy="1206500"/>
-          </a:xfrm>
-          <a:custGeom>
-            <a:avLst/>
-            <a:gdLst/>
-            <a:ahLst/>
-            <a:cxnLst/>
-            <a:rect l="l" t="t" r="r" b="b"/>
-            <a:pathLst>
-              <a:path w="4572000" h="1206500">
-                <a:moveTo>
-                  <a:pt x="0" y="1206500"/>
-                </a:moveTo>
-                <a:lnTo>
-                  <a:pt x="4572000" y="1206500"/>
-                </a:lnTo>
-                <a:lnTo>
-                  <a:pt x="4572000" y="0"/>
-                </a:lnTo>
-                <a:lnTo>
-                  <a:pt x="0" y="0"/>
-                </a:lnTo>
-                <a:lnTo>
-                  <a:pt x="0" y="1206500"/>
-                </a:lnTo>
-                <a:close/>
-              </a:path>
-            </a:pathLst>
-          </a:custGeom>
-          <a:solidFill>
-            <a:srgbClr val="CCE7D3"/>
-          </a:solidFill>
-        </p:spPr>
-        <p:txBody>
-          <a:bodyPr wrap="square" lIns="0" tIns="0" rIns="0" bIns="0" rtlCol="0"/>
-          <a:lstStyle/>
-          <a:p>
-            <a:endParaRPr/>
-          </a:p>
-        </p:txBody>
-      </p:sp>
-      <p:sp>
-        <p:nvSpPr>
-          <p:cNvPr id="13" name="object 13"/>
-          <p:cNvSpPr/>
-          <p:nvPr/>
-        </p:nvSpPr>
-        <p:spPr>
-          <a:xfrm>
-            <a:off x="0" y="5181600"/>
-            <a:ext cx="4572000" cy="25400"/>
-          </a:xfrm>
-          <a:custGeom>
-            <a:avLst/>
-            <a:gdLst/>
-            <a:ahLst/>
-            <a:cxnLst/>
-            <a:rect l="l" t="t" r="r" b="b"/>
-            <a:pathLst>
-              <a:path w="4572000" h="25400">
-                <a:moveTo>
-                  <a:pt x="0" y="25400"/>
-                </a:moveTo>
-                <a:lnTo>
-                  <a:pt x="4572000" y="25400"/>
-                </a:lnTo>
-                <a:lnTo>
-                  <a:pt x="4572000" y="0"/>
-                </a:lnTo>
-                <a:lnTo>
-                  <a:pt x="0" y="0"/>
-                </a:lnTo>
-                <a:lnTo>
-                  <a:pt x="0" y="25400"/>
-                </a:lnTo>
-                <a:close/>
-              </a:path>
-            </a:pathLst>
-          </a:custGeom>
-          <a:solidFill>
-            <a:srgbClr val="FFFFFF"/>
-          </a:solidFill>
-        </p:spPr>
-        <p:txBody>
-          <a:bodyPr wrap="square" lIns="0" tIns="0" rIns="0" bIns="0" rtlCol="0"/>
-          <a:lstStyle/>
-          <a:p>
-            <a:endParaRPr/>
-          </a:p>
-        </p:txBody>
-      </p:sp>
-      <p:sp>
-        <p:nvSpPr>
-          <p:cNvPr id="14" name="object 14"/>
-          <p:cNvSpPr/>
-          <p:nvPr/>
-        </p:nvSpPr>
-        <p:spPr>
-          <a:xfrm>
-            <a:off x="2083561" y="1363484"/>
-            <a:ext cx="1041425" cy="1307388"/>
-          </a:xfrm>
-          <a:prstGeom prst="rect">
-            <a:avLst/>
-          </a:prstGeom>
-          <a:blipFill>
-            <a:blip r:embed="rId4" cstate="print"/>
-            <a:stretch>
-              <a:fillRect/>
-            </a:stretch>
-          </a:blipFill>
-        </p:spPr>
-        <p:txBody>
-          <a:bodyPr wrap="square" lIns="0" tIns="0" rIns="0" bIns="0" rtlCol="0"/>
-          <a:lstStyle/>
-          <a:p>
-            <a:endParaRPr/>
-          </a:p>
-        </p:txBody>
-      </p:sp>
-      <p:sp>
-        <p:nvSpPr>
-          <p:cNvPr id="15" name="object 15"/>
-          <p:cNvSpPr/>
-          <p:nvPr/>
-        </p:nvSpPr>
-        <p:spPr>
-          <a:xfrm>
-            <a:off x="2074036" y="1353079"/>
-            <a:ext cx="1061085" cy="1327785"/>
-          </a:xfrm>
-          <a:custGeom>
-            <a:avLst/>
-            <a:gdLst/>
-            <a:ahLst/>
-            <a:cxnLst/>
-            <a:rect l="l" t="t" r="r" b="b"/>
-            <a:pathLst>
-              <a:path w="1061085" h="1327785">
-                <a:moveTo>
-                  <a:pt x="85725" y="0"/>
-                </a:moveTo>
-                <a:lnTo>
-                  <a:pt x="59819" y="3859"/>
-                </a:lnTo>
-                <a:lnTo>
-                  <a:pt x="31742" y="17435"/>
-                </a:lnTo>
-                <a:lnTo>
-                  <a:pt x="9224" y="43725"/>
-                </a:lnTo>
-                <a:lnTo>
-                  <a:pt x="0" y="85725"/>
-                </a:lnTo>
-                <a:lnTo>
-                  <a:pt x="0" y="1241590"/>
-                </a:lnTo>
-                <a:lnTo>
-                  <a:pt x="3859" y="1267495"/>
-                </a:lnTo>
-                <a:lnTo>
-                  <a:pt x="17435" y="1295573"/>
-                </a:lnTo>
-                <a:lnTo>
-                  <a:pt x="43725" y="1318090"/>
-                </a:lnTo>
-                <a:lnTo>
-                  <a:pt x="85725" y="1327315"/>
-                </a:lnTo>
-                <a:lnTo>
-                  <a:pt x="974750" y="1327315"/>
-                </a:lnTo>
-                <a:lnTo>
-                  <a:pt x="1000650" y="1323455"/>
-                </a:lnTo>
-                <a:lnTo>
-                  <a:pt x="1028728" y="1309879"/>
-                </a:lnTo>
-                <a:lnTo>
-                  <a:pt x="1051249" y="1283589"/>
-                </a:lnTo>
-                <a:lnTo>
-                  <a:pt x="1060475" y="1241590"/>
-                </a:lnTo>
-                <a:lnTo>
-                  <a:pt x="1060475" y="85725"/>
-                </a:lnTo>
-                <a:lnTo>
-                  <a:pt x="1056615" y="59819"/>
-                </a:lnTo>
-                <a:lnTo>
-                  <a:pt x="1043039" y="31742"/>
-                </a:lnTo>
-                <a:lnTo>
-                  <a:pt x="1016750" y="9224"/>
-                </a:lnTo>
-                <a:lnTo>
-                  <a:pt x="974750" y="0"/>
-                </a:lnTo>
-                <a:lnTo>
-                  <a:pt x="85725" y="0"/>
-                </a:lnTo>
-                <a:close/>
-              </a:path>
-            </a:pathLst>
-          </a:custGeom>
-          <a:ln w="19050">
-            <a:solidFill>
-              <a:srgbClr val="5BADCE"/>
-            </a:solidFill>
-          </a:ln>
-        </p:spPr>
-        <p:txBody>
-          <a:bodyPr wrap="square" lIns="0" tIns="0" rIns="0" bIns="0" rtlCol="0"/>
-          <a:lstStyle/>
-          <a:p>
-            <a:endParaRPr/>
-          </a:p>
-        </p:txBody>
-      </p:sp>
-      <p:sp>
-        <p:nvSpPr>
-          <p:cNvPr id="16" name="object 16"/>
-          <p:cNvSpPr txBox="1"/>
-          <p:nvPr/>
-        </p:nvSpPr>
-        <p:spPr>
-          <a:xfrm>
-            <a:off x="3264378" y="1310996"/>
-            <a:ext cx="926622" cy="772071"/>
-          </a:xfrm>
-          <a:prstGeom prst="rect">
-            <a:avLst/>
-          </a:prstGeom>
-        </p:spPr>
-        <p:txBody>
-          <a:bodyPr vert="horz" wrap="square" lIns="0" tIns="12700" rIns="0" bIns="0" rtlCol="0">
-            <a:spAutoFit/>
-          </a:bodyPr>
-          <a:lstStyle/>
-          <a:p>
-            <a:pPr marL="12700" marR="5080">
-              <a:lnSpc>
-                <a:spcPct val="111100"/>
-              </a:lnSpc>
-              <a:spcBef>
-                <a:spcPts val="100"/>
-              </a:spcBef>
-            </a:pPr>
-            <a:r>
-              <a:rPr sz="900" dirty="0">
-                <a:solidFill>
-                  <a:srgbClr val="636466"/>
-                </a:solidFill>
-                <a:latin typeface="Roboto-Medium"/>
-                <a:cs typeface="Roboto-Medium"/>
-              </a:rPr>
-              <a:t>Then, </a:t>
-            </a:r>
-            <a:r>
-              <a:rPr sz="900" spc="-5" dirty="0">
-                <a:solidFill>
-                  <a:srgbClr val="636466"/>
-                </a:solidFill>
-                <a:latin typeface="Roboto-Medium"/>
-                <a:cs typeface="Roboto-Medium"/>
-              </a:rPr>
-              <a:t>click </a:t>
-            </a:r>
-            <a:r>
-              <a:rPr sz="900" dirty="0">
-                <a:solidFill>
-                  <a:srgbClr val="636466"/>
-                </a:solidFill>
-                <a:latin typeface="Roboto-Medium"/>
-                <a:cs typeface="Roboto-Medium"/>
-              </a:rPr>
-              <a:t>the  </a:t>
-            </a:r>
-            <a:r>
-              <a:rPr sz="900" b="1" dirty="0">
-                <a:solidFill>
-                  <a:srgbClr val="636466"/>
-                </a:solidFill>
-                <a:latin typeface="Roboto"/>
-                <a:cs typeface="Roboto"/>
-              </a:rPr>
-              <a:t>Costumes</a:t>
-            </a:r>
-            <a:r>
-              <a:rPr sz="900" dirty="0">
-                <a:solidFill>
-                  <a:srgbClr val="636466"/>
-                </a:solidFill>
-                <a:latin typeface="Roboto"/>
-                <a:cs typeface="Roboto"/>
-              </a:rPr>
-              <a:t> </a:t>
-            </a:r>
-            <a:r>
-              <a:rPr sz="900" dirty="0">
-                <a:solidFill>
-                  <a:srgbClr val="636466"/>
-                </a:solidFill>
-                <a:latin typeface="Roboto-Medium"/>
-                <a:cs typeface="Roboto-Medium"/>
-              </a:rPr>
-              <a:t>tab  </a:t>
-            </a:r>
-            <a:r>
-              <a:rPr sz="900" spc="-10" dirty="0">
-                <a:solidFill>
-                  <a:srgbClr val="636466"/>
-                </a:solidFill>
-                <a:latin typeface="Roboto-Medium"/>
-                <a:cs typeface="Roboto-Medium"/>
-              </a:rPr>
-              <a:t>to </a:t>
-            </a:r>
-            <a:r>
-              <a:rPr sz="900" spc="-5" dirty="0">
-                <a:solidFill>
-                  <a:srgbClr val="636466"/>
-                </a:solidFill>
-                <a:latin typeface="Roboto-Medium"/>
-                <a:cs typeface="Roboto-Medium"/>
-              </a:rPr>
-              <a:t>see</a:t>
-            </a:r>
-            <a:r>
-              <a:rPr sz="900" spc="-75" dirty="0">
-                <a:solidFill>
-                  <a:srgbClr val="636466"/>
-                </a:solidFill>
-                <a:latin typeface="Roboto-Medium"/>
-                <a:cs typeface="Roboto-Medium"/>
-              </a:rPr>
-              <a:t> </a:t>
-            </a:r>
-            <a:r>
-              <a:rPr lang="en-US" sz="900" spc="-5" dirty="0">
-                <a:solidFill>
-                  <a:srgbClr val="636466"/>
-                </a:solidFill>
-                <a:latin typeface="Roboto-Medium"/>
-                <a:cs typeface="Roboto-Medium"/>
-              </a:rPr>
-              <a:t>the different  building costumes</a:t>
-            </a:r>
-            <a:r>
-              <a:rPr sz="900" spc="-5" dirty="0">
-                <a:solidFill>
-                  <a:srgbClr val="636466"/>
-                </a:solidFill>
-                <a:latin typeface="Roboto-Medium"/>
-                <a:cs typeface="Roboto-Medium"/>
-              </a:rPr>
-              <a:t>.</a:t>
-            </a:r>
-            <a:endParaRPr sz="900" dirty="0">
-              <a:latin typeface="Roboto-Medium"/>
-              <a:cs typeface="Roboto-Medium"/>
-            </a:endParaRPr>
-          </a:p>
-        </p:txBody>
-      </p:sp>
-      <p:sp>
-        <p:nvSpPr>
-          <p:cNvPr id="17" name="object 17"/>
-          <p:cNvSpPr txBox="1"/>
-          <p:nvPr/>
-        </p:nvSpPr>
-        <p:spPr>
-          <a:xfrm>
-            <a:off x="661010" y="1387196"/>
-            <a:ext cx="936625" cy="330200"/>
-          </a:xfrm>
-          <a:prstGeom prst="rect">
-            <a:avLst/>
-          </a:prstGeom>
-        </p:spPr>
-        <p:txBody>
-          <a:bodyPr vert="horz" wrap="square" lIns="0" tIns="27939" rIns="0" bIns="0" rtlCol="0">
-            <a:spAutoFit/>
-          </a:bodyPr>
-          <a:lstStyle/>
-          <a:p>
-            <a:pPr marL="12700">
-              <a:lnSpc>
-                <a:spcPct val="100000"/>
-              </a:lnSpc>
-              <a:spcBef>
-                <a:spcPts val="219"/>
-              </a:spcBef>
-            </a:pPr>
-            <a:r>
-              <a:rPr sz="900" dirty="0">
-                <a:solidFill>
-                  <a:srgbClr val="636466"/>
-                </a:solidFill>
-                <a:latin typeface="Roboto-Medium"/>
-                <a:cs typeface="Roboto-Medium"/>
-              </a:rPr>
-              <a:t>Click </a:t>
-            </a:r>
-            <a:r>
-              <a:rPr sz="900" spc="-10" dirty="0">
-                <a:solidFill>
-                  <a:srgbClr val="636466"/>
-                </a:solidFill>
-                <a:latin typeface="Roboto-Medium"/>
-                <a:cs typeface="Roboto-Medium"/>
-              </a:rPr>
-              <a:t>to </a:t>
-            </a:r>
-            <a:r>
-              <a:rPr sz="900" spc="-5" dirty="0">
-                <a:solidFill>
-                  <a:srgbClr val="636466"/>
-                </a:solidFill>
-                <a:latin typeface="Roboto-Medium"/>
-                <a:cs typeface="Roboto-Medium"/>
-              </a:rPr>
-              <a:t>select</a:t>
-            </a:r>
-            <a:r>
-              <a:rPr sz="900" spc="-75" dirty="0">
-                <a:solidFill>
-                  <a:srgbClr val="636466"/>
-                </a:solidFill>
-                <a:latin typeface="Roboto-Medium"/>
-                <a:cs typeface="Roboto-Medium"/>
-              </a:rPr>
-              <a:t> </a:t>
-            </a:r>
-            <a:r>
-              <a:rPr sz="900" dirty="0">
-                <a:solidFill>
-                  <a:srgbClr val="636466"/>
-                </a:solidFill>
-                <a:latin typeface="Roboto-Medium"/>
-                <a:cs typeface="Roboto-Medium"/>
-              </a:rPr>
-              <a:t>the</a:t>
-            </a:r>
-            <a:endParaRPr sz="900" dirty="0">
-              <a:latin typeface="Roboto-Medium"/>
-              <a:cs typeface="Roboto-Medium"/>
-            </a:endParaRPr>
-          </a:p>
-          <a:p>
-            <a:pPr marL="57785">
-              <a:lnSpc>
-                <a:spcPct val="100000"/>
-              </a:lnSpc>
-              <a:spcBef>
-                <a:spcPts val="120"/>
-              </a:spcBef>
-            </a:pPr>
-            <a:r>
-              <a:rPr sz="900" dirty="0">
-                <a:solidFill>
-                  <a:srgbClr val="636466"/>
-                </a:solidFill>
-                <a:latin typeface="Roboto"/>
-                <a:cs typeface="Roboto"/>
-              </a:rPr>
-              <a:t>Buildings</a:t>
-            </a:r>
-            <a:r>
-              <a:rPr sz="900" spc="-40" dirty="0">
-                <a:solidFill>
-                  <a:srgbClr val="636466"/>
-                </a:solidFill>
-                <a:latin typeface="Roboto"/>
-                <a:cs typeface="Roboto"/>
-              </a:rPr>
-              <a:t> </a:t>
-            </a:r>
-            <a:r>
-              <a:rPr sz="900" spc="-5" dirty="0">
-                <a:solidFill>
-                  <a:srgbClr val="636466"/>
-                </a:solidFill>
-                <a:latin typeface="Roboto-Medium"/>
-                <a:cs typeface="Roboto-Medium"/>
-              </a:rPr>
-              <a:t>sprite.</a:t>
-            </a:r>
-            <a:endParaRPr sz="900" dirty="0">
-              <a:latin typeface="Roboto-Medium"/>
-              <a:cs typeface="Roboto-Medium"/>
-            </a:endParaRPr>
-          </a:p>
-        </p:txBody>
-      </p:sp>
-      <p:sp>
-        <p:nvSpPr>
-          <p:cNvPr id="18" name="object 18"/>
-          <p:cNvSpPr/>
-          <p:nvPr/>
-        </p:nvSpPr>
-        <p:spPr>
-          <a:xfrm>
-            <a:off x="688619" y="1827022"/>
-            <a:ext cx="879297" cy="605027"/>
-          </a:xfrm>
-          <a:prstGeom prst="rect">
-            <a:avLst/>
-          </a:prstGeom>
-          <a:blipFill>
-            <a:blip r:embed="rId5" cstate="print"/>
-            <a:stretch>
-              <a:fillRect/>
-            </a:stretch>
-          </a:blipFill>
-        </p:spPr>
-        <p:txBody>
-          <a:bodyPr wrap="square" lIns="0" tIns="0" rIns="0" bIns="0" rtlCol="0"/>
-          <a:lstStyle/>
-          <a:p>
-            <a:endParaRPr/>
-          </a:p>
-        </p:txBody>
-      </p:sp>
-      <p:sp>
-        <p:nvSpPr>
-          <p:cNvPr id="19" name="object 19"/>
-          <p:cNvSpPr/>
-          <p:nvPr/>
-        </p:nvSpPr>
-        <p:spPr>
-          <a:xfrm>
-            <a:off x="679098" y="1817497"/>
-            <a:ext cx="898525" cy="624205"/>
-          </a:xfrm>
-          <a:custGeom>
-            <a:avLst/>
-            <a:gdLst/>
-            <a:ahLst/>
-            <a:cxnLst/>
-            <a:rect l="l" t="t" r="r" b="b"/>
-            <a:pathLst>
-              <a:path w="898525" h="624205">
-                <a:moveTo>
-                  <a:pt x="85725" y="0"/>
-                </a:moveTo>
-                <a:lnTo>
-                  <a:pt x="59819" y="3859"/>
-                </a:lnTo>
-                <a:lnTo>
-                  <a:pt x="31742" y="17435"/>
-                </a:lnTo>
-                <a:lnTo>
-                  <a:pt x="9224" y="43725"/>
-                </a:lnTo>
-                <a:lnTo>
-                  <a:pt x="0" y="85725"/>
-                </a:lnTo>
-                <a:lnTo>
-                  <a:pt x="0" y="538353"/>
-                </a:lnTo>
-                <a:lnTo>
-                  <a:pt x="3859" y="564258"/>
-                </a:lnTo>
-                <a:lnTo>
-                  <a:pt x="17435" y="592335"/>
-                </a:lnTo>
-                <a:lnTo>
-                  <a:pt x="43725" y="614853"/>
-                </a:lnTo>
-                <a:lnTo>
-                  <a:pt x="85725" y="624078"/>
-                </a:lnTo>
-                <a:lnTo>
-                  <a:pt x="812609" y="624078"/>
-                </a:lnTo>
-                <a:lnTo>
-                  <a:pt x="838514" y="620218"/>
-                </a:lnTo>
-                <a:lnTo>
-                  <a:pt x="866592" y="606642"/>
-                </a:lnTo>
-                <a:lnTo>
-                  <a:pt x="889110" y="580352"/>
-                </a:lnTo>
-                <a:lnTo>
-                  <a:pt x="898334" y="538353"/>
-                </a:lnTo>
-                <a:lnTo>
-                  <a:pt x="898334" y="85725"/>
-                </a:lnTo>
-                <a:lnTo>
-                  <a:pt x="894476" y="59819"/>
-                </a:lnTo>
-                <a:lnTo>
-                  <a:pt x="880903" y="31742"/>
-                </a:lnTo>
-                <a:lnTo>
-                  <a:pt x="854614" y="9224"/>
-                </a:lnTo>
-                <a:lnTo>
-                  <a:pt x="812609" y="0"/>
-                </a:lnTo>
-                <a:lnTo>
-                  <a:pt x="85725" y="0"/>
-                </a:lnTo>
-                <a:close/>
-              </a:path>
-            </a:pathLst>
-          </a:custGeom>
-          <a:ln w="19050">
-            <a:solidFill>
-              <a:srgbClr val="5BADCE"/>
-            </a:solidFill>
-          </a:ln>
-        </p:spPr>
-        <p:txBody>
-          <a:bodyPr wrap="square" lIns="0" tIns="0" rIns="0" bIns="0" rtlCol="0"/>
-          <a:lstStyle/>
-          <a:p>
-            <a:endParaRPr/>
-          </a:p>
-        </p:txBody>
-      </p:sp>
-      <p:sp>
-        <p:nvSpPr>
-          <p:cNvPr id="20" name="object 20"/>
-          <p:cNvSpPr/>
-          <p:nvPr/>
-        </p:nvSpPr>
-        <p:spPr>
-          <a:xfrm>
-            <a:off x="359117" y="3282950"/>
-            <a:ext cx="418414" cy="419100"/>
-          </a:xfrm>
-          <a:prstGeom prst="rect">
-            <a:avLst/>
-          </a:prstGeom>
-          <a:blipFill>
-            <a:blip r:embed="rId6" cstate="print"/>
-            <a:stretch>
-              <a:fillRect/>
-            </a:stretch>
-          </a:blipFill>
-        </p:spPr>
-        <p:txBody>
-          <a:bodyPr wrap="square" lIns="0" tIns="0" rIns="0" bIns="0" rtlCol="0"/>
-          <a:lstStyle/>
-          <a:p>
-            <a:endParaRPr/>
-          </a:p>
-        </p:txBody>
-      </p:sp>
-      <p:sp>
-        <p:nvSpPr>
-          <p:cNvPr id="21" name="object 21"/>
-          <p:cNvSpPr/>
-          <p:nvPr/>
-        </p:nvSpPr>
-        <p:spPr>
-          <a:xfrm>
-            <a:off x="346616" y="3273425"/>
-            <a:ext cx="440690" cy="438150"/>
-          </a:xfrm>
-          <a:custGeom>
-            <a:avLst/>
-            <a:gdLst/>
-            <a:ahLst/>
-            <a:cxnLst/>
-            <a:rect l="l" t="t" r="r" b="b"/>
-            <a:pathLst>
-              <a:path w="440690" h="438150">
-                <a:moveTo>
-                  <a:pt x="85725" y="0"/>
-                </a:moveTo>
-                <a:lnTo>
-                  <a:pt x="59819" y="3859"/>
-                </a:lnTo>
-                <a:lnTo>
-                  <a:pt x="31742" y="17435"/>
-                </a:lnTo>
-                <a:lnTo>
-                  <a:pt x="9224" y="43725"/>
-                </a:lnTo>
-                <a:lnTo>
-                  <a:pt x="0" y="85725"/>
-                </a:lnTo>
-                <a:lnTo>
-                  <a:pt x="0" y="352425"/>
-                </a:lnTo>
-                <a:lnTo>
-                  <a:pt x="3859" y="378330"/>
-                </a:lnTo>
-                <a:lnTo>
-                  <a:pt x="17435" y="406407"/>
-                </a:lnTo>
-                <a:lnTo>
-                  <a:pt x="43725" y="428925"/>
-                </a:lnTo>
-                <a:lnTo>
-                  <a:pt x="85725" y="438150"/>
-                </a:lnTo>
-                <a:lnTo>
-                  <a:pt x="354711" y="438150"/>
-                </a:lnTo>
-                <a:lnTo>
-                  <a:pt x="380610" y="434290"/>
-                </a:lnTo>
-                <a:lnTo>
-                  <a:pt x="408689" y="420714"/>
-                </a:lnTo>
-                <a:lnTo>
-                  <a:pt x="431209" y="394424"/>
-                </a:lnTo>
-                <a:lnTo>
-                  <a:pt x="440436" y="352425"/>
-                </a:lnTo>
-                <a:lnTo>
-                  <a:pt x="440436" y="85725"/>
-                </a:lnTo>
-                <a:lnTo>
-                  <a:pt x="436576" y="59819"/>
-                </a:lnTo>
-                <a:lnTo>
-                  <a:pt x="423000" y="31742"/>
-                </a:lnTo>
-                <a:lnTo>
-                  <a:pt x="396710" y="9224"/>
-                </a:lnTo>
-                <a:lnTo>
-                  <a:pt x="354711" y="0"/>
-                </a:lnTo>
-                <a:lnTo>
-                  <a:pt x="85725" y="0"/>
-                </a:lnTo>
-                <a:close/>
-              </a:path>
-            </a:pathLst>
-          </a:custGeom>
-          <a:ln w="19049">
-            <a:solidFill>
-              <a:srgbClr val="5BADCE"/>
-            </a:solidFill>
-          </a:ln>
-        </p:spPr>
-        <p:txBody>
-          <a:bodyPr wrap="square" lIns="0" tIns="0" rIns="0" bIns="0" rtlCol="0"/>
-          <a:lstStyle/>
-          <a:p>
-            <a:endParaRPr/>
-          </a:p>
-        </p:txBody>
-      </p:sp>
-      <p:sp>
-        <p:nvSpPr>
-          <p:cNvPr id="22" name="object 22"/>
-          <p:cNvSpPr txBox="1"/>
-          <p:nvPr/>
-        </p:nvSpPr>
-        <p:spPr>
-          <a:xfrm>
-            <a:off x="3189606" y="4048125"/>
-            <a:ext cx="925194" cy="330200"/>
-          </a:xfrm>
-          <a:prstGeom prst="rect">
-            <a:avLst/>
-          </a:prstGeom>
-        </p:spPr>
-        <p:txBody>
-          <a:bodyPr vert="horz" wrap="square" lIns="0" tIns="12700" rIns="0" bIns="0" rtlCol="0">
-            <a:spAutoFit/>
-          </a:bodyPr>
-          <a:lstStyle/>
-          <a:p>
-            <a:pPr marL="12700" marR="5080">
-              <a:lnSpc>
-                <a:spcPct val="111100"/>
-              </a:lnSpc>
-              <a:spcBef>
-                <a:spcPts val="100"/>
-              </a:spcBef>
-            </a:pPr>
-            <a:r>
-              <a:rPr sz="900" dirty="0">
-                <a:solidFill>
-                  <a:srgbClr val="636466"/>
-                </a:solidFill>
-                <a:latin typeface="Roboto-Medium"/>
-                <a:cs typeface="Roboto-Medium"/>
-              </a:rPr>
-              <a:t>Add this block </a:t>
-            </a:r>
-            <a:r>
-              <a:rPr sz="900" spc="-10" dirty="0">
-                <a:solidFill>
-                  <a:srgbClr val="636466"/>
-                </a:solidFill>
-                <a:latin typeface="Roboto-Medium"/>
-                <a:cs typeface="Roboto-Medium"/>
-              </a:rPr>
-              <a:t>to  </a:t>
-            </a:r>
-            <a:r>
-              <a:rPr sz="900" spc="-5" dirty="0">
-                <a:solidFill>
-                  <a:srgbClr val="636466"/>
-                </a:solidFill>
-                <a:latin typeface="Roboto-Medium"/>
-                <a:cs typeface="Roboto-Medium"/>
-              </a:rPr>
-              <a:t>switch</a:t>
-            </a:r>
-            <a:r>
-              <a:rPr sz="900" spc="-75" dirty="0">
-                <a:solidFill>
-                  <a:srgbClr val="636466"/>
-                </a:solidFill>
-                <a:latin typeface="Roboto-Medium"/>
-                <a:cs typeface="Roboto-Medium"/>
-              </a:rPr>
-              <a:t> </a:t>
-            </a:r>
-            <a:r>
-              <a:rPr sz="900" spc="-5" dirty="0">
-                <a:solidFill>
-                  <a:srgbClr val="636466"/>
-                </a:solidFill>
-                <a:latin typeface="Roboto-Medium"/>
-                <a:cs typeface="Roboto-Medium"/>
-              </a:rPr>
-              <a:t>costumes.</a:t>
-            </a:r>
-            <a:endParaRPr sz="900" dirty="0">
-              <a:latin typeface="Roboto-Medium"/>
-              <a:cs typeface="Roboto-Medium"/>
-            </a:endParaRPr>
-          </a:p>
-        </p:txBody>
-      </p:sp>
-      <p:sp>
-        <p:nvSpPr>
-          <p:cNvPr id="23" name="object 23"/>
-          <p:cNvSpPr txBox="1"/>
-          <p:nvPr/>
-        </p:nvSpPr>
-        <p:spPr>
-          <a:xfrm>
-            <a:off x="324391" y="3908287"/>
-            <a:ext cx="1434782" cy="151323"/>
-          </a:xfrm>
-          <a:prstGeom prst="rect">
-            <a:avLst/>
-          </a:prstGeom>
-        </p:spPr>
-        <p:txBody>
-          <a:bodyPr vert="horz" wrap="square" lIns="0" tIns="12700" rIns="0" bIns="0" rtlCol="0">
-            <a:spAutoFit/>
-          </a:bodyPr>
-          <a:lstStyle/>
-          <a:p>
-            <a:pPr marL="12700">
-              <a:lnSpc>
-                <a:spcPct val="100000"/>
-              </a:lnSpc>
-              <a:spcBef>
-                <a:spcPts val="100"/>
-              </a:spcBef>
-            </a:pPr>
-            <a:r>
               <a:rPr sz="900" dirty="0">
                 <a:solidFill>
                   <a:srgbClr val="636466"/>
@@ -40096,8 +40131,8 @@
         </p:nvSpPr>
         <p:spPr>
           <a:xfrm>
-            <a:off x="1070650" y="5679554"/>
-            <a:ext cx="1450975" cy="151323"/>
+            <a:off x="215900" y="5679554"/>
+            <a:ext cx="2305725" cy="151323"/>
           </a:xfrm>
           <a:prstGeom prst="rect">
             <a:avLst/>
@@ -40109,7 +40144,7 @@
           </a:bodyPr>
           <a:lstStyle/>
           <a:p>
-            <a:pPr marL="12700">
+            <a:pPr marL="12700" algn="r">
               <a:lnSpc>
                 <a:spcPct val="100000"/>
               </a:lnSpc>
@@ -40309,7 +40344,7 @@
         <p:spPr>
           <a:xfrm>
             <a:off x="596900" y="5958115"/>
-            <a:ext cx="643890" cy="177800"/>
+            <a:ext cx="1437830" cy="166712"/>
           </a:xfrm>
           <a:prstGeom prst="rect">
             <a:avLst/>
@@ -40680,8 +40715,8 @@
         </p:nvSpPr>
         <p:spPr>
           <a:xfrm>
-            <a:off x="1369020" y="1117600"/>
-            <a:ext cx="1833245" cy="482600"/>
+            <a:off x="641342" y="1117600"/>
+            <a:ext cx="3289300" cy="455253"/>
           </a:xfrm>
           <a:prstGeom prst="rect">
             <a:avLst/>
@@ -40693,7 +40728,7 @@
           </a:bodyPr>
           <a:lstStyle/>
           <a:p>
-            <a:pPr marL="174625" marR="5080" indent="-162560">
+            <a:pPr marL="174625" marR="5080" indent="-162560" algn="ctr">
               <a:lnSpc>
                 <a:spcPct val="125000"/>
               </a:lnSpc>
@@ -40729,7 +40764,26 @@
                 <a:latin typeface="Roboto-Medium"/>
                 <a:cs typeface="Roboto-Medium"/>
               </a:rPr>
-              <a:t>move  </a:t>
+              <a:t>move</a:t>
+            </a:r>
+            <a:br>
+              <a:rPr lang="nl-NL" sz="1200" spc="-10" dirty="0">
+                <a:solidFill>
+                  <a:srgbClr val="FFFFFF"/>
+                </a:solidFill>
+                <a:latin typeface="Roboto-Medium"/>
+                <a:cs typeface="Roboto-Medium"/>
+              </a:rPr>
+            </a:br>
+            <a:r>
+              <a:rPr sz="1200" spc="-10" dirty="0">
+                <a:solidFill>
+                  <a:srgbClr val="FFFFFF"/>
+                </a:solidFill>
+                <a:latin typeface="Roboto-Medium"/>
+                <a:cs typeface="Roboto-Medium"/>
+              </a:rPr>
+              <a:t> </a:t>
             </a:r>
             <a:r>
               <a:rPr sz="1200" spc="-5" dirty="0">
@@ -40809,8 +40863,8 @@
         </p:nvSpPr>
         <p:spPr>
           <a:xfrm>
-            <a:off x="522314" y="471623"/>
-            <a:ext cx="3552825" cy="436880"/>
+            <a:off x="0" y="471623"/>
+            <a:ext cx="4571999" cy="436880"/>
           </a:xfrm>
           <a:prstGeom prst="rect">
             <a:avLst/>
@@ -40822,7 +40876,7 @@
           </a:bodyPr>
           <a:lstStyle/>
           <a:p>
-            <a:pPr marL="12700">
+            <a:pPr marL="12700" algn="ctr">
               <a:lnSpc>
                 <a:spcPct val="100000"/>
               </a:lnSpc>
